--- a/mid_term/mid_term_v2.pptx
+++ b/mid_term/mid_term_v2.pptx
@@ -5,7 +5,7 @@
     <p:sldMasterId id="2147483648" r:id="rId4"/>
   </p:sldMasterIdLst>
   <p:notesMasterIdLst>
-    <p:notesMasterId r:id="rId21"/>
+    <p:notesMasterId r:id="rId22"/>
   </p:notesMasterIdLst>
   <p:sldIdLst>
     <p:sldId id="256" r:id="rId5"/>
@@ -18,12 +18,13 @@
     <p:sldId id="283" r:id="rId12"/>
     <p:sldId id="293" r:id="rId13"/>
     <p:sldId id="287" r:id="rId14"/>
-    <p:sldId id="290" r:id="rId15"/>
-    <p:sldId id="292" r:id="rId16"/>
-    <p:sldId id="282" r:id="rId17"/>
-    <p:sldId id="289" r:id="rId18"/>
-    <p:sldId id="267" r:id="rId19"/>
-    <p:sldId id="288" r:id="rId20"/>
+    <p:sldId id="294" r:id="rId15"/>
+    <p:sldId id="290" r:id="rId16"/>
+    <p:sldId id="292" r:id="rId17"/>
+    <p:sldId id="282" r:id="rId18"/>
+    <p:sldId id="289" r:id="rId19"/>
+    <p:sldId id="267" r:id="rId20"/>
+    <p:sldId id="288" r:id="rId21"/>
   </p:sldIdLst>
   <p:sldSz cx="12192000" cy="6858000"/>
   <p:notesSz cx="6858000" cy="9144000"/>
@@ -172,6 +173,20 @@
 
 <file path=ppt/comments/comment11.xml><?xml version="1.0" encoding="utf-8"?>
 <p:cmLst xmlns:a="http://schemas.openxmlformats.org/drawingml/2006/main" xmlns:r="http://schemas.openxmlformats.org/officeDocument/2006/relationships" xmlns:p="http://schemas.openxmlformats.org/presentationml/2006/main">
+  <p:cm authorId="1" dt="2021-02-25T13:46:53.165" idx="16">
+    <p:pos x="4482" y="600"/>
+    <p:text>Nên để riêng 1 slide nói về các loại losses cho bài toán classification và 1 slide nói về optimizer. Trong slide nói về optimizer em có thể trình bày thêm về learning rate scheduler, và vì sao lại nên dùng nó.</p:text>
+    <p:extLst>
+      <p:ext uri="{C676402C-5697-4E1C-873F-D02D1690AC5C}">
+        <p15:threadingInfo xmlns:p15="http://schemas.microsoft.com/office/powerpoint/2012/main" timeZoneBias="-660"/>
+      </p:ext>
+    </p:extLst>
+  </p:cm>
+</p:cmLst>
+</file>
+
+<file path=ppt/comments/comment12.xml><?xml version="1.0" encoding="utf-8"?>
+<p:cmLst xmlns:a="http://schemas.openxmlformats.org/drawingml/2006/main" xmlns:r="http://schemas.openxmlformats.org/officeDocument/2006/relationships" xmlns:p="http://schemas.openxmlformats.org/presentationml/2006/main">
   <p:cm authorId="1" dt="2021-02-25T13:30:03.304" idx="5">
     <p:pos x="6936" y="774"/>
     <p:text>Chú ý khi điền bảng số liệu, số chữ số đằng sau dấu phẩy phải thống nhất.</p:text>
@@ -224,7 +239,7 @@
 </p:cmLst>
 </file>
 
-<file path=ppt/comments/comment12.xml><?xml version="1.0" encoding="utf-8"?>
+<file path=ppt/comments/comment13.xml><?xml version="1.0" encoding="utf-8"?>
 <p:cmLst xmlns:a="http://schemas.openxmlformats.org/drawingml/2006/main" xmlns:r="http://schemas.openxmlformats.org/officeDocument/2006/relationships" xmlns:p="http://schemas.openxmlformats.org/presentationml/2006/main">
   <p:cm authorId="1" dt="2021-02-25T13:49:19.356" idx="17">
     <p:pos x="2034" y="600"/>
@@ -238,7 +253,7 @@
 </p:cmLst>
 </file>
 
-<file path=ppt/comments/comment13.xml><?xml version="1.0" encoding="utf-8"?>
+<file path=ppt/comments/comment14.xml><?xml version="1.0" encoding="utf-8"?>
 <p:cmLst xmlns:a="http://schemas.openxmlformats.org/drawingml/2006/main" xmlns:r="http://schemas.openxmlformats.org/officeDocument/2006/relationships" xmlns:p="http://schemas.openxmlformats.org/presentationml/2006/main">
   <p:cm authorId="1" dt="2021-02-25T13:27:45.536" idx="4">
     <p:pos x="7152" y="575"/>
@@ -1177,7 +1192,7 @@
           <a:p>
             <a:fld id="{5AF365AE-F120-4C61-823E-9704E9511997}" type="slidenum">
               <a:rPr lang="en-AU" smtClean="0"/>
-              <a:t>11</a:t>
+              <a:t>12</a:t>
             </a:fld>
             <a:endParaRPr lang="en-AU"/>
           </a:p>
@@ -1261,7 +1276,7 @@
           <a:p>
             <a:fld id="{5AF365AE-F120-4C61-823E-9704E9511997}" type="slidenum">
               <a:rPr lang="en-AU" smtClean="0"/>
-              <a:t>12</a:t>
+              <a:t>13</a:t>
             </a:fld>
             <a:endParaRPr lang="en-AU"/>
           </a:p>
@@ -1345,7 +1360,7 @@
           <a:p>
             <a:fld id="{5AF365AE-F120-4C61-823E-9704E9511997}" type="slidenum">
               <a:rPr lang="en-AU" smtClean="0"/>
-              <a:t>13</a:t>
+              <a:t>14</a:t>
             </a:fld>
             <a:endParaRPr lang="en-AU"/>
           </a:p>
@@ -5209,14 +5224,14 @@
           <p:nvPr>
             <p:extLst>
               <p:ext uri="{D42A27DB-BD31-4B8C-83A1-F6EECF244321}">
-                <p14:modId xmlns:p14="http://schemas.microsoft.com/office/powerpoint/2010/main" val="29113864"/>
+                <p14:modId xmlns:p14="http://schemas.microsoft.com/office/powerpoint/2010/main" val="3108178630"/>
               </p:ext>
             </p:extLst>
           </p:nvPr>
         </p:nvGraphicFramePr>
         <p:xfrm>
-          <a:off x="7643042" y="4195095"/>
-          <a:ext cx="3951291" cy="2286000"/>
+          <a:off x="7177657" y="2883557"/>
+          <a:ext cx="3951291" cy="1554480"/>
         </p:xfrm>
         <a:graphic>
           <a:graphicData uri="http://schemas.openxmlformats.org/drawingml/2006/table">
@@ -5240,15 +5255,17 @@
                     <a:lstStyle/>
                     <a:p>
                       <a:r>
-                        <a:rPr lang="en-US" sz="1600" b="0" dirty="0" err="1">
+                        <a:rPr lang="en-US" sz="1600" b="0" dirty="0">
                           <a:solidFill>
                             <a:schemeClr val="tx1"/>
                           </a:solidFill>
                           <a:effectLst/>
                           <a:latin typeface="Consolas" panose="020B0609020204030204" pitchFamily="49" charset="0"/>
                         </a:rPr>
-                        <a:t>lr_schedule</a:t>
-                      </a:r>
+                        <a:t>optimizer ={</a:t>
+                      </a:r>
+                    </a:p>
+                    <a:p>
                       <a:r>
                         <a:rPr lang="en-US" sz="1600" b="0" dirty="0">
                           <a:solidFill>
@@ -5257,7 +5274,7 @@
                           <a:effectLst/>
                           <a:latin typeface="Consolas" panose="020B0609020204030204" pitchFamily="49" charset="0"/>
                         </a:rPr>
-                        <a:t> = {</a:t>
+                        <a:t>    "class": SGD,</a:t>
                       </a:r>
                     </a:p>
                     <a:p>
@@ -5269,7 +5286,7 @@
                           <a:effectLst/>
                           <a:latin typeface="Consolas" panose="020B0609020204030204" pitchFamily="49" charset="0"/>
                         </a:rPr>
-                        <a:t>    "class": </a:t>
+                        <a:t>    "</a:t>
                       </a:r>
                       <a:r>
                         <a:rPr lang="en-US" sz="1600" b="0" dirty="0" err="1">
@@ -5279,7 +5296,7 @@
                           <a:effectLst/>
                           <a:latin typeface="Consolas" panose="020B0609020204030204" pitchFamily="49" charset="0"/>
                         </a:rPr>
-                        <a:t>StepLR</a:t>
+                        <a:t>optimizer_args</a:t>
                       </a:r>
                       <a:r>
                         <a:rPr lang="en-US" sz="1600" b="0" dirty="0">
@@ -5289,7 +5306,7 @@
                           <a:effectLst/>
                           <a:latin typeface="Consolas" panose="020B0609020204030204" pitchFamily="49" charset="0"/>
                         </a:rPr>
-                        <a:t>,</a:t>
+                        <a:t>":{</a:t>
                       </a:r>
                     </a:p>
                     <a:p>
@@ -5301,115 +5318,7 @@
                           <a:effectLst/>
                           <a:latin typeface="Consolas" panose="020B0609020204030204" pitchFamily="49" charset="0"/>
                         </a:rPr>
-                        <a:t>    "</a:t>
-                      </a:r>
-                      <a:r>
-                        <a:rPr lang="en-US" sz="1600" b="0" dirty="0" err="1">
-                          <a:solidFill>
-                            <a:schemeClr val="tx1"/>
-                          </a:solidFill>
-                          <a:effectLst/>
-                          <a:latin typeface="Consolas" panose="020B0609020204030204" pitchFamily="49" charset="0"/>
-                        </a:rPr>
-                        <a:t>metric":None</a:t>
-                      </a:r>
-                      <a:r>
-                        <a:rPr lang="en-US" sz="1600" b="0" dirty="0">
-                          <a:solidFill>
-                            <a:schemeClr val="tx1"/>
-                          </a:solidFill>
-                          <a:effectLst/>
-                          <a:latin typeface="Consolas" panose="020B0609020204030204" pitchFamily="49" charset="0"/>
-                        </a:rPr>
-                        <a:t>,</a:t>
-                      </a:r>
-                    </a:p>
-                    <a:p>
-                      <a:r>
-                        <a:rPr lang="en-US" sz="1600" b="0" dirty="0">
-                          <a:solidFill>
-                            <a:schemeClr val="tx1"/>
-                          </a:solidFill>
-                          <a:effectLst/>
-                          <a:latin typeface="Consolas" panose="020B0609020204030204" pitchFamily="49" charset="0"/>
-                        </a:rPr>
-                        <a:t>    "</a:t>
-                      </a:r>
-                      <a:r>
-                        <a:rPr lang="en-US" sz="1600" b="0" dirty="0" err="1">
-                          <a:solidFill>
-                            <a:schemeClr val="tx1"/>
-                          </a:solidFill>
-                          <a:effectLst/>
-                          <a:latin typeface="Consolas" panose="020B0609020204030204" pitchFamily="49" charset="0"/>
-                        </a:rPr>
-                        <a:t>step_type":"epoch</a:t>
-                      </a:r>
-                      <a:r>
-                        <a:rPr lang="en-US" sz="1600" b="0" dirty="0">
-                          <a:solidFill>
-                            <a:schemeClr val="tx1"/>
-                          </a:solidFill>
-                          <a:effectLst/>
-                          <a:latin typeface="Consolas" panose="020B0609020204030204" pitchFamily="49" charset="0"/>
-                        </a:rPr>
-                        <a:t>",</a:t>
-                      </a:r>
-                    </a:p>
-                    <a:p>
-                      <a:r>
-                        <a:rPr lang="en-US" sz="1600" b="0" dirty="0">
-                          <a:solidFill>
-                            <a:schemeClr val="tx1"/>
-                          </a:solidFill>
-                          <a:effectLst/>
-                          <a:latin typeface="Consolas" panose="020B0609020204030204" pitchFamily="49" charset="0"/>
-                        </a:rPr>
-                        <a:t>    "</a:t>
-                      </a:r>
-                      <a:r>
-                        <a:rPr lang="en-US" sz="1600" b="0" dirty="0" err="1">
-                          <a:solidFill>
-                            <a:schemeClr val="tx1"/>
-                          </a:solidFill>
-                          <a:effectLst/>
-                          <a:latin typeface="Consolas" panose="020B0609020204030204" pitchFamily="49" charset="0"/>
-                        </a:rPr>
-                        <a:t>schedule_args</a:t>
-                      </a:r>
-                      <a:r>
-                        <a:rPr lang="en-US" sz="1600" b="0" dirty="0">
-                          <a:solidFill>
-                            <a:schemeClr val="tx1"/>
-                          </a:solidFill>
-                          <a:effectLst/>
-                          <a:latin typeface="Consolas" panose="020B0609020204030204" pitchFamily="49" charset="0"/>
-                        </a:rPr>
-                        <a:t>":{</a:t>
-                      </a:r>
-                    </a:p>
-                    <a:p>
-                      <a:r>
-                        <a:rPr lang="en-US" sz="1600" b="0" dirty="0">
-                          <a:solidFill>
-                            <a:schemeClr val="tx1"/>
-                          </a:solidFill>
-                          <a:effectLst/>
-                          <a:latin typeface="Consolas" panose="020B0609020204030204" pitchFamily="49" charset="0"/>
-                        </a:rPr>
-                        <a:t>        "step_size":5,</a:t>
-                      </a:r>
-                    </a:p>
-                    <a:p>
-                      <a:r>
-                        <a:rPr lang="en-US" sz="1600" b="0" dirty="0">
-                          <a:solidFill>
-                            <a:schemeClr val="tx1"/>
-                          </a:solidFill>
-                          <a:effectLst/>
-                          <a:latin typeface="Consolas" panose="020B0609020204030204" pitchFamily="49" charset="0"/>
-                        </a:rPr>
-                        <a:t>        "gamma":0.1,</a:t>
+                        <a:t>        "momentum":0.9</a:t>
                       </a:r>
                     </a:p>
                     <a:p>
@@ -5449,155 +5358,1649 @@
           </a:graphicData>
         </a:graphic>
       </p:graphicFrame>
-      <p:graphicFrame>
-        <p:nvGraphicFramePr>
-          <p:cNvPr id="9" name="Table 11">
+      <mc:AlternateContent xmlns:mc="http://schemas.openxmlformats.org/markup-compatibility/2006">
+        <mc:Choice xmlns:a14="http://schemas.microsoft.com/office/drawing/2010/main" Requires="a14">
+          <p:graphicFrame>
+            <p:nvGraphicFramePr>
+              <p:cNvPr id="11" name="Table 6">
+                <a:extLst>
+                  <a:ext uri="{FF2B5EF4-FFF2-40B4-BE49-F238E27FC236}">
+                    <a16:creationId xmlns:a16="http://schemas.microsoft.com/office/drawing/2014/main" id="{4F9EE4CE-A43C-433F-8FD4-E090EAE4F2C0}"/>
+                  </a:ext>
+                </a:extLst>
+              </p:cNvPr>
+              <p:cNvGraphicFramePr>
+                <a:graphicFrameLocks noGrp="1"/>
+              </p:cNvGraphicFramePr>
+              <p:nvPr>
+                <p:extLst>
+                  <p:ext uri="{D42A27DB-BD31-4B8C-83A1-F6EECF244321}">
+                    <p14:modId xmlns:p14="http://schemas.microsoft.com/office/powerpoint/2010/main" val="1608284608"/>
+                  </p:ext>
+                </p:extLst>
+              </p:nvPr>
+            </p:nvGraphicFramePr>
+            <p:xfrm>
+              <a:off x="838200" y="1738869"/>
+              <a:ext cx="5685308" cy="3908077"/>
+            </p:xfrm>
+            <a:graphic>
+              <a:graphicData uri="http://schemas.openxmlformats.org/drawingml/2006/table">
+                <a:tbl>
+                  <a:tblPr bandRow="1">
+                    <a:tableStyleId>{5C22544A-7EE6-4342-B048-85BDC9FD1C3A}</a:tableStyleId>
+                  </a:tblPr>
+                  <a:tblGrid>
+                    <a:gridCol w="1666190">
+                      <a:extLst>
+                        <a:ext uri="{9D8B030D-6E8A-4147-A177-3AD203B41FA5}">
+                          <a16:colId xmlns:a16="http://schemas.microsoft.com/office/drawing/2014/main" val="3260499319"/>
+                        </a:ext>
+                      </a:extLst>
+                    </a:gridCol>
+                    <a:gridCol w="4019118">
+                      <a:extLst>
+                        <a:ext uri="{9D8B030D-6E8A-4147-A177-3AD203B41FA5}">
+                          <a16:colId xmlns:a16="http://schemas.microsoft.com/office/drawing/2014/main" val="1498540713"/>
+                        </a:ext>
+                      </a:extLst>
+                    </a:gridCol>
+                  </a:tblGrid>
+                  <a:tr h="659557">
+                    <a:tc>
+                      <a:txBody>
+                        <a:bodyPr/>
+                        <a:lstStyle/>
+                        <a:p>
+                          <a:r>
+                            <a:rPr lang="en-US" dirty="0"/>
+                            <a:t>Optimizer</a:t>
+                          </a:r>
+                        </a:p>
+                      </a:txBody>
+                      <a:tcPr/>
+                    </a:tc>
+                    <a:tc>
+                      <a:txBody>
+                        <a:bodyPr/>
+                        <a:lstStyle/>
+                        <a:p>
+                          <a:r>
+                            <a:rPr lang="en-US" dirty="0"/>
+                            <a:t>Description</a:t>
+                          </a:r>
+                        </a:p>
+                      </a:txBody>
+                      <a:tcPr/>
+                    </a:tc>
+                    <a:extLst>
+                      <a:ext uri="{0D108BD9-81ED-4DB2-BD59-A6C34878D82A}">
+                        <a16:rowId xmlns:a16="http://schemas.microsoft.com/office/drawing/2014/main" val="1504969892"/>
+                      </a:ext>
+                    </a:extLst>
+                  </a:tr>
+                  <a:tr h="626663">
+                    <a:tc>
+                      <a:txBody>
+                        <a:bodyPr/>
+                        <a:lstStyle/>
+                        <a:p>
+                          <a:r>
+                            <a:rPr lang="en-US" dirty="0"/>
+                            <a:t>SGD</a:t>
+                          </a:r>
+                        </a:p>
+                      </a:txBody>
+                      <a:tcPr/>
+                    </a:tc>
+                    <a:tc>
+                      <a:txBody>
+                        <a:bodyPr/>
+                        <a:lstStyle/>
+                        <a:p>
+                          <a:pPr marL="285750" indent="-285750">
+                            <a:buFont typeface="Arial" panose="020B0604020202020204" pitchFamily="34" charset="0"/>
+                            <a:buChar char="•"/>
+                          </a:pPr>
+                          <a14:m>
+                            <m:oMath xmlns:m="http://schemas.openxmlformats.org/officeDocument/2006/math">
+                              <m:sSub>
+                                <m:sSubPr>
+                                  <m:ctrlPr>
+                                    <a:rPr lang="en-US" b="0" i="1" smtClean="0">
+                                      <a:latin typeface="Cambria Math" panose="02040503050406030204" pitchFamily="18" charset="0"/>
+                                    </a:rPr>
+                                  </m:ctrlPr>
+                                </m:sSubPr>
+                                <m:e>
+                                  <m:r>
+                                    <a:rPr lang="en-US" b="0" i="1" smtClean="0">
+                                      <a:latin typeface="Cambria Math" panose="02040503050406030204" pitchFamily="18" charset="0"/>
+                                    </a:rPr>
+                                    <m:t>𝑊</m:t>
+                                  </m:r>
+                                </m:e>
+                                <m:sub>
+                                  <m:r>
+                                    <a:rPr lang="en-US" b="0" i="1" smtClean="0">
+                                      <a:latin typeface="Cambria Math" panose="02040503050406030204" pitchFamily="18" charset="0"/>
+                                    </a:rPr>
+                                    <m:t>𝑡</m:t>
+                                  </m:r>
+                                  <m:r>
+                                    <a:rPr lang="en-US" b="0" i="1" smtClean="0">
+                                      <a:latin typeface="Cambria Math" panose="02040503050406030204" pitchFamily="18" charset="0"/>
+                                    </a:rPr>
+                                    <m:t>+1</m:t>
+                                  </m:r>
+                                </m:sub>
+                              </m:sSub>
+                              <m:r>
+                                <a:rPr lang="en-US" b="0" i="1" smtClean="0">
+                                  <a:latin typeface="Cambria Math" panose="02040503050406030204" pitchFamily="18" charset="0"/>
+                                </a:rPr>
+                                <m:t>=</m:t>
+                              </m:r>
+                              <m:sSub>
+                                <m:sSubPr>
+                                  <m:ctrlPr>
+                                    <a:rPr lang="en-US" b="0" i="1" smtClean="0">
+                                      <a:latin typeface="Cambria Math" panose="02040503050406030204" pitchFamily="18" charset="0"/>
+                                    </a:rPr>
+                                  </m:ctrlPr>
+                                </m:sSubPr>
+                                <m:e>
+                                  <m:r>
+                                    <a:rPr lang="en-US" b="0" i="1" smtClean="0">
+                                      <a:latin typeface="Cambria Math" panose="02040503050406030204" pitchFamily="18" charset="0"/>
+                                    </a:rPr>
+                                    <m:t>𝑊</m:t>
+                                  </m:r>
+                                </m:e>
+                                <m:sub>
+                                  <m:r>
+                                    <a:rPr lang="en-US" b="0" i="1" smtClean="0">
+                                      <a:latin typeface="Cambria Math" panose="02040503050406030204" pitchFamily="18" charset="0"/>
+                                    </a:rPr>
+                                    <m:t>𝑡</m:t>
+                                  </m:r>
+                                </m:sub>
+                              </m:sSub>
+                              <m:r>
+                                <a:rPr lang="en-US" b="0" i="1" smtClean="0">
+                                  <a:latin typeface="Cambria Math" panose="02040503050406030204" pitchFamily="18" charset="0"/>
+                                </a:rPr>
+                                <m:t>−</m:t>
+                              </m:r>
+                              <m:r>
+                                <a:rPr lang="en-US" b="0" i="1" smtClean="0">
+                                  <a:latin typeface="Cambria Math" panose="02040503050406030204" pitchFamily="18" charset="0"/>
+                                </a:rPr>
+                                <m:t>𝑙𝑟</m:t>
+                              </m:r>
+                              <m:r>
+                                <a:rPr lang="en-US" b="0" i="1" smtClean="0">
+                                  <a:latin typeface="Cambria Math" panose="02040503050406030204" pitchFamily="18" charset="0"/>
+                                </a:rPr>
+                                <m:t>∗</m:t>
+                              </m:r>
+                              <m:r>
+                                <a:rPr lang="en-US" b="0" i="1" smtClean="0">
+                                  <a:latin typeface="Cambria Math" panose="02040503050406030204" pitchFamily="18" charset="0"/>
+                                </a:rPr>
+                                <m:t>𝑑𝑊</m:t>
+                              </m:r>
+                            </m:oMath>
+                          </a14:m>
+                          <a:endParaRPr lang="en-US" dirty="0"/>
+                        </a:p>
+                      </a:txBody>
+                      <a:tcPr/>
+                    </a:tc>
+                    <a:extLst>
+                      <a:ext uri="{0D108BD9-81ED-4DB2-BD59-A6C34878D82A}">
+                        <a16:rowId xmlns:a16="http://schemas.microsoft.com/office/drawing/2014/main" val="3351530658"/>
+                      </a:ext>
+                    </a:extLst>
+                  </a:tr>
+                  <a:tr h="668833">
+                    <a:tc>
+                      <a:txBody>
+                        <a:bodyPr/>
+                        <a:lstStyle/>
+                        <a:p>
+                          <a:r>
+                            <a:rPr lang="en-US" dirty="0"/>
+                            <a:t>SGD Momentum</a:t>
+                          </a:r>
+                        </a:p>
+                      </a:txBody>
+                      <a:tcPr/>
+                    </a:tc>
+                    <a:tc>
+                      <a:txBody>
+                        <a:bodyPr/>
+                        <a:lstStyle/>
+                        <a:p>
+                          <a:pPr marL="285750" marR="0" lvl="0" indent="-285750" algn="dist" defTabSz="914400" rtl="0" eaLnBrk="1" fontAlgn="auto" latinLnBrk="0" hangingPunct="1">
+                            <a:lnSpc>
+                              <a:spcPct val="100000"/>
+                            </a:lnSpc>
+                            <a:spcBef>
+                              <a:spcPts val="0"/>
+                            </a:spcBef>
+                            <a:spcAft>
+                              <a:spcPts val="0"/>
+                            </a:spcAft>
+                            <a:buClrTx/>
+                            <a:buSzTx/>
+                            <a:buFont typeface="Arial" panose="020B0604020202020204" pitchFamily="34" charset="0"/>
+                            <a:buChar char="•"/>
+                            <a:tabLst/>
+                            <a:defRPr/>
+                          </a:pPr>
+                          <a14:m>
+                            <m:oMath xmlns:m="http://schemas.openxmlformats.org/officeDocument/2006/math">
+                              <m:sSub>
+                                <m:sSubPr>
+                                  <m:ctrlPr>
+                                    <a:rPr lang="en-US" b="0" i="1" smtClean="0">
+                                      <a:latin typeface="Cambria Math" panose="02040503050406030204" pitchFamily="18" charset="0"/>
+                                    </a:rPr>
+                                  </m:ctrlPr>
+                                </m:sSubPr>
+                                <m:e>
+                                  <m:r>
+                                    <a:rPr lang="en-US" b="0" i="1" smtClean="0">
+                                      <a:latin typeface="Cambria Math" panose="02040503050406030204" pitchFamily="18" charset="0"/>
+                                    </a:rPr>
+                                    <m:t>𝑉</m:t>
+                                  </m:r>
+                                </m:e>
+                                <m:sub>
+                                  <m:r>
+                                    <a:rPr lang="en-US" b="0" i="1" smtClean="0">
+                                      <a:latin typeface="Cambria Math" panose="02040503050406030204" pitchFamily="18" charset="0"/>
+                                    </a:rPr>
+                                    <m:t>𝑡</m:t>
+                                  </m:r>
+                                  <m:r>
+                                    <a:rPr lang="en-US" b="0" i="1" smtClean="0">
+                                      <a:latin typeface="Cambria Math" panose="02040503050406030204" pitchFamily="18" charset="0"/>
+                                    </a:rPr>
+                                    <m:t>+1</m:t>
+                                  </m:r>
+                                </m:sub>
+                              </m:sSub>
+                              <m:r>
+                                <a:rPr lang="en-US" b="0" i="1" dirty="0" smtClean="0">
+                                  <a:latin typeface="Cambria Math" panose="02040503050406030204" pitchFamily="18" charset="0"/>
+                                </a:rPr>
+                                <m:t>=</m:t>
+                              </m:r>
+                              <m:r>
+                                <a:rPr lang="en-US" b="0" i="1" dirty="0" smtClean="0">
+                                  <a:latin typeface="Cambria Math" panose="02040503050406030204" pitchFamily="18" charset="0"/>
+                                  <a:ea typeface="Cambria Math" panose="02040503050406030204" pitchFamily="18" charset="0"/>
+                                </a:rPr>
+                                <m:t>𝛽</m:t>
+                              </m:r>
+                              <m:r>
+                                <a:rPr lang="en-US" b="0" i="1" dirty="0" smtClean="0">
+                                  <a:latin typeface="Cambria Math" panose="02040503050406030204" pitchFamily="18" charset="0"/>
+                                  <a:ea typeface="Cambria Math" panose="02040503050406030204" pitchFamily="18" charset="0"/>
+                                </a:rPr>
+                                <m:t>∗</m:t>
+                              </m:r>
+                              <m:sSub>
+                                <m:sSubPr>
+                                  <m:ctrlPr>
+                                    <a:rPr lang="en-US" b="0" i="1" dirty="0" err="1" smtClean="0">
+                                      <a:latin typeface="Cambria Math" panose="02040503050406030204" pitchFamily="18" charset="0"/>
+                                    </a:rPr>
+                                  </m:ctrlPr>
+                                </m:sSubPr>
+                                <m:e>
+                                  <m:r>
+                                    <a:rPr lang="en-US" b="0" i="1" dirty="0" smtClean="0">
+                                      <a:latin typeface="Cambria Math" panose="02040503050406030204" pitchFamily="18" charset="0"/>
+                                    </a:rPr>
+                                    <m:t>𝑉</m:t>
+                                  </m:r>
+                                </m:e>
+                                <m:sub>
+                                  <m:r>
+                                    <a:rPr lang="en-US" b="0" i="1" dirty="0" err="1" smtClean="0">
+                                      <a:latin typeface="Cambria Math" panose="02040503050406030204" pitchFamily="18" charset="0"/>
+                                    </a:rPr>
+                                    <m:t>𝑡</m:t>
+                                  </m:r>
+                                </m:sub>
+                              </m:sSub>
+                              <m:r>
+                                <a:rPr lang="en-US" b="0" i="1" dirty="0" smtClean="0">
+                                  <a:latin typeface="Cambria Math" panose="02040503050406030204" pitchFamily="18" charset="0"/>
+                                </a:rPr>
+                                <m:t>+(1−</m:t>
+                              </m:r>
+                              <m:r>
+                                <a:rPr lang="en-US" b="0" i="1" dirty="0" smtClean="0">
+                                  <a:latin typeface="Cambria Math" panose="02040503050406030204" pitchFamily="18" charset="0"/>
+                                  <a:ea typeface="Cambria Math" panose="02040503050406030204" pitchFamily="18" charset="0"/>
+                                </a:rPr>
+                                <m:t>𝛽</m:t>
+                              </m:r>
+                              <m:r>
+                                <a:rPr lang="en-US" b="0" i="1" dirty="0" smtClean="0">
+                                  <a:latin typeface="Cambria Math" panose="02040503050406030204" pitchFamily="18" charset="0"/>
+                                  <a:ea typeface="Cambria Math" panose="02040503050406030204" pitchFamily="18" charset="0"/>
+                                </a:rPr>
+                                <m:t>)∗</m:t>
+                              </m:r>
+                              <m:r>
+                                <a:rPr lang="en-US" b="0" i="1" dirty="0" err="1" smtClean="0">
+                                  <a:latin typeface="Cambria Math" panose="02040503050406030204" pitchFamily="18" charset="0"/>
+                                </a:rPr>
+                                <m:t>𝑑𝑊</m:t>
+                              </m:r>
+                            </m:oMath>
+                          </a14:m>
+                          <a:endParaRPr lang="en-US" dirty="0"/>
+                        </a:p>
+                        <a:p>
+                          <a:pPr marL="285750" marR="0" lvl="0" indent="-285750" algn="dist" defTabSz="914400" rtl="0" eaLnBrk="1" fontAlgn="auto" latinLnBrk="0" hangingPunct="1">
+                            <a:lnSpc>
+                              <a:spcPct val="100000"/>
+                            </a:lnSpc>
+                            <a:spcBef>
+                              <a:spcPts val="0"/>
+                            </a:spcBef>
+                            <a:spcAft>
+                              <a:spcPts val="0"/>
+                            </a:spcAft>
+                            <a:buClrTx/>
+                            <a:buSzTx/>
+                            <a:buFont typeface="Arial" panose="020B0604020202020204" pitchFamily="34" charset="0"/>
+                            <a:buChar char="•"/>
+                            <a:tabLst/>
+                            <a:defRPr/>
+                          </a:pPr>
+                          <a14:m>
+                            <m:oMath xmlns:m="http://schemas.openxmlformats.org/officeDocument/2006/math">
+                              <m:sSub>
+                                <m:sSubPr>
+                                  <m:ctrlPr>
+                                    <a:rPr lang="en-US" b="0" i="1" smtClean="0">
+                                      <a:latin typeface="Cambria Math" panose="02040503050406030204" pitchFamily="18" charset="0"/>
+                                    </a:rPr>
+                                  </m:ctrlPr>
+                                </m:sSubPr>
+                                <m:e>
+                                  <m:r>
+                                    <a:rPr lang="en-US" b="0" i="1" smtClean="0">
+                                      <a:latin typeface="Cambria Math" panose="02040503050406030204" pitchFamily="18" charset="0"/>
+                                    </a:rPr>
+                                    <m:t>𝑊</m:t>
+                                  </m:r>
+                                </m:e>
+                                <m:sub>
+                                  <m:r>
+                                    <a:rPr lang="en-US" b="0" i="1" smtClean="0">
+                                      <a:latin typeface="Cambria Math" panose="02040503050406030204" pitchFamily="18" charset="0"/>
+                                    </a:rPr>
+                                    <m:t>𝑡</m:t>
+                                  </m:r>
+                                  <m:r>
+                                    <a:rPr lang="en-US" b="0" i="1" smtClean="0">
+                                      <a:latin typeface="Cambria Math" panose="02040503050406030204" pitchFamily="18" charset="0"/>
+                                    </a:rPr>
+                                    <m:t>+1</m:t>
+                                  </m:r>
+                                </m:sub>
+                              </m:sSub>
+                              <m:r>
+                                <a:rPr lang="en-US" b="0" i="1" smtClean="0">
+                                  <a:latin typeface="Cambria Math" panose="02040503050406030204" pitchFamily="18" charset="0"/>
+                                </a:rPr>
+                                <m:t>=</m:t>
+                              </m:r>
+                              <m:sSub>
+                                <m:sSubPr>
+                                  <m:ctrlPr>
+                                    <a:rPr lang="en-US" b="0" i="1" smtClean="0">
+                                      <a:latin typeface="Cambria Math" panose="02040503050406030204" pitchFamily="18" charset="0"/>
+                                    </a:rPr>
+                                  </m:ctrlPr>
+                                </m:sSubPr>
+                                <m:e>
+                                  <m:r>
+                                    <a:rPr lang="en-US" b="0" i="1" smtClean="0">
+                                      <a:latin typeface="Cambria Math" panose="02040503050406030204" pitchFamily="18" charset="0"/>
+                                    </a:rPr>
+                                    <m:t>𝑊</m:t>
+                                  </m:r>
+                                </m:e>
+                                <m:sub>
+                                  <m:r>
+                                    <a:rPr lang="en-US" b="0" i="1" smtClean="0">
+                                      <a:latin typeface="Cambria Math" panose="02040503050406030204" pitchFamily="18" charset="0"/>
+                                    </a:rPr>
+                                    <m:t>𝑡</m:t>
+                                  </m:r>
+                                </m:sub>
+                              </m:sSub>
+                              <m:r>
+                                <a:rPr lang="en-US" b="0" i="1" smtClean="0">
+                                  <a:latin typeface="Cambria Math" panose="02040503050406030204" pitchFamily="18" charset="0"/>
+                                </a:rPr>
+                                <m:t>−</m:t>
+                              </m:r>
+                              <m:r>
+                                <a:rPr lang="en-US" b="0" i="1" smtClean="0">
+                                  <a:latin typeface="Cambria Math" panose="02040503050406030204" pitchFamily="18" charset="0"/>
+                                  <a:ea typeface="Cambria Math" panose="02040503050406030204" pitchFamily="18" charset="0"/>
+                                </a:rPr>
+                                <m:t>𝛼</m:t>
+                              </m:r>
+                              <m:r>
+                                <a:rPr lang="en-US" b="0" i="1" smtClean="0">
+                                  <a:latin typeface="Cambria Math" panose="02040503050406030204" pitchFamily="18" charset="0"/>
+                                </a:rPr>
+                                <m:t>∗</m:t>
+                              </m:r>
+                              <m:sSub>
+                                <m:sSubPr>
+                                  <m:ctrlPr>
+                                    <a:rPr lang="en-US" b="0" i="1" smtClean="0">
+                                      <a:latin typeface="Cambria Math" panose="02040503050406030204" pitchFamily="18" charset="0"/>
+                                    </a:rPr>
+                                  </m:ctrlPr>
+                                </m:sSubPr>
+                                <m:e>
+                                  <m:r>
+                                    <a:rPr lang="en-US" b="0" i="1" smtClean="0">
+                                      <a:latin typeface="Cambria Math" panose="02040503050406030204" pitchFamily="18" charset="0"/>
+                                    </a:rPr>
+                                    <m:t>𝑉</m:t>
+                                  </m:r>
+                                </m:e>
+                                <m:sub>
+                                  <m:r>
+                                    <a:rPr lang="en-US" b="0" i="1" smtClean="0">
+                                      <a:latin typeface="Cambria Math" panose="02040503050406030204" pitchFamily="18" charset="0"/>
+                                    </a:rPr>
+                                    <m:t>𝑡</m:t>
+                                  </m:r>
+                                  <m:r>
+                                    <a:rPr lang="en-US" b="0" i="1" smtClean="0">
+                                      <a:latin typeface="Cambria Math" panose="02040503050406030204" pitchFamily="18" charset="0"/>
+                                    </a:rPr>
+                                    <m:t>+1</m:t>
+                                  </m:r>
+                                </m:sub>
+                              </m:sSub>
+                            </m:oMath>
+                          </a14:m>
+                          <a:endParaRPr lang="en-US" dirty="0"/>
+                        </a:p>
+                      </a:txBody>
+                      <a:tcPr/>
+                    </a:tc>
+                    <a:extLst>
+                      <a:ext uri="{0D108BD9-81ED-4DB2-BD59-A6C34878D82A}">
+                        <a16:rowId xmlns:a16="http://schemas.microsoft.com/office/drawing/2014/main" val="2401624614"/>
+                      </a:ext>
+                    </a:extLst>
+                  </a:tr>
+                  <a:tr h="838942">
+                    <a:tc>
+                      <a:txBody>
+                        <a:bodyPr/>
+                        <a:lstStyle/>
+                        <a:p>
+                          <a:r>
+                            <a:rPr lang="en-US" dirty="0" err="1"/>
+                            <a:t>RMSProp</a:t>
+                          </a:r>
+                          <a:endParaRPr lang="en-US" dirty="0"/>
+                        </a:p>
+                      </a:txBody>
+                      <a:tcPr/>
+                    </a:tc>
+                    <a:tc>
+                      <a:txBody>
+                        <a:bodyPr/>
+                        <a:lstStyle/>
+                        <a:p>
+                          <a:pPr marL="285750" marR="0" lvl="0" indent="-285750" algn="dist" defTabSz="914400" rtl="0" eaLnBrk="1" fontAlgn="auto" latinLnBrk="0" hangingPunct="1">
+                            <a:lnSpc>
+                              <a:spcPct val="100000"/>
+                            </a:lnSpc>
+                            <a:spcBef>
+                              <a:spcPts val="0"/>
+                            </a:spcBef>
+                            <a:spcAft>
+                              <a:spcPts val="0"/>
+                            </a:spcAft>
+                            <a:buClrTx/>
+                            <a:buSzTx/>
+                            <a:buFont typeface="Arial" panose="020B0604020202020204" pitchFamily="34" charset="0"/>
+                            <a:buChar char="•"/>
+                            <a:tabLst/>
+                            <a:defRPr/>
+                          </a:pPr>
+                          <a14:m>
+                            <m:oMath xmlns:m="http://schemas.openxmlformats.org/officeDocument/2006/math">
+                              <m:sSub>
+                                <m:sSubPr>
+                                  <m:ctrlPr>
+                                    <a:rPr lang="en-US" b="0" i="1" smtClean="0">
+                                      <a:latin typeface="Cambria Math" panose="02040503050406030204" pitchFamily="18" charset="0"/>
+                                    </a:rPr>
+                                  </m:ctrlPr>
+                                </m:sSubPr>
+                                <m:e>
+                                  <m:r>
+                                    <a:rPr lang="en-US" b="0" i="1" smtClean="0">
+                                      <a:latin typeface="Cambria Math" panose="02040503050406030204" pitchFamily="18" charset="0"/>
+                                    </a:rPr>
+                                    <m:t>𝑆</m:t>
+                                  </m:r>
+                                </m:e>
+                                <m:sub>
+                                  <m:r>
+                                    <a:rPr lang="en-US" b="0" i="1" smtClean="0">
+                                      <a:latin typeface="Cambria Math" panose="02040503050406030204" pitchFamily="18" charset="0"/>
+                                    </a:rPr>
+                                    <m:t>𝑡</m:t>
+                                  </m:r>
+                                  <m:r>
+                                    <a:rPr lang="en-US" b="0" i="1" smtClean="0">
+                                      <a:latin typeface="Cambria Math" panose="02040503050406030204" pitchFamily="18" charset="0"/>
+                                    </a:rPr>
+                                    <m:t>+1</m:t>
+                                  </m:r>
+                                </m:sub>
+                              </m:sSub>
+                              <m:r>
+                                <a:rPr lang="en-US" b="0" i="1" dirty="0" smtClean="0">
+                                  <a:latin typeface="Cambria Math" panose="02040503050406030204" pitchFamily="18" charset="0"/>
+                                </a:rPr>
+                                <m:t>=</m:t>
+                              </m:r>
+                              <m:r>
+                                <a:rPr lang="en-US" b="0" i="1" dirty="0" smtClean="0">
+                                  <a:latin typeface="Cambria Math" panose="02040503050406030204" pitchFamily="18" charset="0"/>
+                                  <a:ea typeface="Cambria Math" panose="02040503050406030204" pitchFamily="18" charset="0"/>
+                                </a:rPr>
+                                <m:t>𝛾</m:t>
+                              </m:r>
+                              <m:r>
+                                <a:rPr lang="en-US" b="0" i="1" dirty="0" smtClean="0">
+                                  <a:latin typeface="Cambria Math" panose="02040503050406030204" pitchFamily="18" charset="0"/>
+                                  <a:ea typeface="Cambria Math" panose="02040503050406030204" pitchFamily="18" charset="0"/>
+                                </a:rPr>
+                                <m:t>∗</m:t>
+                              </m:r>
+                              <m:sSub>
+                                <m:sSubPr>
+                                  <m:ctrlPr>
+                                    <a:rPr lang="en-US" b="0" i="1" dirty="0" err="1" smtClean="0">
+                                      <a:latin typeface="Cambria Math" panose="02040503050406030204" pitchFamily="18" charset="0"/>
+                                    </a:rPr>
+                                  </m:ctrlPr>
+                                </m:sSubPr>
+                                <m:e>
+                                  <m:r>
+                                    <a:rPr lang="en-US" b="0" i="1" dirty="0" smtClean="0">
+                                      <a:latin typeface="Cambria Math" panose="02040503050406030204" pitchFamily="18" charset="0"/>
+                                    </a:rPr>
+                                    <m:t>𝑆</m:t>
+                                  </m:r>
+                                </m:e>
+                                <m:sub>
+                                  <m:r>
+                                    <a:rPr lang="en-US" b="0" i="1" dirty="0" err="1" smtClean="0">
+                                      <a:latin typeface="Cambria Math" panose="02040503050406030204" pitchFamily="18" charset="0"/>
+                                    </a:rPr>
+                                    <m:t>𝑡</m:t>
+                                  </m:r>
+                                </m:sub>
+                              </m:sSub>
+                              <m:r>
+                                <a:rPr lang="en-US" b="0" i="1" dirty="0" smtClean="0">
+                                  <a:latin typeface="Cambria Math" panose="02040503050406030204" pitchFamily="18" charset="0"/>
+                                </a:rPr>
+                                <m:t>+(1−</m:t>
+                              </m:r>
+                              <m:r>
+                                <a:rPr lang="en-US" b="0" i="1" dirty="0" smtClean="0">
+                                  <a:latin typeface="Cambria Math" panose="02040503050406030204" pitchFamily="18" charset="0"/>
+                                  <a:ea typeface="Cambria Math" panose="02040503050406030204" pitchFamily="18" charset="0"/>
+                                </a:rPr>
+                                <m:t>𝛾</m:t>
+                              </m:r>
+                              <m:r>
+                                <a:rPr lang="en-US" b="0" i="1" dirty="0" smtClean="0">
+                                  <a:latin typeface="Cambria Math" panose="02040503050406030204" pitchFamily="18" charset="0"/>
+                                  <a:ea typeface="Cambria Math" panose="02040503050406030204" pitchFamily="18" charset="0"/>
+                                </a:rPr>
+                                <m:t>)∗</m:t>
+                              </m:r>
+                              <m:sSup>
+                                <m:sSupPr>
+                                  <m:ctrlPr>
+                                    <a:rPr lang="en-US" b="0" i="1" dirty="0" smtClean="0">
+                                      <a:latin typeface="Cambria Math" panose="02040503050406030204" pitchFamily="18" charset="0"/>
+                                      <a:ea typeface="Cambria Math" panose="02040503050406030204" pitchFamily="18" charset="0"/>
+                                    </a:rPr>
+                                  </m:ctrlPr>
+                                </m:sSupPr>
+                                <m:e>
+                                  <m:r>
+                                    <a:rPr lang="en-US" b="0" i="1" dirty="0" smtClean="0">
+                                      <a:latin typeface="Cambria Math" panose="02040503050406030204" pitchFamily="18" charset="0"/>
+                                    </a:rPr>
+                                    <m:t>𝑑𝑊</m:t>
+                                  </m:r>
+                                </m:e>
+                                <m:sup>
+                                  <m:r>
+                                    <a:rPr lang="en-US" b="0" i="1" dirty="0" smtClean="0">
+                                      <a:latin typeface="Cambria Math" panose="02040503050406030204" pitchFamily="18" charset="0"/>
+                                      <a:ea typeface="Cambria Math" panose="02040503050406030204" pitchFamily="18" charset="0"/>
+                                    </a:rPr>
+                                    <m:t>2</m:t>
+                                  </m:r>
+                                </m:sup>
+                              </m:sSup>
+                            </m:oMath>
+                          </a14:m>
+                          <a:endParaRPr lang="en-US" dirty="0"/>
+                        </a:p>
+                        <a:p>
+                          <a:pPr marL="285750" marR="0" lvl="0" indent="-285750" algn="dist" defTabSz="914400" rtl="0" eaLnBrk="1" fontAlgn="auto" latinLnBrk="0" hangingPunct="1">
+                            <a:lnSpc>
+                              <a:spcPct val="100000"/>
+                            </a:lnSpc>
+                            <a:spcBef>
+                              <a:spcPts val="0"/>
+                            </a:spcBef>
+                            <a:spcAft>
+                              <a:spcPts val="0"/>
+                            </a:spcAft>
+                            <a:buClrTx/>
+                            <a:buSzTx/>
+                            <a:buFont typeface="Arial" panose="020B0604020202020204" pitchFamily="34" charset="0"/>
+                            <a:buChar char="•"/>
+                            <a:tabLst/>
+                            <a:defRPr/>
+                          </a:pPr>
+                          <a14:m>
+                            <m:oMath xmlns:m="http://schemas.openxmlformats.org/officeDocument/2006/math">
+                              <m:sSub>
+                                <m:sSubPr>
+                                  <m:ctrlPr>
+                                    <a:rPr lang="en-US" b="0" i="1" smtClean="0">
+                                      <a:latin typeface="Cambria Math" panose="02040503050406030204" pitchFamily="18" charset="0"/>
+                                    </a:rPr>
+                                  </m:ctrlPr>
+                                </m:sSubPr>
+                                <m:e>
+                                  <m:r>
+                                    <a:rPr lang="en-US" b="0" i="1" smtClean="0">
+                                      <a:latin typeface="Cambria Math" panose="02040503050406030204" pitchFamily="18" charset="0"/>
+                                    </a:rPr>
+                                    <m:t>𝑊</m:t>
+                                  </m:r>
+                                </m:e>
+                                <m:sub>
+                                  <m:r>
+                                    <a:rPr lang="en-US" b="0" i="1" smtClean="0">
+                                      <a:latin typeface="Cambria Math" panose="02040503050406030204" pitchFamily="18" charset="0"/>
+                                    </a:rPr>
+                                    <m:t>𝑡</m:t>
+                                  </m:r>
+                                  <m:r>
+                                    <a:rPr lang="en-US" b="0" i="1" smtClean="0">
+                                      <a:latin typeface="Cambria Math" panose="02040503050406030204" pitchFamily="18" charset="0"/>
+                                    </a:rPr>
+                                    <m:t>+1</m:t>
+                                  </m:r>
+                                </m:sub>
+                              </m:sSub>
+                              <m:r>
+                                <a:rPr lang="en-US" b="0" i="1" smtClean="0">
+                                  <a:latin typeface="Cambria Math" panose="02040503050406030204" pitchFamily="18" charset="0"/>
+                                </a:rPr>
+                                <m:t>=</m:t>
+                              </m:r>
+                              <m:sSub>
+                                <m:sSubPr>
+                                  <m:ctrlPr>
+                                    <a:rPr lang="en-US" b="0" i="1" smtClean="0">
+                                      <a:latin typeface="Cambria Math" panose="02040503050406030204" pitchFamily="18" charset="0"/>
+                                    </a:rPr>
+                                  </m:ctrlPr>
+                                </m:sSubPr>
+                                <m:e>
+                                  <m:r>
+                                    <a:rPr lang="en-US" b="0" i="1" smtClean="0">
+                                      <a:latin typeface="Cambria Math" panose="02040503050406030204" pitchFamily="18" charset="0"/>
+                                    </a:rPr>
+                                    <m:t>𝑊</m:t>
+                                  </m:r>
+                                </m:e>
+                                <m:sub>
+                                  <m:r>
+                                    <a:rPr lang="en-US" b="0" i="1" smtClean="0">
+                                      <a:latin typeface="Cambria Math" panose="02040503050406030204" pitchFamily="18" charset="0"/>
+                                    </a:rPr>
+                                    <m:t>𝑡</m:t>
+                                  </m:r>
+                                </m:sub>
+                              </m:sSub>
+                              <m:r>
+                                <a:rPr lang="en-US" b="0" i="1" smtClean="0">
+                                  <a:latin typeface="Cambria Math" panose="02040503050406030204" pitchFamily="18" charset="0"/>
+                                </a:rPr>
+                                <m:t>−</m:t>
+                              </m:r>
+                              <m:r>
+                                <a:rPr lang="en-US" b="0" i="1" smtClean="0">
+                                  <a:latin typeface="Cambria Math" panose="02040503050406030204" pitchFamily="18" charset="0"/>
+                                  <a:ea typeface="Cambria Math" panose="02040503050406030204" pitchFamily="18" charset="0"/>
+                                </a:rPr>
+                                <m:t>𝛼</m:t>
+                              </m:r>
+                              <m:r>
+                                <a:rPr lang="en-US" b="0" i="1" smtClean="0">
+                                  <a:latin typeface="Cambria Math" panose="02040503050406030204" pitchFamily="18" charset="0"/>
+                                </a:rPr>
+                                <m:t>∗</m:t>
+                              </m:r>
+                              <m:f>
+                                <m:fPr>
+                                  <m:ctrlPr>
+                                    <a:rPr lang="en-US" b="0" i="1" smtClean="0">
+                                      <a:latin typeface="Cambria Math" panose="02040503050406030204" pitchFamily="18" charset="0"/>
+                                    </a:rPr>
+                                  </m:ctrlPr>
+                                </m:fPr>
+                                <m:num>
+                                  <m:r>
+                                    <a:rPr lang="en-US" b="0" i="1" smtClean="0">
+                                      <a:latin typeface="Cambria Math" panose="02040503050406030204" pitchFamily="18" charset="0"/>
+                                    </a:rPr>
+                                    <m:t>𝑑𝑊</m:t>
+                                  </m:r>
+                                </m:num>
+                                <m:den>
+                                  <m:rad>
+                                    <m:radPr>
+                                      <m:degHide m:val="on"/>
+                                      <m:ctrlPr>
+                                        <a:rPr lang="en-US" b="0" i="1" smtClean="0">
+                                          <a:latin typeface="Cambria Math" panose="02040503050406030204" pitchFamily="18" charset="0"/>
+                                        </a:rPr>
+                                      </m:ctrlPr>
+                                    </m:radPr>
+                                    <m:deg/>
+                                    <m:e>
+                                      <m:sSub>
+                                        <m:sSubPr>
+                                          <m:ctrlPr>
+                                            <a:rPr lang="en-US" b="0" i="1" smtClean="0">
+                                              <a:latin typeface="Cambria Math" panose="02040503050406030204" pitchFamily="18" charset="0"/>
+                                            </a:rPr>
+                                          </m:ctrlPr>
+                                        </m:sSubPr>
+                                        <m:e>
+                                          <m:r>
+                                            <a:rPr lang="en-US" b="0" i="1" smtClean="0">
+                                              <a:latin typeface="Cambria Math" panose="02040503050406030204" pitchFamily="18" charset="0"/>
+                                            </a:rPr>
+                                            <m:t>𝑆</m:t>
+                                          </m:r>
+                                        </m:e>
+                                        <m:sub>
+                                          <m:r>
+                                            <a:rPr lang="en-US" b="0" i="1" smtClean="0">
+                                              <a:latin typeface="Cambria Math" panose="02040503050406030204" pitchFamily="18" charset="0"/>
+                                            </a:rPr>
+                                            <m:t>𝑡</m:t>
+                                          </m:r>
+                                          <m:r>
+                                            <a:rPr lang="en-US" b="0" i="1" smtClean="0">
+                                              <a:latin typeface="Cambria Math" panose="02040503050406030204" pitchFamily="18" charset="0"/>
+                                            </a:rPr>
+                                            <m:t>+1</m:t>
+                                          </m:r>
+                                        </m:sub>
+                                      </m:sSub>
+                                      <m:r>
+                                        <a:rPr lang="en-US" b="0" i="1" smtClean="0">
+                                          <a:latin typeface="Cambria Math" panose="02040503050406030204" pitchFamily="18" charset="0"/>
+                                        </a:rPr>
+                                        <m:t>+</m:t>
+                                      </m:r>
+                                      <m:r>
+                                        <a:rPr lang="en-US" b="0" i="1" smtClean="0">
+                                          <a:latin typeface="Cambria Math" panose="02040503050406030204" pitchFamily="18" charset="0"/>
+                                          <a:ea typeface="Cambria Math" panose="02040503050406030204" pitchFamily="18" charset="0"/>
+                                        </a:rPr>
+                                        <m:t>𝜀</m:t>
+                                      </m:r>
+                                    </m:e>
+                                  </m:rad>
+                                </m:den>
+                              </m:f>
+                            </m:oMath>
+                          </a14:m>
+                          <a:endParaRPr lang="en-US" dirty="0"/>
+                        </a:p>
+                      </a:txBody>
+                      <a:tcPr/>
+                    </a:tc>
+                    <a:extLst>
+                      <a:ext uri="{0D108BD9-81ED-4DB2-BD59-A6C34878D82A}">
+                        <a16:rowId xmlns:a16="http://schemas.microsoft.com/office/drawing/2014/main" val="2748839980"/>
+                      </a:ext>
+                    </a:extLst>
+                  </a:tr>
+                  <a:tr h="1114082">
+                    <a:tc>
+                      <a:txBody>
+                        <a:bodyPr/>
+                        <a:lstStyle/>
+                        <a:p>
+                          <a:r>
+                            <a:rPr lang="en-US" dirty="0"/>
+                            <a:t>Adam</a:t>
+                          </a:r>
+                        </a:p>
+                      </a:txBody>
+                      <a:tcPr/>
+                    </a:tc>
+                    <a:tc>
+                      <a:txBody>
+                        <a:bodyPr/>
+                        <a:lstStyle/>
+                        <a:p>
+                          <a:pPr marL="285750" marR="0" lvl="0" indent="-285750" algn="dist" defTabSz="914400" rtl="0" eaLnBrk="1" fontAlgn="auto" latinLnBrk="0" hangingPunct="1">
+                            <a:lnSpc>
+                              <a:spcPct val="100000"/>
+                            </a:lnSpc>
+                            <a:spcBef>
+                              <a:spcPts val="0"/>
+                            </a:spcBef>
+                            <a:spcAft>
+                              <a:spcPts val="0"/>
+                            </a:spcAft>
+                            <a:buClrTx/>
+                            <a:buSzTx/>
+                            <a:buFont typeface="Arial" panose="020B0604020202020204" pitchFamily="34" charset="0"/>
+                            <a:buChar char="•"/>
+                            <a:tabLst/>
+                            <a:defRPr/>
+                          </a:pPr>
+                          <a14:m>
+                            <m:oMath xmlns:m="http://schemas.openxmlformats.org/officeDocument/2006/math">
+                              <m:sSub>
+                                <m:sSubPr>
+                                  <m:ctrlPr>
+                                    <a:rPr lang="en-US" b="0" i="1" smtClean="0">
+                                      <a:latin typeface="Cambria Math" panose="02040503050406030204" pitchFamily="18" charset="0"/>
+                                    </a:rPr>
+                                  </m:ctrlPr>
+                                </m:sSubPr>
+                                <m:e>
+                                  <m:r>
+                                    <a:rPr lang="en-US" b="0" i="1" smtClean="0">
+                                      <a:latin typeface="Cambria Math" panose="02040503050406030204" pitchFamily="18" charset="0"/>
+                                    </a:rPr>
+                                    <m:t>𝑉</m:t>
+                                  </m:r>
+                                </m:e>
+                                <m:sub>
+                                  <m:r>
+                                    <a:rPr lang="en-US" b="0" i="1" smtClean="0">
+                                      <a:latin typeface="Cambria Math" panose="02040503050406030204" pitchFamily="18" charset="0"/>
+                                    </a:rPr>
+                                    <m:t>𝑡</m:t>
+                                  </m:r>
+                                  <m:r>
+                                    <a:rPr lang="en-US" b="0" i="1" smtClean="0">
+                                      <a:latin typeface="Cambria Math" panose="02040503050406030204" pitchFamily="18" charset="0"/>
+                                    </a:rPr>
+                                    <m:t>+1</m:t>
+                                  </m:r>
+                                </m:sub>
+                              </m:sSub>
+                              <m:r>
+                                <a:rPr lang="en-US" b="0" i="1" dirty="0" smtClean="0">
+                                  <a:latin typeface="Cambria Math" panose="02040503050406030204" pitchFamily="18" charset="0"/>
+                                </a:rPr>
+                                <m:t>=</m:t>
+                              </m:r>
+                              <m:r>
+                                <a:rPr lang="en-US" b="0" i="1" dirty="0" smtClean="0">
+                                  <a:latin typeface="Cambria Math" panose="02040503050406030204" pitchFamily="18" charset="0"/>
+                                  <a:ea typeface="Cambria Math" panose="02040503050406030204" pitchFamily="18" charset="0"/>
+                                </a:rPr>
+                                <m:t>𝛽</m:t>
+                              </m:r>
+                              <m:r>
+                                <a:rPr lang="en-US" b="0" i="1" dirty="0" smtClean="0">
+                                  <a:latin typeface="Cambria Math" panose="02040503050406030204" pitchFamily="18" charset="0"/>
+                                  <a:ea typeface="Cambria Math" panose="02040503050406030204" pitchFamily="18" charset="0"/>
+                                </a:rPr>
+                                <m:t>∗</m:t>
+                              </m:r>
+                              <m:sSub>
+                                <m:sSubPr>
+                                  <m:ctrlPr>
+                                    <a:rPr lang="en-US" b="0" i="1" dirty="0" err="1" smtClean="0">
+                                      <a:latin typeface="Cambria Math" panose="02040503050406030204" pitchFamily="18" charset="0"/>
+                                    </a:rPr>
+                                  </m:ctrlPr>
+                                </m:sSubPr>
+                                <m:e>
+                                  <m:r>
+                                    <a:rPr lang="en-US" b="0" i="1" dirty="0" smtClean="0">
+                                      <a:latin typeface="Cambria Math" panose="02040503050406030204" pitchFamily="18" charset="0"/>
+                                    </a:rPr>
+                                    <m:t>𝑉</m:t>
+                                  </m:r>
+                                </m:e>
+                                <m:sub>
+                                  <m:r>
+                                    <a:rPr lang="en-US" b="0" i="1" dirty="0" err="1" smtClean="0">
+                                      <a:latin typeface="Cambria Math" panose="02040503050406030204" pitchFamily="18" charset="0"/>
+                                    </a:rPr>
+                                    <m:t>𝑡</m:t>
+                                  </m:r>
+                                </m:sub>
+                              </m:sSub>
+                              <m:r>
+                                <a:rPr lang="en-US" b="0" i="1" dirty="0" smtClean="0">
+                                  <a:latin typeface="Cambria Math" panose="02040503050406030204" pitchFamily="18" charset="0"/>
+                                </a:rPr>
+                                <m:t>+(1−</m:t>
+                              </m:r>
+                              <m:r>
+                                <a:rPr lang="en-US" b="0" i="1" dirty="0" smtClean="0">
+                                  <a:latin typeface="Cambria Math" panose="02040503050406030204" pitchFamily="18" charset="0"/>
+                                  <a:ea typeface="Cambria Math" panose="02040503050406030204" pitchFamily="18" charset="0"/>
+                                </a:rPr>
+                                <m:t>𝛽</m:t>
+                              </m:r>
+                              <m:r>
+                                <a:rPr lang="en-US" b="0" i="1" dirty="0" smtClean="0">
+                                  <a:latin typeface="Cambria Math" panose="02040503050406030204" pitchFamily="18" charset="0"/>
+                                  <a:ea typeface="Cambria Math" panose="02040503050406030204" pitchFamily="18" charset="0"/>
+                                </a:rPr>
+                                <m:t>)∗</m:t>
+                              </m:r>
+                              <m:r>
+                                <a:rPr lang="en-US" b="0" i="1" dirty="0" err="1" smtClean="0">
+                                  <a:latin typeface="Cambria Math" panose="02040503050406030204" pitchFamily="18" charset="0"/>
+                                </a:rPr>
+                                <m:t>𝑑𝑊</m:t>
+                              </m:r>
+                            </m:oMath>
+                          </a14:m>
+                          <a:endParaRPr lang="en-US" b="0" i="1" dirty="0">
+                            <a:latin typeface="Cambria Math" panose="02040503050406030204" pitchFamily="18" charset="0"/>
+                          </a:endParaRPr>
+                        </a:p>
+                        <a:p>
+                          <a:pPr marL="285750" marR="0" lvl="0" indent="-285750" algn="dist" defTabSz="914400" rtl="0" eaLnBrk="1" fontAlgn="auto" latinLnBrk="0" hangingPunct="1">
+                            <a:lnSpc>
+                              <a:spcPct val="100000"/>
+                            </a:lnSpc>
+                            <a:spcBef>
+                              <a:spcPts val="0"/>
+                            </a:spcBef>
+                            <a:spcAft>
+                              <a:spcPts val="0"/>
+                            </a:spcAft>
+                            <a:buClrTx/>
+                            <a:buSzTx/>
+                            <a:buFont typeface="Arial" panose="020B0604020202020204" pitchFamily="34" charset="0"/>
+                            <a:buChar char="•"/>
+                            <a:tabLst/>
+                            <a:defRPr/>
+                          </a:pPr>
+                          <a14:m>
+                            <m:oMath xmlns:m="http://schemas.openxmlformats.org/officeDocument/2006/math">
+                              <m:sSub>
+                                <m:sSubPr>
+                                  <m:ctrlPr>
+                                    <a:rPr lang="en-US" b="0" i="1" smtClean="0">
+                                      <a:latin typeface="Cambria Math" panose="02040503050406030204" pitchFamily="18" charset="0"/>
+                                    </a:rPr>
+                                  </m:ctrlPr>
+                                </m:sSubPr>
+                                <m:e>
+                                  <m:r>
+                                    <a:rPr lang="en-US" b="0" i="1" smtClean="0">
+                                      <a:latin typeface="Cambria Math" panose="02040503050406030204" pitchFamily="18" charset="0"/>
+                                    </a:rPr>
+                                    <m:t>𝑆</m:t>
+                                  </m:r>
+                                </m:e>
+                                <m:sub>
+                                  <m:r>
+                                    <a:rPr lang="en-US" b="0" i="1" smtClean="0">
+                                      <a:latin typeface="Cambria Math" panose="02040503050406030204" pitchFamily="18" charset="0"/>
+                                    </a:rPr>
+                                    <m:t>𝑡</m:t>
+                                  </m:r>
+                                  <m:r>
+                                    <a:rPr lang="en-US" b="0" i="1" smtClean="0">
+                                      <a:latin typeface="Cambria Math" panose="02040503050406030204" pitchFamily="18" charset="0"/>
+                                    </a:rPr>
+                                    <m:t>+1</m:t>
+                                  </m:r>
+                                </m:sub>
+                              </m:sSub>
+                              <m:r>
+                                <a:rPr lang="en-US" b="0" i="1" dirty="0" smtClean="0">
+                                  <a:latin typeface="Cambria Math" panose="02040503050406030204" pitchFamily="18" charset="0"/>
+                                </a:rPr>
+                                <m:t>=</m:t>
+                              </m:r>
+                              <m:r>
+                                <a:rPr lang="en-US" b="0" i="1" dirty="0" smtClean="0">
+                                  <a:latin typeface="Cambria Math" panose="02040503050406030204" pitchFamily="18" charset="0"/>
+                                  <a:ea typeface="Cambria Math" panose="02040503050406030204" pitchFamily="18" charset="0"/>
+                                </a:rPr>
+                                <m:t>𝛾</m:t>
+                              </m:r>
+                              <m:r>
+                                <a:rPr lang="en-US" b="0" i="1" dirty="0" smtClean="0">
+                                  <a:latin typeface="Cambria Math" panose="02040503050406030204" pitchFamily="18" charset="0"/>
+                                  <a:ea typeface="Cambria Math" panose="02040503050406030204" pitchFamily="18" charset="0"/>
+                                </a:rPr>
+                                <m:t>∗</m:t>
+                              </m:r>
+                              <m:sSub>
+                                <m:sSubPr>
+                                  <m:ctrlPr>
+                                    <a:rPr lang="en-US" b="0" i="1" dirty="0" err="1" smtClean="0">
+                                      <a:latin typeface="Cambria Math" panose="02040503050406030204" pitchFamily="18" charset="0"/>
+                                    </a:rPr>
+                                  </m:ctrlPr>
+                                </m:sSubPr>
+                                <m:e>
+                                  <m:r>
+                                    <a:rPr lang="en-US" b="0" i="1" dirty="0" smtClean="0">
+                                      <a:latin typeface="Cambria Math" panose="02040503050406030204" pitchFamily="18" charset="0"/>
+                                    </a:rPr>
+                                    <m:t>𝑆</m:t>
+                                  </m:r>
+                                </m:e>
+                                <m:sub>
+                                  <m:r>
+                                    <a:rPr lang="en-US" b="0" i="1" dirty="0" err="1" smtClean="0">
+                                      <a:latin typeface="Cambria Math" panose="02040503050406030204" pitchFamily="18" charset="0"/>
+                                    </a:rPr>
+                                    <m:t>𝑡</m:t>
+                                  </m:r>
+                                </m:sub>
+                              </m:sSub>
+                              <m:r>
+                                <a:rPr lang="en-US" b="0" i="1" dirty="0" smtClean="0">
+                                  <a:latin typeface="Cambria Math" panose="02040503050406030204" pitchFamily="18" charset="0"/>
+                                </a:rPr>
+                                <m:t>+(1−</m:t>
+                              </m:r>
+                              <m:r>
+                                <a:rPr lang="en-US" b="0" i="1" dirty="0" smtClean="0">
+                                  <a:latin typeface="Cambria Math" panose="02040503050406030204" pitchFamily="18" charset="0"/>
+                                  <a:ea typeface="Cambria Math" panose="02040503050406030204" pitchFamily="18" charset="0"/>
+                                </a:rPr>
+                                <m:t>𝛾</m:t>
+                              </m:r>
+                              <m:r>
+                                <a:rPr lang="en-US" b="0" i="1" dirty="0" smtClean="0">
+                                  <a:latin typeface="Cambria Math" panose="02040503050406030204" pitchFamily="18" charset="0"/>
+                                  <a:ea typeface="Cambria Math" panose="02040503050406030204" pitchFamily="18" charset="0"/>
+                                </a:rPr>
+                                <m:t>)∗</m:t>
+                              </m:r>
+                              <m:sSup>
+                                <m:sSupPr>
+                                  <m:ctrlPr>
+                                    <a:rPr lang="en-US" b="0" i="1" dirty="0" smtClean="0">
+                                      <a:latin typeface="Cambria Math" panose="02040503050406030204" pitchFamily="18" charset="0"/>
+                                      <a:ea typeface="Cambria Math" panose="02040503050406030204" pitchFamily="18" charset="0"/>
+                                    </a:rPr>
+                                  </m:ctrlPr>
+                                </m:sSupPr>
+                                <m:e>
+                                  <m:r>
+                                    <a:rPr lang="en-US" b="0" i="1" dirty="0" smtClean="0">
+                                      <a:latin typeface="Cambria Math" panose="02040503050406030204" pitchFamily="18" charset="0"/>
+                                    </a:rPr>
+                                    <m:t>𝑑𝑊</m:t>
+                                  </m:r>
+                                </m:e>
+                                <m:sup>
+                                  <m:r>
+                                    <a:rPr lang="en-US" b="0" i="1" dirty="0" smtClean="0">
+                                      <a:latin typeface="Cambria Math" panose="02040503050406030204" pitchFamily="18" charset="0"/>
+                                      <a:ea typeface="Cambria Math" panose="02040503050406030204" pitchFamily="18" charset="0"/>
+                                    </a:rPr>
+                                    <m:t>2</m:t>
+                                  </m:r>
+                                </m:sup>
+                              </m:sSup>
+                            </m:oMath>
+                          </a14:m>
+                          <a:endParaRPr lang="en-US" dirty="0"/>
+                        </a:p>
+                        <a:p>
+                          <a:pPr marL="285750" marR="0" lvl="0" indent="-285750" algn="dist" defTabSz="914400" rtl="0" eaLnBrk="1" fontAlgn="auto" latinLnBrk="0" hangingPunct="1">
+                            <a:lnSpc>
+                              <a:spcPct val="100000"/>
+                            </a:lnSpc>
+                            <a:spcBef>
+                              <a:spcPts val="0"/>
+                            </a:spcBef>
+                            <a:spcAft>
+                              <a:spcPts val="0"/>
+                            </a:spcAft>
+                            <a:buClrTx/>
+                            <a:buSzTx/>
+                            <a:buFont typeface="Arial" panose="020B0604020202020204" pitchFamily="34" charset="0"/>
+                            <a:buChar char="•"/>
+                            <a:tabLst/>
+                            <a:defRPr/>
+                          </a:pPr>
+                          <a14:m>
+                            <m:oMath xmlns:m="http://schemas.openxmlformats.org/officeDocument/2006/math">
+                              <m:sSub>
+                                <m:sSubPr>
+                                  <m:ctrlPr>
+                                    <a:rPr lang="en-US" b="0" i="1" smtClean="0">
+                                      <a:latin typeface="Cambria Math" panose="02040503050406030204" pitchFamily="18" charset="0"/>
+                                    </a:rPr>
+                                  </m:ctrlPr>
+                                </m:sSubPr>
+                                <m:e>
+                                  <m:r>
+                                    <a:rPr lang="en-US" b="0" i="1" smtClean="0">
+                                      <a:latin typeface="Cambria Math" panose="02040503050406030204" pitchFamily="18" charset="0"/>
+                                    </a:rPr>
+                                    <m:t>𝑊</m:t>
+                                  </m:r>
+                                </m:e>
+                                <m:sub>
+                                  <m:r>
+                                    <a:rPr lang="en-US" b="0" i="1" smtClean="0">
+                                      <a:latin typeface="Cambria Math" panose="02040503050406030204" pitchFamily="18" charset="0"/>
+                                    </a:rPr>
+                                    <m:t>𝑡</m:t>
+                                  </m:r>
+                                  <m:r>
+                                    <a:rPr lang="en-US" b="0" i="1" smtClean="0">
+                                      <a:latin typeface="Cambria Math" panose="02040503050406030204" pitchFamily="18" charset="0"/>
+                                    </a:rPr>
+                                    <m:t>+1</m:t>
+                                  </m:r>
+                                </m:sub>
+                              </m:sSub>
+                              <m:r>
+                                <a:rPr lang="en-US" b="0" i="1" smtClean="0">
+                                  <a:latin typeface="Cambria Math" panose="02040503050406030204" pitchFamily="18" charset="0"/>
+                                </a:rPr>
+                                <m:t>=</m:t>
+                              </m:r>
+                              <m:sSub>
+                                <m:sSubPr>
+                                  <m:ctrlPr>
+                                    <a:rPr lang="en-US" b="0" i="1" smtClean="0">
+                                      <a:latin typeface="Cambria Math" panose="02040503050406030204" pitchFamily="18" charset="0"/>
+                                    </a:rPr>
+                                  </m:ctrlPr>
+                                </m:sSubPr>
+                                <m:e>
+                                  <m:r>
+                                    <a:rPr lang="en-US" b="0" i="1" smtClean="0">
+                                      <a:latin typeface="Cambria Math" panose="02040503050406030204" pitchFamily="18" charset="0"/>
+                                    </a:rPr>
+                                    <m:t>𝑊</m:t>
+                                  </m:r>
+                                </m:e>
+                                <m:sub>
+                                  <m:r>
+                                    <a:rPr lang="en-US" b="0" i="1" smtClean="0">
+                                      <a:latin typeface="Cambria Math" panose="02040503050406030204" pitchFamily="18" charset="0"/>
+                                    </a:rPr>
+                                    <m:t>𝑡</m:t>
+                                  </m:r>
+                                </m:sub>
+                              </m:sSub>
+                              <m:r>
+                                <a:rPr lang="en-US" b="0" i="1" smtClean="0">
+                                  <a:latin typeface="Cambria Math" panose="02040503050406030204" pitchFamily="18" charset="0"/>
+                                </a:rPr>
+                                <m:t>−</m:t>
+                              </m:r>
+                              <m:r>
+                                <a:rPr lang="en-US" b="0" i="1" smtClean="0">
+                                  <a:latin typeface="Cambria Math" panose="02040503050406030204" pitchFamily="18" charset="0"/>
+                                  <a:ea typeface="Cambria Math" panose="02040503050406030204" pitchFamily="18" charset="0"/>
+                                </a:rPr>
+                                <m:t>𝛼</m:t>
+                              </m:r>
+                              <m:r>
+                                <a:rPr lang="en-US" b="0" i="1" smtClean="0">
+                                  <a:latin typeface="Cambria Math" panose="02040503050406030204" pitchFamily="18" charset="0"/>
+                                </a:rPr>
+                                <m:t>∗</m:t>
+                              </m:r>
+                              <m:f>
+                                <m:fPr>
+                                  <m:ctrlPr>
+                                    <a:rPr lang="en-US" b="0" i="1" smtClean="0">
+                                      <a:latin typeface="Cambria Math" panose="02040503050406030204" pitchFamily="18" charset="0"/>
+                                    </a:rPr>
+                                  </m:ctrlPr>
+                                </m:fPr>
+                                <m:num>
+                                  <m:sSub>
+                                    <m:sSubPr>
+                                      <m:ctrlPr>
+                                        <a:rPr lang="en-US" b="0" i="1" smtClean="0">
+                                          <a:latin typeface="Cambria Math" panose="02040503050406030204" pitchFamily="18" charset="0"/>
+                                        </a:rPr>
+                                      </m:ctrlPr>
+                                    </m:sSubPr>
+                                    <m:e>
+                                      <m:r>
+                                        <a:rPr lang="en-US" b="0" i="1" smtClean="0">
+                                          <a:latin typeface="Cambria Math" panose="02040503050406030204" pitchFamily="18" charset="0"/>
+                                        </a:rPr>
+                                        <m:t>𝑉</m:t>
+                                      </m:r>
+                                    </m:e>
+                                    <m:sub>
+                                      <m:r>
+                                        <a:rPr lang="en-US" b="0" i="1" smtClean="0">
+                                          <a:latin typeface="Cambria Math" panose="02040503050406030204" pitchFamily="18" charset="0"/>
+                                        </a:rPr>
+                                        <m:t>𝑡</m:t>
+                                      </m:r>
+                                      <m:r>
+                                        <a:rPr lang="en-US" b="0" i="1" smtClean="0">
+                                          <a:latin typeface="Cambria Math" panose="02040503050406030204" pitchFamily="18" charset="0"/>
+                                        </a:rPr>
+                                        <m:t>+1</m:t>
+                                      </m:r>
+                                    </m:sub>
+                                  </m:sSub>
+                                </m:num>
+                                <m:den>
+                                  <m:rad>
+                                    <m:radPr>
+                                      <m:degHide m:val="on"/>
+                                      <m:ctrlPr>
+                                        <a:rPr lang="en-US" b="0" i="1" smtClean="0">
+                                          <a:latin typeface="Cambria Math" panose="02040503050406030204" pitchFamily="18" charset="0"/>
+                                        </a:rPr>
+                                      </m:ctrlPr>
+                                    </m:radPr>
+                                    <m:deg/>
+                                    <m:e>
+                                      <m:sSub>
+                                        <m:sSubPr>
+                                          <m:ctrlPr>
+                                            <a:rPr lang="en-US" b="0" i="1" smtClean="0">
+                                              <a:latin typeface="Cambria Math" panose="02040503050406030204" pitchFamily="18" charset="0"/>
+                                            </a:rPr>
+                                          </m:ctrlPr>
+                                        </m:sSubPr>
+                                        <m:e>
+                                          <m:r>
+                                            <a:rPr lang="en-US" b="0" i="1" smtClean="0">
+                                              <a:latin typeface="Cambria Math" panose="02040503050406030204" pitchFamily="18" charset="0"/>
+                                            </a:rPr>
+                                            <m:t>𝑆</m:t>
+                                          </m:r>
+                                        </m:e>
+                                        <m:sub>
+                                          <m:r>
+                                            <a:rPr lang="en-US" b="0" i="1" smtClean="0">
+                                              <a:latin typeface="Cambria Math" panose="02040503050406030204" pitchFamily="18" charset="0"/>
+                                            </a:rPr>
+                                            <m:t>𝑡</m:t>
+                                          </m:r>
+                                          <m:r>
+                                            <a:rPr lang="en-US" b="0" i="1" smtClean="0">
+                                              <a:latin typeface="Cambria Math" panose="02040503050406030204" pitchFamily="18" charset="0"/>
+                                            </a:rPr>
+                                            <m:t>+1</m:t>
+                                          </m:r>
+                                        </m:sub>
+                                      </m:sSub>
+                                      <m:r>
+                                        <a:rPr lang="en-US" b="0" i="1" smtClean="0">
+                                          <a:latin typeface="Cambria Math" panose="02040503050406030204" pitchFamily="18" charset="0"/>
+                                        </a:rPr>
+                                        <m:t>+</m:t>
+                                      </m:r>
+                                      <m:r>
+                                        <a:rPr lang="en-US" b="0" i="1" smtClean="0">
+                                          <a:latin typeface="Cambria Math" panose="02040503050406030204" pitchFamily="18" charset="0"/>
+                                          <a:ea typeface="Cambria Math" panose="02040503050406030204" pitchFamily="18" charset="0"/>
+                                        </a:rPr>
+                                        <m:t>𝜀</m:t>
+                                      </m:r>
+                                    </m:e>
+                                  </m:rad>
+                                </m:den>
+                              </m:f>
+                            </m:oMath>
+                          </a14:m>
+                          <a:endParaRPr lang="en-US" dirty="0"/>
+                        </a:p>
+                      </a:txBody>
+                      <a:tcPr/>
+                    </a:tc>
+                    <a:extLst>
+                      <a:ext uri="{0D108BD9-81ED-4DB2-BD59-A6C34878D82A}">
+                        <a16:rowId xmlns:a16="http://schemas.microsoft.com/office/drawing/2014/main" val="2333451268"/>
+                      </a:ext>
+                    </a:extLst>
+                  </a:tr>
+                </a:tbl>
+              </a:graphicData>
+            </a:graphic>
+          </p:graphicFrame>
+        </mc:Choice>
+        <mc:Fallback>
+          <p:graphicFrame>
+            <p:nvGraphicFramePr>
+              <p:cNvPr id="11" name="Table 6">
+                <a:extLst>
+                  <a:ext uri="{FF2B5EF4-FFF2-40B4-BE49-F238E27FC236}">
+                    <a16:creationId xmlns:a16="http://schemas.microsoft.com/office/drawing/2014/main" id="{4F9EE4CE-A43C-433F-8FD4-E090EAE4F2C0}"/>
+                  </a:ext>
+                </a:extLst>
+              </p:cNvPr>
+              <p:cNvGraphicFramePr>
+                <a:graphicFrameLocks noGrp="1"/>
+              </p:cNvGraphicFramePr>
+              <p:nvPr>
+                <p:extLst>
+                  <p:ext uri="{D42A27DB-BD31-4B8C-83A1-F6EECF244321}">
+                    <p14:modId xmlns:p14="http://schemas.microsoft.com/office/powerpoint/2010/main" val="1608284608"/>
+                  </p:ext>
+                </p:extLst>
+              </p:nvPr>
+            </p:nvGraphicFramePr>
+            <p:xfrm>
+              <a:off x="838200" y="1738869"/>
+              <a:ext cx="5685308" cy="3908077"/>
+            </p:xfrm>
+            <a:graphic>
+              <a:graphicData uri="http://schemas.openxmlformats.org/drawingml/2006/table">
+                <a:tbl>
+                  <a:tblPr bandRow="1">
+                    <a:tableStyleId>{5C22544A-7EE6-4342-B048-85BDC9FD1C3A}</a:tableStyleId>
+                  </a:tblPr>
+                  <a:tblGrid>
+                    <a:gridCol w="1666190">
+                      <a:extLst>
+                        <a:ext uri="{9D8B030D-6E8A-4147-A177-3AD203B41FA5}">
+                          <a16:colId xmlns:a16="http://schemas.microsoft.com/office/drawing/2014/main" val="3260499319"/>
+                        </a:ext>
+                      </a:extLst>
+                    </a:gridCol>
+                    <a:gridCol w="4019118">
+                      <a:extLst>
+                        <a:ext uri="{9D8B030D-6E8A-4147-A177-3AD203B41FA5}">
+                          <a16:colId xmlns:a16="http://schemas.microsoft.com/office/drawing/2014/main" val="1498540713"/>
+                        </a:ext>
+                      </a:extLst>
+                    </a:gridCol>
+                  </a:tblGrid>
+                  <a:tr h="659557">
+                    <a:tc>
+                      <a:txBody>
+                        <a:bodyPr/>
+                        <a:lstStyle/>
+                        <a:p>
+                          <a:r>
+                            <a:rPr lang="en-US" dirty="0"/>
+                            <a:t>Optimizer</a:t>
+                          </a:r>
+                        </a:p>
+                      </a:txBody>
+                      <a:tcPr/>
+                    </a:tc>
+                    <a:tc>
+                      <a:txBody>
+                        <a:bodyPr/>
+                        <a:lstStyle/>
+                        <a:p>
+                          <a:r>
+                            <a:rPr lang="en-US" dirty="0"/>
+                            <a:t>Description</a:t>
+                          </a:r>
+                        </a:p>
+                      </a:txBody>
+                      <a:tcPr/>
+                    </a:tc>
+                    <a:extLst>
+                      <a:ext uri="{0D108BD9-81ED-4DB2-BD59-A6C34878D82A}">
+                        <a16:rowId xmlns:a16="http://schemas.microsoft.com/office/drawing/2014/main" val="1504969892"/>
+                      </a:ext>
+                    </a:extLst>
+                  </a:tr>
+                  <a:tr h="626663">
+                    <a:tc>
+                      <a:txBody>
+                        <a:bodyPr/>
+                        <a:lstStyle/>
+                        <a:p>
+                          <a:r>
+                            <a:rPr lang="en-US" dirty="0"/>
+                            <a:t>SGD</a:t>
+                          </a:r>
+                        </a:p>
+                      </a:txBody>
+                      <a:tcPr/>
+                    </a:tc>
+                    <a:tc>
+                      <a:txBody>
+                        <a:bodyPr/>
+                        <a:lstStyle/>
+                        <a:p>
+                          <a:endParaRPr lang="en-US"/>
+                        </a:p>
+                      </a:txBody>
+                      <a:tcPr>
+                        <a:blipFill>
+                          <a:blip r:embed="rId2"/>
+                          <a:stretch>
+                            <a:fillRect l="-41667" t="-109709" r="-303" b="-420388"/>
+                          </a:stretch>
+                        </a:blipFill>
+                      </a:tcPr>
+                    </a:tc>
+                    <a:extLst>
+                      <a:ext uri="{0D108BD9-81ED-4DB2-BD59-A6C34878D82A}">
+                        <a16:rowId xmlns:a16="http://schemas.microsoft.com/office/drawing/2014/main" val="3351530658"/>
+                      </a:ext>
+                    </a:extLst>
+                  </a:tr>
+                  <a:tr h="668833">
+                    <a:tc>
+                      <a:txBody>
+                        <a:bodyPr/>
+                        <a:lstStyle/>
+                        <a:p>
+                          <a:r>
+                            <a:rPr lang="en-US" dirty="0"/>
+                            <a:t>SGD Momentum</a:t>
+                          </a:r>
+                        </a:p>
+                      </a:txBody>
+                      <a:tcPr/>
+                    </a:tc>
+                    <a:tc>
+                      <a:txBody>
+                        <a:bodyPr/>
+                        <a:lstStyle/>
+                        <a:p>
+                          <a:endParaRPr lang="en-US"/>
+                        </a:p>
+                      </a:txBody>
+                      <a:tcPr>
+                        <a:blipFill>
+                          <a:blip r:embed="rId2"/>
+                          <a:stretch>
+                            <a:fillRect l="-41667" t="-196364" r="-303" b="-293636"/>
+                          </a:stretch>
+                        </a:blipFill>
+                      </a:tcPr>
+                    </a:tc>
+                    <a:extLst>
+                      <a:ext uri="{0D108BD9-81ED-4DB2-BD59-A6C34878D82A}">
+                        <a16:rowId xmlns:a16="http://schemas.microsoft.com/office/drawing/2014/main" val="2401624614"/>
+                      </a:ext>
+                    </a:extLst>
+                  </a:tr>
+                  <a:tr h="838942">
+                    <a:tc>
+                      <a:txBody>
+                        <a:bodyPr/>
+                        <a:lstStyle/>
+                        <a:p>
+                          <a:r>
+                            <a:rPr lang="en-US" dirty="0" err="1"/>
+                            <a:t>RMSProp</a:t>
+                          </a:r>
+                          <a:endParaRPr lang="en-US" dirty="0"/>
+                        </a:p>
+                      </a:txBody>
+                      <a:tcPr/>
+                    </a:tc>
+                    <a:tc>
+                      <a:txBody>
+                        <a:bodyPr/>
+                        <a:lstStyle/>
+                        <a:p>
+                          <a:endParaRPr lang="en-US"/>
+                        </a:p>
+                      </a:txBody>
+                      <a:tcPr>
+                        <a:blipFill>
+                          <a:blip r:embed="rId2"/>
+                          <a:stretch>
+                            <a:fillRect l="-41667" t="-236232" r="-303" b="-134058"/>
+                          </a:stretch>
+                        </a:blipFill>
+                      </a:tcPr>
+                    </a:tc>
+                    <a:extLst>
+                      <a:ext uri="{0D108BD9-81ED-4DB2-BD59-A6C34878D82A}">
+                        <a16:rowId xmlns:a16="http://schemas.microsoft.com/office/drawing/2014/main" val="2748839980"/>
+                      </a:ext>
+                    </a:extLst>
+                  </a:tr>
+                  <a:tr h="1114082">
+                    <a:tc>
+                      <a:txBody>
+                        <a:bodyPr/>
+                        <a:lstStyle/>
+                        <a:p>
+                          <a:r>
+                            <a:rPr lang="en-US" dirty="0"/>
+                            <a:t>Adam</a:t>
+                          </a:r>
+                        </a:p>
+                      </a:txBody>
+                      <a:tcPr/>
+                    </a:tc>
+                    <a:tc>
+                      <a:txBody>
+                        <a:bodyPr/>
+                        <a:lstStyle/>
+                        <a:p>
+                          <a:endParaRPr lang="en-US"/>
+                        </a:p>
+                      </a:txBody>
+                      <a:tcPr>
+                        <a:blipFill>
+                          <a:blip r:embed="rId2"/>
+                          <a:stretch>
+                            <a:fillRect l="-41667" t="-253552" r="-303" b="-1093"/>
+                          </a:stretch>
+                        </a:blipFill>
+                      </a:tcPr>
+                    </a:tc>
+                    <a:extLst>
+                      <a:ext uri="{0D108BD9-81ED-4DB2-BD59-A6C34878D82A}">
+                        <a16:rowId xmlns:a16="http://schemas.microsoft.com/office/drawing/2014/main" val="2333451268"/>
+                      </a:ext>
+                    </a:extLst>
+                  </a:tr>
+                </a:tbl>
+              </a:graphicData>
+            </a:graphic>
+          </p:graphicFrame>
+        </mc:Fallback>
+      </mc:AlternateContent>
+      <p:sp>
+        <p:nvSpPr>
+          <p:cNvPr id="12" name="Content Placeholder 6">
             <a:extLst>
               <a:ext uri="{FF2B5EF4-FFF2-40B4-BE49-F238E27FC236}">
-                <a16:creationId xmlns:a16="http://schemas.microsoft.com/office/drawing/2014/main" id="{2690CBC0-EAEA-4BF0-9DEB-27681C5E7D12}"/>
+                <a16:creationId xmlns:a16="http://schemas.microsoft.com/office/drawing/2014/main" id="{B3963601-8C22-41F5-8295-857E2D655D8D}"/>
               </a:ext>
             </a:extLst>
           </p:cNvPr>
-          <p:cNvGraphicFramePr>
-            <a:graphicFrameLocks noGrp="1"/>
-          </p:cNvGraphicFramePr>
+          <p:cNvSpPr>
+            <a:spLocks noGrp="1"/>
+          </p:cNvSpPr>
           <p:nvPr>
-            <p:extLst>
-              <p:ext uri="{D42A27DB-BD31-4B8C-83A1-F6EECF244321}">
-                <p14:modId xmlns:p14="http://schemas.microsoft.com/office/powerpoint/2010/main" val="2280547586"/>
-              </p:ext>
-            </p:extLst>
+            <p:ph idx="1"/>
           </p:nvPr>
-        </p:nvGraphicFramePr>
-        <p:xfrm>
-          <a:off x="838200" y="4973182"/>
-          <a:ext cx="3951291" cy="1554480"/>
-        </p:xfrm>
-        <a:graphic>
-          <a:graphicData uri="http://schemas.openxmlformats.org/drawingml/2006/table">
-            <a:tbl>
-              <a:tblPr>
-                <a:tableStyleId>{5C22544A-7EE6-4342-B048-85BDC9FD1C3A}</a:tableStyleId>
-              </a:tblPr>
-              <a:tblGrid>
-                <a:gridCol w="3951291">
-                  <a:extLst>
-                    <a:ext uri="{9D8B030D-6E8A-4147-A177-3AD203B41FA5}">
-                      <a16:colId xmlns:a16="http://schemas.microsoft.com/office/drawing/2014/main" val="837027876"/>
-                    </a:ext>
-                  </a:extLst>
-                </a:gridCol>
-              </a:tblGrid>
-              <a:tr h="1227251">
-                <a:tc>
-                  <a:txBody>
-                    <a:bodyPr/>
-                    <a:lstStyle/>
-                    <a:p>
-                      <a:r>
-                        <a:rPr lang="en-US" sz="1600" b="0" dirty="0">
-                          <a:solidFill>
-                            <a:schemeClr val="tx1"/>
-                          </a:solidFill>
-                          <a:effectLst/>
-                          <a:latin typeface="Consolas" panose="020B0609020204030204" pitchFamily="49" charset="0"/>
-                        </a:rPr>
-                        <a:t>optimizer ={</a:t>
-                      </a:r>
-                    </a:p>
-                    <a:p>
-                      <a:r>
-                        <a:rPr lang="en-US" sz="1600" b="0" dirty="0">
-                          <a:solidFill>
-                            <a:schemeClr val="tx1"/>
-                          </a:solidFill>
-                          <a:effectLst/>
-                          <a:latin typeface="Consolas" panose="020B0609020204030204" pitchFamily="49" charset="0"/>
-                        </a:rPr>
-                        <a:t>    "class": SGD,</a:t>
-                      </a:r>
-                    </a:p>
-                    <a:p>
-                      <a:r>
-                        <a:rPr lang="en-US" sz="1600" b="0" dirty="0">
-                          <a:solidFill>
-                            <a:schemeClr val="tx1"/>
-                          </a:solidFill>
-                          <a:effectLst/>
-                          <a:latin typeface="Consolas" panose="020B0609020204030204" pitchFamily="49" charset="0"/>
-                        </a:rPr>
-                        <a:t>    "</a:t>
-                      </a:r>
-                      <a:r>
-                        <a:rPr lang="en-US" sz="1600" b="0" dirty="0" err="1">
-                          <a:solidFill>
-                            <a:schemeClr val="tx1"/>
-                          </a:solidFill>
-                          <a:effectLst/>
-                          <a:latin typeface="Consolas" panose="020B0609020204030204" pitchFamily="49" charset="0"/>
-                        </a:rPr>
-                        <a:t>optimizer_args</a:t>
-                      </a:r>
-                      <a:r>
-                        <a:rPr lang="en-US" sz="1600" b="0" dirty="0">
-                          <a:solidFill>
-                            <a:schemeClr val="tx1"/>
-                          </a:solidFill>
-                          <a:effectLst/>
-                          <a:latin typeface="Consolas" panose="020B0609020204030204" pitchFamily="49" charset="0"/>
-                        </a:rPr>
-                        <a:t>":{</a:t>
-                      </a:r>
-                    </a:p>
-                    <a:p>
-                      <a:r>
-                        <a:rPr lang="en-US" sz="1600" b="0" dirty="0">
-                          <a:solidFill>
-                            <a:schemeClr val="tx1"/>
-                          </a:solidFill>
-                          <a:effectLst/>
-                          <a:latin typeface="Consolas" panose="020B0609020204030204" pitchFamily="49" charset="0"/>
-                        </a:rPr>
-                        <a:t>        "momentum":0.9</a:t>
-                      </a:r>
-                    </a:p>
-                    <a:p>
-                      <a:r>
-                        <a:rPr lang="en-US" sz="1600" b="0" dirty="0">
-                          <a:solidFill>
-                            <a:schemeClr val="tx1"/>
-                          </a:solidFill>
-                          <a:effectLst/>
-                          <a:latin typeface="Consolas" panose="020B0609020204030204" pitchFamily="49" charset="0"/>
-                        </a:rPr>
-                        <a:t>    }</a:t>
-                      </a:r>
-                    </a:p>
-                    <a:p>
-                      <a:r>
-                        <a:rPr lang="en-US" sz="1600" b="0" dirty="0">
-                          <a:solidFill>
-                            <a:schemeClr val="tx1"/>
-                          </a:solidFill>
-                          <a:effectLst/>
-                          <a:latin typeface="Consolas" panose="020B0609020204030204" pitchFamily="49" charset="0"/>
-                        </a:rPr>
-                        <a:t>}</a:t>
-                      </a:r>
-                    </a:p>
-                  </a:txBody>
-                  <a:tcPr/>
-                </a:tc>
-                <a:extLst>
-                  <a:ext uri="{0D108BD9-81ED-4DB2-BD59-A6C34878D82A}">
-                    <a16:rowId xmlns:a16="http://schemas.microsoft.com/office/drawing/2014/main" val="86620283"/>
-                  </a:ext>
-                </a:extLst>
-              </a:tr>
-            </a:tbl>
-          </a:graphicData>
-        </a:graphic>
-      </p:graphicFrame>
+        </p:nvSpPr>
+        <p:spPr>
+          <a:xfrm>
+            <a:off x="838200" y="912085"/>
+            <a:ext cx="10515600" cy="5497424"/>
+          </a:xfrm>
+        </p:spPr>
+        <p:txBody>
+          <a:bodyPr>
+            <a:normAutofit/>
+          </a:bodyPr>
+          <a:lstStyle/>
+          <a:p>
+            <a:pPr marL="0" indent="0">
+              <a:buNone/>
+            </a:pPr>
+            <a:r>
+              <a:rPr lang="en-US" sz="3200" dirty="0"/>
+              <a:t>Optimizer</a:t>
+            </a:r>
+          </a:p>
+          <a:p>
+            <a:endParaRPr lang="en-US" sz="3200" dirty="0"/>
+          </a:p>
+          <a:p>
+            <a:pPr lvl="1"/>
+            <a:endParaRPr lang="en-US" sz="2800" dirty="0"/>
+          </a:p>
+        </p:txBody>
+      </p:sp>
     </p:spTree>
     <p:extLst>
       <p:ext uri="{BB962C8B-B14F-4D97-AF65-F5344CB8AC3E}">
@@ -5612,6 +7015,375 @@
 </file>
 
 <file path=ppt/slides/slide11.xml><?xml version="1.0" encoding="utf-8"?>
+<p:sld xmlns:a="http://schemas.openxmlformats.org/drawingml/2006/main" xmlns:r="http://schemas.openxmlformats.org/officeDocument/2006/relationships" xmlns:p="http://schemas.openxmlformats.org/presentationml/2006/main">
+  <p:cSld>
+    <p:spTree>
+      <p:nvGrpSpPr>
+        <p:cNvPr id="1" name=""/>
+        <p:cNvGrpSpPr/>
+        <p:nvPr/>
+      </p:nvGrpSpPr>
+      <p:grpSpPr>
+        <a:xfrm>
+          <a:off x="0" y="0"/>
+          <a:ext cx="0" cy="0"/>
+          <a:chOff x="0" y="0"/>
+          <a:chExt cx="0" cy="0"/>
+        </a:xfrm>
+      </p:grpSpPr>
+      <p:sp>
+        <p:nvSpPr>
+          <p:cNvPr id="6" name="Title 5">
+            <a:extLst>
+              <a:ext uri="{FF2B5EF4-FFF2-40B4-BE49-F238E27FC236}">
+                <a16:creationId xmlns:a16="http://schemas.microsoft.com/office/drawing/2014/main" id="{58B00A3A-79C3-4D28-91E2-7C381E78AA98}"/>
+              </a:ext>
+            </a:extLst>
+          </p:cNvPr>
+          <p:cNvSpPr>
+            <a:spLocks noGrp="1"/>
+          </p:cNvSpPr>
+          <p:nvPr>
+            <p:ph type="title"/>
+          </p:nvPr>
+        </p:nvSpPr>
+        <p:spPr/>
+        <p:txBody>
+          <a:bodyPr/>
+          <a:lstStyle/>
+          <a:p>
+            <a:r>
+              <a:rPr lang="en-US" dirty="0"/>
+              <a:t>Optimizer for the classification problem</a:t>
+            </a:r>
+          </a:p>
+        </p:txBody>
+      </p:sp>
+      <p:sp>
+        <p:nvSpPr>
+          <p:cNvPr id="5" name="Footer Placeholder 4">
+            <a:extLst>
+              <a:ext uri="{FF2B5EF4-FFF2-40B4-BE49-F238E27FC236}">
+                <a16:creationId xmlns:a16="http://schemas.microsoft.com/office/drawing/2014/main" id="{D154B5A9-37A7-4116-B59E-84F547ED0AFB}"/>
+              </a:ext>
+            </a:extLst>
+          </p:cNvPr>
+          <p:cNvSpPr>
+            <a:spLocks noGrp="1"/>
+          </p:cNvSpPr>
+          <p:nvPr>
+            <p:ph type="ftr" sz="quarter" idx="11"/>
+          </p:nvPr>
+        </p:nvSpPr>
+        <p:spPr/>
+        <p:txBody>
+          <a:bodyPr/>
+          <a:lstStyle/>
+          <a:p>
+            <a:r>
+              <a:rPr lang="en-US"/>
+              <a:t>Copyright©2020  VinBrain-Vingroup. All rights reserved.</a:t>
+            </a:r>
+            <a:endParaRPr lang="en-AU"/>
+          </a:p>
+        </p:txBody>
+      </p:sp>
+      <p:sp>
+        <p:nvSpPr>
+          <p:cNvPr id="12" name="Content Placeholder 6">
+            <a:extLst>
+              <a:ext uri="{FF2B5EF4-FFF2-40B4-BE49-F238E27FC236}">
+                <a16:creationId xmlns:a16="http://schemas.microsoft.com/office/drawing/2014/main" id="{B3963601-8C22-41F5-8295-857E2D655D8D}"/>
+              </a:ext>
+            </a:extLst>
+          </p:cNvPr>
+          <p:cNvSpPr>
+            <a:spLocks noGrp="1"/>
+          </p:cNvSpPr>
+          <p:nvPr>
+            <p:ph idx="1"/>
+          </p:nvPr>
+        </p:nvSpPr>
+        <p:spPr>
+          <a:xfrm>
+            <a:off x="838200" y="912085"/>
+            <a:ext cx="5029201" cy="5497424"/>
+          </a:xfrm>
+        </p:spPr>
+        <p:txBody>
+          <a:bodyPr>
+            <a:normAutofit/>
+          </a:bodyPr>
+          <a:lstStyle/>
+          <a:p>
+            <a:pPr marL="0" indent="0">
+              <a:buNone/>
+            </a:pPr>
+            <a:r>
+              <a:rPr lang="en-US" sz="3200" dirty="0"/>
+              <a:t>Learning rate scheduler</a:t>
+            </a:r>
+          </a:p>
+          <a:p>
+            <a:pPr marL="0" indent="0">
+              <a:buNone/>
+            </a:pPr>
+            <a:r>
+              <a:rPr lang="en-US" dirty="0"/>
+              <a:t>Target:</a:t>
+            </a:r>
+          </a:p>
+          <a:p>
+            <a:pPr>
+              <a:lnSpc>
+                <a:spcPct val="150000"/>
+              </a:lnSpc>
+              <a:buFontTx/>
+              <a:buChar char="-"/>
+            </a:pPr>
+            <a:r>
+              <a:rPr lang="en-US" sz="2000" dirty="0"/>
+              <a:t>Update learning rate in training process to improve result</a:t>
+            </a:r>
+          </a:p>
+          <a:p>
+            <a:pPr>
+              <a:buFontTx/>
+              <a:buChar char="-"/>
+            </a:pPr>
+            <a:endParaRPr lang="en-US" sz="2000" dirty="0"/>
+          </a:p>
+          <a:p>
+            <a:pPr marL="0" indent="0">
+              <a:buNone/>
+            </a:pPr>
+            <a:endParaRPr lang="en-US" dirty="0"/>
+          </a:p>
+          <a:p>
+            <a:pPr>
+              <a:buFontTx/>
+              <a:buChar char="-"/>
+            </a:pPr>
+            <a:endParaRPr lang="en-US" sz="2000" dirty="0"/>
+          </a:p>
+          <a:p>
+            <a:pPr>
+              <a:buFontTx/>
+              <a:buChar char="-"/>
+            </a:pPr>
+            <a:endParaRPr lang="en-US" sz="2000" dirty="0"/>
+          </a:p>
+          <a:p>
+            <a:endParaRPr lang="en-US" sz="3200" dirty="0"/>
+          </a:p>
+          <a:p>
+            <a:pPr lvl="1"/>
+            <a:endParaRPr lang="en-US" sz="2800" dirty="0"/>
+          </a:p>
+        </p:txBody>
+      </p:sp>
+      <p:pic>
+        <p:nvPicPr>
+          <p:cNvPr id="5126" name="Picture 6">
+            <a:extLst>
+              <a:ext uri="{FF2B5EF4-FFF2-40B4-BE49-F238E27FC236}">
+                <a16:creationId xmlns:a16="http://schemas.microsoft.com/office/drawing/2014/main" id="{9F515019-2B23-440A-9158-0FE5C6681183}"/>
+              </a:ext>
+            </a:extLst>
+          </p:cNvPr>
+          <p:cNvPicPr>
+            <a:picLocks noChangeAspect="1" noChangeArrowheads="1"/>
+          </p:cNvPicPr>
+          <p:nvPr/>
+        </p:nvPicPr>
+        <p:blipFill>
+          <a:blip r:embed="rId2">
+            <a:extLst>
+              <a:ext uri="{28A0092B-C50C-407E-A947-70E740481C1C}">
+                <a14:useLocalDpi xmlns:a14="http://schemas.microsoft.com/office/drawing/2010/main" val="0"/>
+              </a:ext>
+            </a:extLst>
+          </a:blip>
+          <a:srcRect/>
+          <a:stretch>
+            <a:fillRect/>
+          </a:stretch>
+        </p:blipFill>
+        <p:spPr bwMode="auto">
+          <a:xfrm>
+            <a:off x="7378829" y="937666"/>
+            <a:ext cx="3452891" cy="2411543"/>
+          </a:xfrm>
+          <a:prstGeom prst="rect">
+            <a:avLst/>
+          </a:prstGeom>
+          <a:noFill/>
+          <a:extLst>
+            <a:ext uri="{909E8E84-426E-40DD-AFC4-6F175D3DCCD1}">
+              <a14:hiddenFill xmlns:a14="http://schemas.microsoft.com/office/drawing/2010/main">
+                <a:solidFill>
+                  <a:srgbClr val="FFFFFF"/>
+                </a:solidFill>
+              </a14:hiddenFill>
+            </a:ext>
+          </a:extLst>
+        </p:spPr>
+      </p:pic>
+      <p:pic>
+        <p:nvPicPr>
+          <p:cNvPr id="5130" name="Picture 10">
+            <a:extLst>
+              <a:ext uri="{FF2B5EF4-FFF2-40B4-BE49-F238E27FC236}">
+                <a16:creationId xmlns:a16="http://schemas.microsoft.com/office/drawing/2014/main" id="{D0108F49-4EC7-4C10-87A1-84C12BE4B30D}"/>
+              </a:ext>
+            </a:extLst>
+          </p:cNvPr>
+          <p:cNvPicPr>
+            <a:picLocks noChangeAspect="1" noChangeArrowheads="1"/>
+          </p:cNvPicPr>
+          <p:nvPr/>
+        </p:nvPicPr>
+        <p:blipFill>
+          <a:blip r:embed="rId3">
+            <a:extLst>
+              <a:ext uri="{28A0092B-C50C-407E-A947-70E740481C1C}">
+                <a14:useLocalDpi xmlns:a14="http://schemas.microsoft.com/office/drawing/2010/main" val="0"/>
+              </a:ext>
+            </a:extLst>
+          </a:blip>
+          <a:srcRect/>
+          <a:stretch>
+            <a:fillRect/>
+          </a:stretch>
+        </p:blipFill>
+        <p:spPr bwMode="auto">
+          <a:xfrm>
+            <a:off x="303239" y="3660797"/>
+            <a:ext cx="3543300" cy="2514600"/>
+          </a:xfrm>
+          <a:prstGeom prst="rect">
+            <a:avLst/>
+          </a:prstGeom>
+          <a:noFill/>
+          <a:extLst>
+            <a:ext uri="{909E8E84-426E-40DD-AFC4-6F175D3DCCD1}">
+              <a14:hiddenFill xmlns:a14="http://schemas.microsoft.com/office/drawing/2010/main">
+                <a:solidFill>
+                  <a:srgbClr val="FFFFFF"/>
+                </a:solidFill>
+              </a14:hiddenFill>
+            </a:ext>
+          </a:extLst>
+        </p:spPr>
+      </p:pic>
+      <p:pic>
+        <p:nvPicPr>
+          <p:cNvPr id="5132" name="Picture 12">
+            <a:extLst>
+              <a:ext uri="{FF2B5EF4-FFF2-40B4-BE49-F238E27FC236}">
+                <a16:creationId xmlns:a16="http://schemas.microsoft.com/office/drawing/2014/main" id="{25A41584-21A8-4EA9-A0B3-711196E6FF2F}"/>
+              </a:ext>
+            </a:extLst>
+          </p:cNvPr>
+          <p:cNvPicPr>
+            <a:picLocks noChangeAspect="1" noChangeArrowheads="1"/>
+          </p:cNvPicPr>
+          <p:nvPr/>
+        </p:nvPicPr>
+        <p:blipFill>
+          <a:blip r:embed="rId4">
+            <a:extLst>
+              <a:ext uri="{28A0092B-C50C-407E-A947-70E740481C1C}">
+                <a14:useLocalDpi xmlns:a14="http://schemas.microsoft.com/office/drawing/2010/main" val="0"/>
+              </a:ext>
+            </a:extLst>
+          </a:blip>
+          <a:srcRect/>
+          <a:stretch>
+            <a:fillRect/>
+          </a:stretch>
+        </p:blipFill>
+        <p:spPr bwMode="auto">
+          <a:xfrm>
+            <a:off x="4324350" y="3660797"/>
+            <a:ext cx="3543300" cy="2514600"/>
+          </a:xfrm>
+          <a:prstGeom prst="rect">
+            <a:avLst/>
+          </a:prstGeom>
+          <a:noFill/>
+          <a:extLst>
+            <a:ext uri="{909E8E84-426E-40DD-AFC4-6F175D3DCCD1}">
+              <a14:hiddenFill xmlns:a14="http://schemas.microsoft.com/office/drawing/2010/main">
+                <a:solidFill>
+                  <a:srgbClr val="FFFFFF"/>
+                </a:solidFill>
+              </a14:hiddenFill>
+            </a:ext>
+          </a:extLst>
+        </p:spPr>
+      </p:pic>
+      <p:pic>
+        <p:nvPicPr>
+          <p:cNvPr id="5134" name="Picture 14">
+            <a:extLst>
+              <a:ext uri="{FF2B5EF4-FFF2-40B4-BE49-F238E27FC236}">
+                <a16:creationId xmlns:a16="http://schemas.microsoft.com/office/drawing/2014/main" id="{06CCF16B-F722-48BC-B5BB-F4A73AAEE742}"/>
+              </a:ext>
+            </a:extLst>
+          </p:cNvPr>
+          <p:cNvPicPr>
+            <a:picLocks noChangeAspect="1" noChangeArrowheads="1"/>
+          </p:cNvPicPr>
+          <p:nvPr/>
+        </p:nvPicPr>
+        <p:blipFill>
+          <a:blip r:embed="rId5">
+            <a:extLst>
+              <a:ext uri="{28A0092B-C50C-407E-A947-70E740481C1C}">
+                <a14:useLocalDpi xmlns:a14="http://schemas.microsoft.com/office/drawing/2010/main" val="0"/>
+              </a:ext>
+            </a:extLst>
+          </a:blip>
+          <a:srcRect/>
+          <a:stretch>
+            <a:fillRect/>
+          </a:stretch>
+        </p:blipFill>
+        <p:spPr bwMode="auto">
+          <a:xfrm>
+            <a:off x="8116862" y="3700692"/>
+            <a:ext cx="3543300" cy="2514600"/>
+          </a:xfrm>
+          <a:prstGeom prst="rect">
+            <a:avLst/>
+          </a:prstGeom>
+          <a:noFill/>
+          <a:extLst>
+            <a:ext uri="{909E8E84-426E-40DD-AFC4-6F175D3DCCD1}">
+              <a14:hiddenFill xmlns:a14="http://schemas.microsoft.com/office/drawing/2010/main">
+                <a:solidFill>
+                  <a:srgbClr val="FFFFFF"/>
+                </a:solidFill>
+              </a14:hiddenFill>
+            </a:ext>
+          </a:extLst>
+        </p:spPr>
+      </p:pic>
+    </p:spTree>
+    <p:extLst>
+      <p:ext uri="{BB962C8B-B14F-4D97-AF65-F5344CB8AC3E}">
+        <p14:creationId xmlns:p14="http://schemas.microsoft.com/office/powerpoint/2010/main" val="2936857106"/>
+      </p:ext>
+    </p:extLst>
+  </p:cSld>
+  <p:clrMapOvr>
+    <a:masterClrMapping/>
+  </p:clrMapOvr>
+</p:sld>
+</file>
+
+<file path=ppt/slides/slide12.xml><?xml version="1.0" encoding="utf-8"?>
 <p:sld xmlns:a="http://schemas.openxmlformats.org/drawingml/2006/main" xmlns:r="http://schemas.openxmlformats.org/officeDocument/2006/relationships" xmlns:p="http://schemas.openxmlformats.org/presentationml/2006/main">
   <p:cSld>
     <p:spTree>
@@ -6253,7 +8025,7 @@
 </p:sld>
 </file>
 
-<file path=ppt/slides/slide12.xml><?xml version="1.0" encoding="utf-8"?>
+<file path=ppt/slides/slide13.xml><?xml version="1.0" encoding="utf-8"?>
 <p:sld xmlns:a="http://schemas.openxmlformats.org/drawingml/2006/main" xmlns:r="http://schemas.openxmlformats.org/officeDocument/2006/relationships" xmlns:p="http://schemas.openxmlformats.org/presentationml/2006/main">
   <p:cSld>
     <p:spTree>
@@ -6969,7 +8741,7 @@
 </p:sld>
 </file>
 
-<file path=ppt/slides/slide13.xml><?xml version="1.0" encoding="utf-8"?>
+<file path=ppt/slides/slide14.xml><?xml version="1.0" encoding="utf-8"?>
 <p:sld xmlns:a="http://schemas.openxmlformats.org/drawingml/2006/main" xmlns:r="http://schemas.openxmlformats.org/officeDocument/2006/relationships" xmlns:p="http://schemas.openxmlformats.org/presentationml/2006/main">
   <p:cSld>
     <p:spTree>
@@ -8763,7 +10535,7 @@
 </p:sld>
 </file>
 
-<file path=ppt/slides/slide14.xml><?xml version="1.0" encoding="utf-8"?>
+<file path=ppt/slides/slide15.xml><?xml version="1.0" encoding="utf-8"?>
 <p:sld xmlns:a="http://schemas.openxmlformats.org/drawingml/2006/main" xmlns:r="http://schemas.openxmlformats.org/officeDocument/2006/relationships" xmlns:p="http://schemas.openxmlformats.org/presentationml/2006/main">
   <p:cSld>
     <p:spTree>
@@ -9262,7 +11034,7 @@
 </p:sld>
 </file>
 
-<file path=ppt/slides/slide15.xml><?xml version="1.0" encoding="utf-8"?>
+<file path=ppt/slides/slide16.xml><?xml version="1.0" encoding="utf-8"?>
 <p:sld xmlns:a="http://schemas.openxmlformats.org/drawingml/2006/main" xmlns:r="http://schemas.openxmlformats.org/officeDocument/2006/relationships" xmlns:p="http://schemas.openxmlformats.org/presentationml/2006/main">
   <p:cSld>
     <p:spTree>
@@ -9733,7 +11505,7 @@
 </p:sld>
 </file>
 
-<file path=ppt/slides/slide16.xml><?xml version="1.0" encoding="utf-8"?>
+<file path=ppt/slides/slide17.xml><?xml version="1.0" encoding="utf-8"?>
 <p:sld xmlns:a="http://schemas.openxmlformats.org/drawingml/2006/main" xmlns:r="http://schemas.openxmlformats.org/officeDocument/2006/relationships" xmlns:p="http://schemas.openxmlformats.org/presentationml/2006/main">
   <p:cSld>
     <p:spTree>
@@ -9771,7 +11543,10 @@
           <a:bodyPr/>
           <a:lstStyle/>
           <a:p>
-            <a:endParaRPr lang="en-US"/>
+            <a:r>
+              <a:rPr lang="en-US" dirty="0"/>
+              <a:t>Future plan</a:t>
+            </a:r>
           </a:p>
         </p:txBody>
       </p:sp>
@@ -9796,7 +11571,57 @@
           <a:bodyPr/>
           <a:lstStyle/>
           <a:p>
-            <a:endParaRPr lang="en-US"/>
+            <a:pPr>
+              <a:lnSpc>
+                <a:spcPct val="150000"/>
+              </a:lnSpc>
+            </a:pPr>
+            <a:r>
+              <a:rPr lang="en-US" dirty="0"/>
+              <a:t>Extend to Segmentation problem</a:t>
+            </a:r>
+          </a:p>
+          <a:p>
+            <a:pPr>
+              <a:lnSpc>
+                <a:spcPct val="150000"/>
+              </a:lnSpc>
+            </a:pPr>
+            <a:r>
+              <a:rPr lang="en-US" dirty="0"/>
+              <a:t>Augmentation</a:t>
+            </a:r>
+          </a:p>
+          <a:p>
+            <a:pPr>
+              <a:lnSpc>
+                <a:spcPct val="150000"/>
+              </a:lnSpc>
+            </a:pPr>
+            <a:r>
+              <a:rPr lang="en-US" dirty="0"/>
+              <a:t>Attention </a:t>
+            </a:r>
+          </a:p>
+          <a:p>
+            <a:pPr>
+              <a:lnSpc>
+                <a:spcPct val="150000"/>
+              </a:lnSpc>
+            </a:pPr>
+            <a:r>
+              <a:rPr lang="en-US"/>
+              <a:t>…</a:t>
+            </a:r>
+            <a:endParaRPr lang="en-US" dirty="0"/>
+          </a:p>
+          <a:p>
+            <a:pPr>
+              <a:lnSpc>
+                <a:spcPct val="150000"/>
+              </a:lnSpc>
+            </a:pPr>
+            <a:endParaRPr lang="en-US" dirty="0"/>
           </a:p>
         </p:txBody>
       </p:sp>
@@ -20731,14 +22556,14 @@
               <p:nvPr>
                 <p:extLst>
                   <p:ext uri="{D42A27DB-BD31-4B8C-83A1-F6EECF244321}">
-                    <p14:modId xmlns:p14="http://schemas.microsoft.com/office/powerpoint/2010/main" val="535683147"/>
+                    <p14:modId xmlns:p14="http://schemas.microsoft.com/office/powerpoint/2010/main" val="2809400394"/>
                   </p:ext>
                 </p:extLst>
               </p:nvPr>
             </p:nvGraphicFramePr>
             <p:xfrm>
-              <a:off x="969730" y="1567057"/>
-              <a:ext cx="9658296" cy="2853721"/>
+              <a:off x="1404445" y="1567056"/>
+              <a:ext cx="8623975" cy="2853721"/>
             </p:xfrm>
             <a:graphic>
               <a:graphicData uri="http://schemas.openxmlformats.org/drawingml/2006/table">
@@ -20747,14 +22572,14 @@
                     <a:tableStyleId>{5C22544A-7EE6-4342-B048-85BDC9FD1C3A}</a:tableStyleId>
                   </a:tblPr>
                   <a:tblGrid>
-                    <a:gridCol w="3516898">
+                    <a:gridCol w="3140268">
                       <a:extLst>
                         <a:ext uri="{9D8B030D-6E8A-4147-A177-3AD203B41FA5}">
                           <a16:colId xmlns:a16="http://schemas.microsoft.com/office/drawing/2014/main" val="3260499319"/>
                         </a:ext>
                       </a:extLst>
                     </a:gridCol>
-                    <a:gridCol w="6141398">
+                    <a:gridCol w="5483707">
                       <a:extLst>
                         <a:ext uri="{9D8B030D-6E8A-4147-A177-3AD203B41FA5}">
                           <a16:colId xmlns:a16="http://schemas.microsoft.com/office/drawing/2014/main" val="1498540713"/>
@@ -20769,7 +22594,7 @@
                         <a:lstStyle/>
                         <a:p>
                           <a:r>
-                            <a:rPr lang="en-US" sz="1600" b="1" dirty="0"/>
+                            <a:rPr lang="en-US" sz="1800" b="1" dirty="0"/>
                             <a:t>Metric</a:t>
                           </a:r>
                         </a:p>
@@ -20783,7 +22608,7 @@
                         <a:p>
                           <a:pPr algn="ctr"/>
                           <a:r>
-                            <a:rPr lang="en-US" sz="1600" b="1" dirty="0"/>
+                            <a:rPr lang="en-US" sz="1800" b="1" dirty="0"/>
                             <a:t>Description</a:t>
                           </a:r>
                         </a:p>
@@ -20803,7 +22628,7 @@
                         <a:lstStyle/>
                         <a:p>
                           <a:r>
-                            <a:rPr lang="en-US" sz="1800" dirty="0"/>
+                            <a:rPr lang="en-US" sz="2000" dirty="0"/>
                             <a:t>Binary Cross Entropy</a:t>
                           </a:r>
                         </a:p>
@@ -20828,14 +22653,14 @@
                                 <m:sSub>
                                   <m:sSubPr>
                                     <m:ctrlPr>
-                                      <a:rPr lang="en-US" sz="1800" i="1" smtClean="0">
+                                      <a:rPr lang="en-US" sz="2000" i="1" smtClean="0">
                                         <a:latin typeface="Cambria Math" panose="02040503050406030204" pitchFamily="18" charset="0"/>
                                       </a:rPr>
                                     </m:ctrlPr>
                                   </m:sSubPr>
                                   <m:e>
                                     <m:r>
-                                      <a:rPr lang="en-US" sz="1800" b="0" i="1" smtClean="0">
+                                      <a:rPr lang="en-US" sz="2000" b="0" i="1" smtClean="0">
                                         <a:latin typeface="Cambria Math" panose="02040503050406030204" pitchFamily="18" charset="0"/>
                                       </a:rPr>
                                       <m:t>𝑝</m:t>
@@ -20843,7 +22668,7 @@
                                   </m:e>
                                   <m:sub>
                                     <m:r>
-                                      <a:rPr lang="en-US" sz="1800" b="0" i="1" smtClean="0">
+                                      <a:rPr lang="en-US" sz="2000" b="0" i="1" smtClean="0">
                                         <a:latin typeface="Cambria Math" panose="02040503050406030204" pitchFamily="18" charset="0"/>
                                       </a:rPr>
                                       <m:t>𝑡</m:t>
@@ -20851,7 +22676,7 @@
                                   </m:sub>
                                 </m:sSub>
                                 <m:r>
-                                  <a:rPr lang="en-US" sz="1800" b="0" i="1" smtClean="0">
+                                  <a:rPr lang="en-US" sz="2000" b="0" i="1" smtClean="0">
                                     <a:latin typeface="Cambria Math" panose="02040503050406030204" pitchFamily="18" charset="0"/>
                                   </a:rPr>
                                   <m:t>=</m:t>
@@ -20861,7 +22686,7 @@
                                     <m:begChr m:val="{"/>
                                     <m:endChr m:val=""/>
                                     <m:ctrlPr>
-                                      <a:rPr lang="en-US" sz="1800" b="0" i="1" smtClean="0">
+                                      <a:rPr lang="en-US" sz="2000" b="0" i="1" smtClean="0">
                                         <a:latin typeface="Cambria Math" panose="02040503050406030204" pitchFamily="18" charset="0"/>
                                       </a:rPr>
                                     </m:ctrlPr>
@@ -20870,44 +22695,44 @@
                                     <m:eqArr>
                                       <m:eqArrPr>
                                         <m:ctrlPr>
-                                          <a:rPr lang="en-US" sz="1800" b="0" i="1" smtClean="0">
+                                          <a:rPr lang="en-US" sz="2000" b="0" i="1" smtClean="0">
                                             <a:latin typeface="Cambria Math" panose="02040503050406030204" pitchFamily="18" charset="0"/>
                                           </a:rPr>
                                         </m:ctrlPr>
                                       </m:eqArrPr>
                                       <m:e>
                                         <m:r>
-                                          <a:rPr lang="en-US" sz="1800" b="0" i="1" smtClean="0">
+                                          <a:rPr lang="en-US" sz="2000" b="0" i="1" smtClean="0">
                                             <a:latin typeface="Cambria Math" panose="02040503050406030204" pitchFamily="18" charset="0"/>
                                           </a:rPr>
                                           <m:t>𝑝</m:t>
                                         </m:r>
                                         <m:r>
-                                          <a:rPr lang="en-US" sz="1800" b="0" i="1" smtClean="0">
+                                          <a:rPr lang="en-US" sz="2000" b="0" i="1" smtClean="0">
                                             <a:latin typeface="Cambria Math" panose="02040503050406030204" pitchFamily="18" charset="0"/>
                                           </a:rPr>
                                           <m:t> </m:t>
                                         </m:r>
                                         <m:r>
-                                          <a:rPr lang="en-US" sz="1800" b="0" i="1" smtClean="0">
+                                          <a:rPr lang="en-US" sz="2000" b="0" i="1" smtClean="0">
                                             <a:latin typeface="Cambria Math" panose="02040503050406030204" pitchFamily="18" charset="0"/>
                                           </a:rPr>
                                           <m:t>𝑖𝑓</m:t>
                                         </m:r>
                                         <m:r>
-                                          <a:rPr lang="en-US" sz="1800" b="0" i="1" smtClean="0">
+                                          <a:rPr lang="en-US" sz="2000" b="0" i="1" smtClean="0">
                                             <a:latin typeface="Cambria Math" panose="02040503050406030204" pitchFamily="18" charset="0"/>
                                           </a:rPr>
                                           <m:t> </m:t>
                                         </m:r>
                                         <m:r>
-                                          <a:rPr lang="en-US" sz="1800" b="0" i="1" smtClean="0">
+                                          <a:rPr lang="en-US" sz="2000" b="0" i="1" smtClean="0">
                                             <a:latin typeface="Cambria Math" panose="02040503050406030204" pitchFamily="18" charset="0"/>
                                           </a:rPr>
                                           <m:t>𝑦</m:t>
                                         </m:r>
                                         <m:r>
-                                          <a:rPr lang="en-US" sz="1800" b="0" i="1" smtClean="0">
+                                          <a:rPr lang="en-US" sz="2000" b="0" i="1" smtClean="0">
                                             <a:latin typeface="Cambria Math" panose="02040503050406030204" pitchFamily="18" charset="0"/>
                                           </a:rPr>
                                           <m:t>=1</m:t>
@@ -20915,25 +22740,25 @@
                                       </m:e>
                                       <m:e>
                                         <m:r>
-                                          <a:rPr lang="en-US" sz="1800" b="0" i="1" smtClean="0">
+                                          <a:rPr lang="en-US" sz="2000" b="0" i="1" smtClean="0">
                                             <a:latin typeface="Cambria Math" panose="02040503050406030204" pitchFamily="18" charset="0"/>
                                           </a:rPr>
                                           <m:t>1−</m:t>
                                         </m:r>
                                         <m:r>
-                                          <a:rPr lang="en-US" sz="1800" b="0" i="1" smtClean="0">
+                                          <a:rPr lang="en-US" sz="2000" b="0" i="1" smtClean="0">
                                             <a:latin typeface="Cambria Math" panose="02040503050406030204" pitchFamily="18" charset="0"/>
                                           </a:rPr>
                                           <m:t>𝑝</m:t>
                                         </m:r>
                                         <m:r>
-                                          <a:rPr lang="en-US" sz="1800" b="0" i="1" smtClean="0">
+                                          <a:rPr lang="en-US" sz="2000" b="0" i="1" smtClean="0">
                                             <a:latin typeface="Cambria Math" panose="02040503050406030204" pitchFamily="18" charset="0"/>
                                           </a:rPr>
                                           <m:t> </m:t>
                                         </m:r>
                                         <m:r>
-                                          <a:rPr lang="en-US" sz="1800" b="0" i="1" smtClean="0">
+                                          <a:rPr lang="en-US" sz="2000" b="0" i="1" smtClean="0">
                                             <a:latin typeface="Cambria Math" panose="02040503050406030204" pitchFamily="18" charset="0"/>
                                           </a:rPr>
                                           <m:t>𝑜𝑡h𝑒𝑟𝑤𝑖𝑠𝑒</m:t>
@@ -20945,7 +22770,7 @@
                               </m:oMath>
                             </m:oMathPara>
                           </a14:m>
-                          <a:endParaRPr lang="en-US" sz="1800" dirty="0"/>
+                          <a:endParaRPr lang="en-US" sz="2000" dirty="0"/>
                         </a:p>
                         <a:p>
                           <a:pPr marL="0" indent="0" algn="ctr">
@@ -20955,7 +22780,7 @@
                           <a14:m>
                             <m:oMath xmlns:m="http://schemas.openxmlformats.org/officeDocument/2006/math">
                               <m:r>
-                                <a:rPr lang="en-US" sz="1800" b="0" i="1" smtClean="0">
+                                <a:rPr lang="en-US" sz="2000" b="0" i="1" smtClean="0">
                                   <a:latin typeface="Cambria Math" panose="02040503050406030204" pitchFamily="18" charset="0"/>
                                 </a:rPr>
                                 <m:t>𝐶𝐸</m:t>
@@ -20963,26 +22788,26 @@
                               <m:d>
                                 <m:dPr>
                                   <m:ctrlPr>
-                                    <a:rPr lang="en-US" sz="1800" b="0" i="1" smtClean="0">
+                                    <a:rPr lang="en-US" sz="2000" b="0" i="1" smtClean="0">
                                       <a:latin typeface="Cambria Math" panose="02040503050406030204" pitchFamily="18" charset="0"/>
                                     </a:rPr>
                                   </m:ctrlPr>
                                 </m:dPr>
                                 <m:e>
                                   <m:r>
-                                    <a:rPr lang="en-US" sz="1800" b="0" i="1" smtClean="0">
+                                    <a:rPr lang="en-US" sz="2000" b="0" i="1" smtClean="0">
                                       <a:latin typeface="Cambria Math" panose="02040503050406030204" pitchFamily="18" charset="0"/>
                                     </a:rPr>
                                     <m:t>𝑝</m:t>
                                   </m:r>
                                   <m:r>
-                                    <a:rPr lang="en-US" sz="1800" b="0" i="1" smtClean="0">
+                                    <a:rPr lang="en-US" sz="2000" b="0" i="1" smtClean="0">
                                       <a:latin typeface="Cambria Math" panose="02040503050406030204" pitchFamily="18" charset="0"/>
                                     </a:rPr>
                                     <m:t>, </m:t>
                                   </m:r>
                                   <m:r>
-                                    <a:rPr lang="en-US" sz="1800" b="0" i="1" smtClean="0">
+                                    <a:rPr lang="en-US" sz="2000" b="0" i="1" smtClean="0">
                                       <a:latin typeface="Cambria Math" panose="02040503050406030204" pitchFamily="18" charset="0"/>
                                     </a:rPr>
                                     <m:t>𝑦</m:t>
@@ -20990,19 +22815,19 @@
                                 </m:e>
                               </m:d>
                               <m:r>
-                                <a:rPr lang="en-US" sz="1800" b="0" i="1" smtClean="0">
+                                <a:rPr lang="en-US" sz="2000" b="0" i="1" smtClean="0">
                                   <a:latin typeface="Cambria Math" panose="02040503050406030204" pitchFamily="18" charset="0"/>
                                 </a:rPr>
                                 <m:t>=</m:t>
                               </m:r>
                               <m:r>
-                                <a:rPr lang="en-US" sz="1800" b="0" i="1" smtClean="0">
+                                <a:rPr lang="en-US" sz="2000" b="0" i="1" smtClean="0">
                                   <a:latin typeface="Cambria Math" panose="02040503050406030204" pitchFamily="18" charset="0"/>
                                 </a:rPr>
                                 <m:t>𝐶𝐸</m:t>
                               </m:r>
                               <m:r>
-                                <a:rPr lang="en-US" sz="1800" b="0" i="1" smtClean="0">
+                                <a:rPr lang="en-US" sz="2000" b="0" i="1" smtClean="0">
                                   <a:latin typeface="Cambria Math" panose="02040503050406030204" pitchFamily="18" charset="0"/>
                                 </a:rPr>
                                 <m:t>(</m:t>
@@ -21010,14 +22835,14 @@
                               <m:sSub>
                                 <m:sSubPr>
                                   <m:ctrlPr>
-                                    <a:rPr lang="en-US" sz="1800" i="1" smtClean="0">
+                                    <a:rPr lang="en-US" sz="2000" i="1" smtClean="0">
                                       <a:latin typeface="Cambria Math" panose="02040503050406030204" pitchFamily="18" charset="0"/>
                                     </a:rPr>
                                   </m:ctrlPr>
                                 </m:sSubPr>
                                 <m:e>
                                   <m:r>
-                                    <a:rPr lang="en-US" sz="1800" b="0" i="1" smtClean="0">
+                                    <a:rPr lang="en-US" sz="2000" b="0" i="1" smtClean="0">
                                       <a:latin typeface="Cambria Math" panose="02040503050406030204" pitchFamily="18" charset="0"/>
                                     </a:rPr>
                                     <m:t>𝑝</m:t>
@@ -21025,7 +22850,7 @@
                                 </m:e>
                                 <m:sub>
                                   <m:r>
-                                    <a:rPr lang="en-US" sz="1800" b="0" i="1" smtClean="0">
+                                    <a:rPr lang="en-US" sz="2000" b="0" i="1" smtClean="0">
                                       <a:latin typeface="Cambria Math" panose="02040503050406030204" pitchFamily="18" charset="0"/>
                                     </a:rPr>
                                     <m:t>𝑡</m:t>
@@ -21035,13 +22860,13 @@
                             </m:oMath>
                           </a14:m>
                           <a:r>
-                            <a:rPr lang="en-US" sz="1800" dirty="0"/>
+                            <a:rPr lang="en-US" sz="2000" dirty="0"/>
                             <a:t>)</a:t>
                           </a:r>
                           <a14:m>
                             <m:oMath xmlns:m="http://schemas.openxmlformats.org/officeDocument/2006/math">
                               <m:r>
-                                <a:rPr lang="en-US" sz="1800" b="0" i="1" smtClean="0">
+                                <a:rPr lang="en-US" sz="2000" b="0" i="1" smtClean="0">
                                   <a:latin typeface="Cambria Math" panose="02040503050406030204" pitchFamily="18" charset="0"/>
                                 </a:rPr>
                                 <m:t>=−</m:t>
@@ -21050,13 +22875,13 @@
                                 <m:rPr>
                                   <m:sty m:val="p"/>
                                 </m:rPr>
-                                <a:rPr lang="en-US" sz="1800" b="0" i="0" smtClean="0">
+                                <a:rPr lang="en-US" sz="2000" b="0" i="0" smtClean="0">
                                   <a:latin typeface="Cambria Math" panose="02040503050406030204" pitchFamily="18" charset="0"/>
                                 </a:rPr>
                                 <m:t>log</m:t>
                               </m:r>
                               <m:r>
-                                <a:rPr lang="en-US" sz="1800" b="0" i="1" smtClean="0">
+                                <a:rPr lang="en-US" sz="2000" b="0" i="1" smtClean="0">
                                   <a:latin typeface="Cambria Math" panose="02040503050406030204" pitchFamily="18" charset="0"/>
                                 </a:rPr>
                                 <m:t>⁡(</m:t>
@@ -21064,14 +22889,14 @@
                               <m:sSub>
                                 <m:sSubPr>
                                   <m:ctrlPr>
-                                    <a:rPr lang="en-US" sz="1800" i="1" smtClean="0">
+                                    <a:rPr lang="en-US" sz="2000" i="1" smtClean="0">
                                       <a:latin typeface="Cambria Math" panose="02040503050406030204" pitchFamily="18" charset="0"/>
                                     </a:rPr>
                                   </m:ctrlPr>
                                 </m:sSubPr>
                                 <m:e>
                                   <m:r>
-                                    <a:rPr lang="en-US" sz="1800" b="0" i="1" smtClean="0">
+                                    <a:rPr lang="en-US" sz="2000" b="0" i="1" smtClean="0">
                                       <a:latin typeface="Cambria Math" panose="02040503050406030204" pitchFamily="18" charset="0"/>
                                     </a:rPr>
                                     <m:t>𝑝</m:t>
@@ -21079,7 +22904,7 @@
                                 </m:e>
                                 <m:sub>
                                   <m:r>
-                                    <a:rPr lang="en-US" sz="1800" b="0" i="1" smtClean="0">
+                                    <a:rPr lang="en-US" sz="2000" b="0" i="1" smtClean="0">
                                       <a:latin typeface="Cambria Math" panose="02040503050406030204" pitchFamily="18" charset="0"/>
                                     </a:rPr>
                                     <m:t>𝑡</m:t>
@@ -21089,7 +22914,7 @@
                             </m:oMath>
                           </a14:m>
                           <a:r>
-                            <a:rPr lang="en-US" sz="1800" dirty="0"/>
+                            <a:rPr lang="en-US" sz="2000" dirty="0"/>
                             <a:t>)</a:t>
                           </a:r>
                         </a:p>
@@ -21126,7 +22951,7 @@
                             <a:defRPr/>
                           </a:pPr>
                           <a:r>
-                            <a:rPr lang="en-US" sz="1800" b="0" kern="1200" dirty="0" err="1">
+                            <a:rPr lang="en-US" sz="2000" b="0" kern="1200" dirty="0" err="1">
                               <a:solidFill>
                                 <a:schemeClr val="dk1"/>
                               </a:solidFill>
@@ -21137,7 +22962,7 @@
                             </a:rPr>
                             <a:t>Focalloss</a:t>
                           </a:r>
-                          <a:endParaRPr lang="en-US" sz="1800" b="0" kern="1200" dirty="0">
+                          <a:endParaRPr lang="en-US" sz="2000" b="0" kern="1200" dirty="0">
                             <a:solidFill>
                               <a:schemeClr val="dk1"/>
                             </a:solidFill>
@@ -21148,7 +22973,7 @@
                           </a:endParaRPr>
                         </a:p>
                         <a:p>
-                          <a:endParaRPr lang="en-US" sz="1800" dirty="0"/>
+                          <a:endParaRPr lang="en-US" sz="2000" dirty="0"/>
                         </a:p>
                       </a:txBody>
                       <a:tcPr/>
@@ -21182,7 +23007,7 @@
                               </m:oMathParaPr>
                               <m:oMath xmlns:m="http://schemas.openxmlformats.org/officeDocument/2006/math">
                                 <m:r>
-                                  <a:rPr lang="en-US" sz="1800" b="0" i="1" smtClean="0">
+                                  <a:rPr lang="en-US" sz="2000" b="0" i="1" smtClean="0">
                                     <a:latin typeface="Cambria Math" panose="02040503050406030204" pitchFamily="18" charset="0"/>
                                   </a:rPr>
                                   <m:t>𝐹𝐿</m:t>
@@ -21190,7 +23015,7 @@
                                 <m:d>
                                   <m:dPr>
                                     <m:ctrlPr>
-                                      <a:rPr lang="en-US" sz="1800" b="0" i="1" smtClean="0">
+                                      <a:rPr lang="en-US" sz="2000" b="0" i="1" smtClean="0">
                                         <a:latin typeface="Cambria Math" panose="02040503050406030204" pitchFamily="18" charset="0"/>
                                       </a:rPr>
                                     </m:ctrlPr>
@@ -21199,14 +23024,14 @@
                                     <m:sSub>
                                       <m:sSubPr>
                                         <m:ctrlPr>
-                                          <a:rPr lang="en-US" sz="1800" i="1" smtClean="0">
+                                          <a:rPr lang="en-US" sz="2000" i="1" smtClean="0">
                                             <a:latin typeface="Cambria Math" panose="02040503050406030204" pitchFamily="18" charset="0"/>
                                           </a:rPr>
                                         </m:ctrlPr>
                                       </m:sSubPr>
                                       <m:e>
                                         <m:r>
-                                          <a:rPr lang="en-US" sz="1800" b="0" i="1" smtClean="0">
+                                          <a:rPr lang="en-US" sz="2000" b="0" i="1" smtClean="0">
                                             <a:latin typeface="Cambria Math" panose="02040503050406030204" pitchFamily="18" charset="0"/>
                                           </a:rPr>
                                           <m:t>𝑝</m:t>
@@ -21214,7 +23039,7 @@
                                       </m:e>
                                       <m:sub>
                                         <m:r>
-                                          <a:rPr lang="en-US" sz="1800" b="0" i="1" smtClean="0">
+                                          <a:rPr lang="en-US" sz="2000" b="0" i="1" smtClean="0">
                                             <a:latin typeface="Cambria Math" panose="02040503050406030204" pitchFamily="18" charset="0"/>
                                           </a:rPr>
                                           <m:t>𝑡</m:t>
@@ -21224,7 +23049,7 @@
                                   </m:e>
                                 </m:d>
                                 <m:r>
-                                  <a:rPr lang="en-US" sz="1800" b="0" i="1" smtClean="0">
+                                  <a:rPr lang="en-US" sz="2000" b="0" i="1" smtClean="0">
                                     <a:latin typeface="Cambria Math" panose="02040503050406030204" pitchFamily="18" charset="0"/>
                                   </a:rPr>
                                   <m:t>=− </m:t>
@@ -21232,7 +23057,7 @@
                                 <m:sSup>
                                   <m:sSupPr>
                                     <m:ctrlPr>
-                                      <a:rPr lang="en-US" sz="1800" b="0" i="1" smtClean="0">
+                                      <a:rPr lang="en-US" sz="2000" b="0" i="1" smtClean="0">
                                         <a:latin typeface="Cambria Math" panose="02040503050406030204" pitchFamily="18" charset="0"/>
                                       </a:rPr>
                                     </m:ctrlPr>
@@ -21241,7 +23066,7 @@
                                     <m:d>
                                       <m:dPr>
                                         <m:ctrlPr>
-                                          <a:rPr lang="en-US" sz="1800" b="0" i="1" smtClean="0">
+                                          <a:rPr lang="en-US" sz="2000" b="0" i="1" smtClean="0">
                                             <a:latin typeface="Cambria Math" panose="02040503050406030204" pitchFamily="18" charset="0"/>
                                           </a:rPr>
                                         </m:ctrlPr>
@@ -21250,20 +23075,20 @@
                                         <m:sSub>
                                           <m:sSubPr>
                                             <m:ctrlPr>
-                                              <a:rPr lang="en-US" sz="1800" i="1" smtClean="0">
+                                              <a:rPr lang="en-US" sz="2000" i="1" smtClean="0">
                                                 <a:latin typeface="Cambria Math" panose="02040503050406030204" pitchFamily="18" charset="0"/>
                                               </a:rPr>
                                             </m:ctrlPr>
                                           </m:sSubPr>
                                           <m:e>
                                             <m:r>
-                                              <a:rPr lang="en-US" sz="1800" b="0" i="1" smtClean="0">
+                                              <a:rPr lang="en-US" sz="2000" b="0" i="1" smtClean="0">
                                                 <a:latin typeface="Cambria Math" panose="02040503050406030204" pitchFamily="18" charset="0"/>
                                               </a:rPr>
                                               <m:t>1 − </m:t>
                                             </m:r>
                                             <m:r>
-                                              <a:rPr lang="en-US" sz="1800" b="0" i="1" smtClean="0">
+                                              <a:rPr lang="en-US" sz="2000" b="0" i="1" smtClean="0">
                                                 <a:latin typeface="Cambria Math" panose="02040503050406030204" pitchFamily="18" charset="0"/>
                                               </a:rPr>
                                               <m:t>𝑝</m:t>
@@ -21271,7 +23096,7 @@
                                           </m:e>
                                           <m:sub>
                                             <m:r>
-                                              <a:rPr lang="en-US" sz="1800" b="0" i="1" smtClean="0">
+                                              <a:rPr lang="en-US" sz="2000" b="0" i="1" smtClean="0">
                                                 <a:latin typeface="Cambria Math" panose="02040503050406030204" pitchFamily="18" charset="0"/>
                                               </a:rPr>
                                               <m:t>𝑡</m:t>
@@ -21283,7 +23108,7 @@
                                   </m:e>
                                   <m:sup>
                                     <m:r>
-                                      <a:rPr lang="en-US" sz="1800" b="0" i="1" smtClean="0">
+                                      <a:rPr lang="en-US" sz="2000" b="0" i="1" smtClean="0">
                                         <a:latin typeface="Cambria Math" panose="02040503050406030204" pitchFamily="18" charset="0"/>
                                         <a:ea typeface="Cambria Math" panose="02040503050406030204" pitchFamily="18" charset="0"/>
                                       </a:rPr>
@@ -21295,13 +23120,13 @@
                                   <m:rPr>
                                     <m:sty m:val="p"/>
                                   </m:rPr>
-                                  <a:rPr lang="en-US" sz="1800" b="0" i="0" smtClean="0">
+                                  <a:rPr lang="en-US" sz="2000" b="0" i="0" smtClean="0">
                                     <a:latin typeface="Cambria Math" panose="02040503050406030204" pitchFamily="18" charset="0"/>
                                   </a:rPr>
                                   <m:t>log</m:t>
                                 </m:r>
                                 <m:r>
-                                  <a:rPr lang="en-US" sz="1800" b="0" i="1" smtClean="0">
+                                  <a:rPr lang="en-US" sz="2000" b="0" i="1" smtClean="0">
                                     <a:latin typeface="Cambria Math" panose="02040503050406030204" pitchFamily="18" charset="0"/>
                                   </a:rPr>
                                   <m:t>⁡(</m:t>
@@ -21309,14 +23134,14 @@
                                 <m:sSub>
                                   <m:sSubPr>
                                     <m:ctrlPr>
-                                      <a:rPr lang="en-US" sz="1800" i="1" smtClean="0">
+                                      <a:rPr lang="en-US" sz="2000" i="1" smtClean="0">
                                         <a:latin typeface="Cambria Math" panose="02040503050406030204" pitchFamily="18" charset="0"/>
                                       </a:rPr>
                                     </m:ctrlPr>
                                   </m:sSubPr>
                                   <m:e>
                                     <m:r>
-                                      <a:rPr lang="en-US" sz="1800" b="0" i="1" smtClean="0">
+                                      <a:rPr lang="en-US" sz="2000" b="0" i="1" smtClean="0">
                                         <a:latin typeface="Cambria Math" panose="02040503050406030204" pitchFamily="18" charset="0"/>
                                       </a:rPr>
                                       <m:t>𝑝</m:t>
@@ -21324,7 +23149,7 @@
                                   </m:e>
                                   <m:sub>
                                     <m:r>
-                                      <a:rPr lang="en-US" sz="1800" b="0" i="1" smtClean="0">
+                                      <a:rPr lang="en-US" sz="2000" b="0" i="1" smtClean="0">
                                         <a:latin typeface="Cambria Math" panose="02040503050406030204" pitchFamily="18" charset="0"/>
                                       </a:rPr>
                                       <m:t>𝑡</m:t>
@@ -21332,7 +23157,7 @@
                                   </m:sub>
                                 </m:sSub>
                                 <m:r>
-                                  <a:rPr lang="en-US" sz="1800" b="0" i="1" smtClean="0">
+                                  <a:rPr lang="en-US" sz="2000" b="0" i="1" smtClean="0">
                                     <a:latin typeface="Cambria Math" panose="02040503050406030204" pitchFamily="18" charset="0"/>
                                   </a:rPr>
                                   <m:t>)</m:t>
@@ -21340,7 +23165,7 @@
                               </m:oMath>
                             </m:oMathPara>
                           </a14:m>
-                          <a:endParaRPr lang="en-US" sz="1800" dirty="0"/>
+                          <a:endParaRPr lang="en-US" sz="2000" dirty="0"/>
                         </a:p>
                       </a:txBody>
                       <a:tcPr/>
@@ -21372,14 +23197,14 @@
               <p:nvPr>
                 <p:extLst>
                   <p:ext uri="{D42A27DB-BD31-4B8C-83A1-F6EECF244321}">
-                    <p14:modId xmlns:p14="http://schemas.microsoft.com/office/powerpoint/2010/main" val="535683147"/>
+                    <p14:modId xmlns:p14="http://schemas.microsoft.com/office/powerpoint/2010/main" val="2809400394"/>
                   </p:ext>
                 </p:extLst>
               </p:nvPr>
             </p:nvGraphicFramePr>
             <p:xfrm>
-              <a:off x="969730" y="1567057"/>
-              <a:ext cx="9658296" cy="2853721"/>
+              <a:off x="1404445" y="1567056"/>
+              <a:ext cx="8623975" cy="2853721"/>
             </p:xfrm>
             <a:graphic>
               <a:graphicData uri="http://schemas.openxmlformats.org/drawingml/2006/table">
@@ -21388,14 +23213,14 @@
                     <a:tableStyleId>{5C22544A-7EE6-4342-B048-85BDC9FD1C3A}</a:tableStyleId>
                   </a:tblPr>
                   <a:tblGrid>
-                    <a:gridCol w="3516898">
+                    <a:gridCol w="3140268">
                       <a:extLst>
                         <a:ext uri="{9D8B030D-6E8A-4147-A177-3AD203B41FA5}">
                           <a16:colId xmlns:a16="http://schemas.microsoft.com/office/drawing/2014/main" val="3260499319"/>
                         </a:ext>
                       </a:extLst>
                     </a:gridCol>
-                    <a:gridCol w="6141398">
+                    <a:gridCol w="5483707">
                       <a:extLst>
                         <a:ext uri="{9D8B030D-6E8A-4147-A177-3AD203B41FA5}">
                           <a16:colId xmlns:a16="http://schemas.microsoft.com/office/drawing/2014/main" val="1498540713"/>
@@ -21410,7 +23235,7 @@
                         <a:lstStyle/>
                         <a:p>
                           <a:r>
-                            <a:rPr lang="en-US" sz="1600" b="1" dirty="0"/>
+                            <a:rPr lang="en-US" sz="1800" b="1" dirty="0"/>
                             <a:t>Metric</a:t>
                           </a:r>
                         </a:p>
@@ -21424,7 +23249,7 @@
                         <a:p>
                           <a:pPr algn="ctr"/>
                           <a:r>
-                            <a:rPr lang="en-US" sz="1600" b="1" dirty="0"/>
+                            <a:rPr lang="en-US" sz="1800" b="1" dirty="0"/>
                             <a:t>Description</a:t>
                           </a:r>
                         </a:p>
@@ -21444,7 +23269,7 @@
                         <a:lstStyle/>
                         <a:p>
                           <a:r>
-                            <a:rPr lang="en-US" sz="1800" dirty="0"/>
+                            <a:rPr lang="en-US" sz="2000" dirty="0"/>
                             <a:t>Binary Cross Entropy</a:t>
                           </a:r>
                         </a:p>
@@ -21463,7 +23288,7 @@
                         <a:blipFill>
                           <a:blip r:embed="rId2"/>
                           <a:stretch>
-                            <a:fillRect l="-57341" t="-75369" r="-198" b="-58128"/>
+                            <a:fillRect l="-57444" t="-76355" r="-222" b="-58128"/>
                           </a:stretch>
                         </a:blipFill>
                       </a:tcPr>
@@ -21498,7 +23323,7 @@
                             <a:defRPr/>
                           </a:pPr>
                           <a:r>
-                            <a:rPr lang="en-US" sz="1800" b="0" kern="1200" dirty="0" err="1">
+                            <a:rPr lang="en-US" sz="2000" b="0" kern="1200" dirty="0" err="1">
                               <a:solidFill>
                                 <a:schemeClr val="dk1"/>
                               </a:solidFill>
@@ -21509,7 +23334,7 @@
                             </a:rPr>
                             <a:t>Focalloss</a:t>
                           </a:r>
-                          <a:endParaRPr lang="en-US" sz="1800" b="0" kern="1200" dirty="0">
+                          <a:endParaRPr lang="en-US" sz="2000" b="0" kern="1200" dirty="0">
                             <a:solidFill>
                               <a:schemeClr val="dk1"/>
                             </a:solidFill>
@@ -21520,7 +23345,7 @@
                           </a:endParaRPr>
                         </a:p>
                         <a:p>
-                          <a:endParaRPr lang="en-US" sz="1800" dirty="0"/>
+                          <a:endParaRPr lang="en-US" sz="2000" dirty="0"/>
                         </a:p>
                       </a:txBody>
                       <a:tcPr/>
@@ -21537,7 +23362,7 @@
                         <a:blipFill>
                           <a:blip r:embed="rId2"/>
                           <a:stretch>
-                            <a:fillRect l="-57341" t="-306897" r="-198" b="-1724"/>
+                            <a:fillRect l="-57444" t="-308621" r="-222" b="-1724"/>
                           </a:stretch>
                         </a:blipFill>
                       </a:tcPr>

--- a/mid_term/mid_term_v2.pptx
+++ b/mid_term/mid_term_v2.pptx
@@ -5358,8 +5358,8 @@
           </a:graphicData>
         </a:graphic>
       </p:graphicFrame>
-      <mc:AlternateContent xmlns:mc="http://schemas.openxmlformats.org/markup-compatibility/2006">
-        <mc:Choice xmlns:a14="http://schemas.microsoft.com/office/drawing/2010/main" Requires="a14">
+      <mc:AlternateContent xmlns:mc="http://schemas.openxmlformats.org/markup-compatibility/2006" xmlns:a14="http://schemas.microsoft.com/office/drawing/2010/main">
+        <mc:Choice Requires="a14">
           <p:graphicFrame>
             <p:nvGraphicFramePr>
               <p:cNvPr id="11" name="Table 6">
@@ -6721,7 +6721,7 @@
             </a:graphic>
           </p:graphicFrame>
         </mc:Choice>
-        <mc:Fallback>
+        <mc:Fallback xmlns="">
           <p:graphicFrame>
             <p:nvGraphicFramePr>
               <p:cNvPr id="11" name="Table 6">
@@ -21244,8 +21244,8 @@
           </a:graphicData>
         </a:graphic>
       </p:graphicFrame>
-      <mc:AlternateContent xmlns:mc="http://schemas.openxmlformats.org/markup-compatibility/2006">
-        <mc:Choice xmlns:a14="http://schemas.microsoft.com/office/drawing/2010/main" Requires="a14">
+      <mc:AlternateContent xmlns:mc="http://schemas.openxmlformats.org/markup-compatibility/2006" xmlns:a14="http://schemas.microsoft.com/office/drawing/2010/main">
+        <mc:Choice Requires="a14">
           <p:graphicFrame>
             <p:nvGraphicFramePr>
               <p:cNvPr id="10" name="Table 6">
@@ -21948,13 +21948,7 @@
                                       <a:rPr lang="en-US" b="0" i="1" smtClean="0">
                                         <a:latin typeface="Cambria Math" panose="02040503050406030204" pitchFamily="18" charset="0"/>
                                       </a:rPr>
-                                      <m:t>)</m:t>
-                                    </m:r>
-                                    <m:r>
-                                      <a:rPr lang="en-US" b="0" i="1" smtClean="0">
-                                        <a:latin typeface="Cambria Math" panose="02040503050406030204" pitchFamily="18" charset="0"/>
-                                      </a:rPr>
-                                      <m:t>∗</m:t>
+                                      <m:t>)∗</m:t>
                                     </m:r>
                                     <m:r>
                                       <a:rPr lang="en-US" b="0" i="1" smtClean="0">
@@ -22029,7 +22023,7 @@
             </a:graphic>
           </p:graphicFrame>
         </mc:Choice>
-        <mc:Fallback>
+        <mc:Fallback xmlns="">
           <p:graphicFrame>
             <p:nvGraphicFramePr>
               <p:cNvPr id="10" name="Table 6">
@@ -22556,14 +22550,14 @@
               <p:nvPr>
                 <p:extLst>
                   <p:ext uri="{D42A27DB-BD31-4B8C-83A1-F6EECF244321}">
-                    <p14:modId xmlns:p14="http://schemas.microsoft.com/office/powerpoint/2010/main" val="2809400394"/>
+                    <p14:modId xmlns:p14="http://schemas.microsoft.com/office/powerpoint/2010/main" val="2137516234"/>
                   </p:ext>
                 </p:extLst>
               </p:nvPr>
             </p:nvGraphicFramePr>
             <p:xfrm>
-              <a:off x="1404445" y="1567056"/>
-              <a:ext cx="8623975" cy="2853721"/>
+              <a:off x="1516986" y="1032843"/>
+              <a:ext cx="8623975" cy="3567484"/>
             </p:xfrm>
             <a:graphic>
               <a:graphicData uri="http://schemas.openxmlformats.org/drawingml/2006/table">
@@ -22594,7 +22588,7 @@
                         <a:lstStyle/>
                         <a:p>
                           <a:r>
-                            <a:rPr lang="en-US" sz="1800" b="1" dirty="0"/>
+                            <a:rPr lang="en-US" sz="1600" b="1" dirty="0"/>
                             <a:t>Metric</a:t>
                           </a:r>
                         </a:p>
@@ -22608,7 +22602,7 @@
                         <a:p>
                           <a:pPr algn="ctr"/>
                           <a:r>
-                            <a:rPr lang="en-US" sz="1800" b="1" dirty="0"/>
+                            <a:rPr lang="en-US" sz="1600" b="1" dirty="0"/>
                             <a:t>Description</a:t>
                           </a:r>
                         </a:p>
@@ -22628,7 +22622,7 @@
                         <a:lstStyle/>
                         <a:p>
                           <a:r>
-                            <a:rPr lang="en-US" sz="2000" dirty="0"/>
+                            <a:rPr lang="en-US" sz="1800" dirty="0"/>
                             <a:t>Binary Cross Entropy</a:t>
                           </a:r>
                         </a:p>
@@ -22653,14 +22647,14 @@
                                 <m:sSub>
                                   <m:sSubPr>
                                     <m:ctrlPr>
-                                      <a:rPr lang="en-US" sz="2000" i="1" smtClean="0">
+                                      <a:rPr lang="en-US" sz="1800" i="1" smtClean="0">
                                         <a:latin typeface="Cambria Math" panose="02040503050406030204" pitchFamily="18" charset="0"/>
                                       </a:rPr>
                                     </m:ctrlPr>
                                   </m:sSubPr>
                                   <m:e>
                                     <m:r>
-                                      <a:rPr lang="en-US" sz="2000" b="0" i="1" smtClean="0">
+                                      <a:rPr lang="en-US" sz="1800" b="0" i="1" smtClean="0">
                                         <a:latin typeface="Cambria Math" panose="02040503050406030204" pitchFamily="18" charset="0"/>
                                       </a:rPr>
                                       <m:t>𝑝</m:t>
@@ -22668,7 +22662,7 @@
                                   </m:e>
                                   <m:sub>
                                     <m:r>
-                                      <a:rPr lang="en-US" sz="2000" b="0" i="1" smtClean="0">
+                                      <a:rPr lang="en-US" sz="1800" b="0" i="1" smtClean="0">
                                         <a:latin typeface="Cambria Math" panose="02040503050406030204" pitchFamily="18" charset="0"/>
                                       </a:rPr>
                                       <m:t>𝑡</m:t>
@@ -22676,7 +22670,7 @@
                                   </m:sub>
                                 </m:sSub>
                                 <m:r>
-                                  <a:rPr lang="en-US" sz="2000" b="0" i="1" smtClean="0">
+                                  <a:rPr lang="en-US" sz="1800" b="0" i="1" smtClean="0">
                                     <a:latin typeface="Cambria Math" panose="02040503050406030204" pitchFamily="18" charset="0"/>
                                   </a:rPr>
                                   <m:t>=</m:t>
@@ -22686,7 +22680,7 @@
                                     <m:begChr m:val="{"/>
                                     <m:endChr m:val=""/>
                                     <m:ctrlPr>
-                                      <a:rPr lang="en-US" sz="2000" b="0" i="1" smtClean="0">
+                                      <a:rPr lang="en-US" sz="1800" b="0" i="1" smtClean="0">
                                         <a:latin typeface="Cambria Math" panose="02040503050406030204" pitchFamily="18" charset="0"/>
                                       </a:rPr>
                                     </m:ctrlPr>
@@ -22695,44 +22689,44 @@
                                     <m:eqArr>
                                       <m:eqArrPr>
                                         <m:ctrlPr>
-                                          <a:rPr lang="en-US" sz="2000" b="0" i="1" smtClean="0">
+                                          <a:rPr lang="en-US" sz="1800" b="0" i="1" smtClean="0">
                                             <a:latin typeface="Cambria Math" panose="02040503050406030204" pitchFamily="18" charset="0"/>
                                           </a:rPr>
                                         </m:ctrlPr>
                                       </m:eqArrPr>
                                       <m:e>
                                         <m:r>
-                                          <a:rPr lang="en-US" sz="2000" b="0" i="1" smtClean="0">
+                                          <a:rPr lang="en-US" sz="1800" b="0" i="1" smtClean="0">
                                             <a:latin typeface="Cambria Math" panose="02040503050406030204" pitchFamily="18" charset="0"/>
                                           </a:rPr>
                                           <m:t>𝑝</m:t>
                                         </m:r>
                                         <m:r>
-                                          <a:rPr lang="en-US" sz="2000" b="0" i="1" smtClean="0">
+                                          <a:rPr lang="en-US" sz="1800" b="0" i="1" smtClean="0">
                                             <a:latin typeface="Cambria Math" panose="02040503050406030204" pitchFamily="18" charset="0"/>
                                           </a:rPr>
                                           <m:t> </m:t>
                                         </m:r>
                                         <m:r>
-                                          <a:rPr lang="en-US" sz="2000" b="0" i="1" smtClean="0">
+                                          <a:rPr lang="en-US" sz="1800" b="0" i="1" smtClean="0">
                                             <a:latin typeface="Cambria Math" panose="02040503050406030204" pitchFamily="18" charset="0"/>
                                           </a:rPr>
                                           <m:t>𝑖𝑓</m:t>
                                         </m:r>
                                         <m:r>
-                                          <a:rPr lang="en-US" sz="2000" b="0" i="1" smtClean="0">
+                                          <a:rPr lang="en-US" sz="1800" b="0" i="1" smtClean="0">
                                             <a:latin typeface="Cambria Math" panose="02040503050406030204" pitchFamily="18" charset="0"/>
                                           </a:rPr>
                                           <m:t> </m:t>
                                         </m:r>
                                         <m:r>
-                                          <a:rPr lang="en-US" sz="2000" b="0" i="1" smtClean="0">
+                                          <a:rPr lang="en-US" sz="1800" b="0" i="1" smtClean="0">
                                             <a:latin typeface="Cambria Math" panose="02040503050406030204" pitchFamily="18" charset="0"/>
                                           </a:rPr>
                                           <m:t>𝑦</m:t>
                                         </m:r>
                                         <m:r>
-                                          <a:rPr lang="en-US" sz="2000" b="0" i="1" smtClean="0">
+                                          <a:rPr lang="en-US" sz="1800" b="0" i="1" smtClean="0">
                                             <a:latin typeface="Cambria Math" panose="02040503050406030204" pitchFamily="18" charset="0"/>
                                           </a:rPr>
                                           <m:t>=1</m:t>
@@ -22740,25 +22734,25 @@
                                       </m:e>
                                       <m:e>
                                         <m:r>
-                                          <a:rPr lang="en-US" sz="2000" b="0" i="1" smtClean="0">
+                                          <a:rPr lang="en-US" sz="1800" b="0" i="1" smtClean="0">
                                             <a:latin typeface="Cambria Math" panose="02040503050406030204" pitchFamily="18" charset="0"/>
                                           </a:rPr>
                                           <m:t>1−</m:t>
                                         </m:r>
                                         <m:r>
-                                          <a:rPr lang="en-US" sz="2000" b="0" i="1" smtClean="0">
+                                          <a:rPr lang="en-US" sz="1800" b="0" i="1" smtClean="0">
                                             <a:latin typeface="Cambria Math" panose="02040503050406030204" pitchFamily="18" charset="0"/>
                                           </a:rPr>
                                           <m:t>𝑝</m:t>
                                         </m:r>
                                         <m:r>
-                                          <a:rPr lang="en-US" sz="2000" b="0" i="1" smtClean="0">
+                                          <a:rPr lang="en-US" sz="1800" b="0" i="1" smtClean="0">
                                             <a:latin typeface="Cambria Math" panose="02040503050406030204" pitchFamily="18" charset="0"/>
                                           </a:rPr>
                                           <m:t> </m:t>
                                         </m:r>
                                         <m:r>
-                                          <a:rPr lang="en-US" sz="2000" b="0" i="1" smtClean="0">
+                                          <a:rPr lang="en-US" sz="1800" b="0" i="1" smtClean="0">
                                             <a:latin typeface="Cambria Math" panose="02040503050406030204" pitchFamily="18" charset="0"/>
                                           </a:rPr>
                                           <m:t>𝑜𝑡h𝑒𝑟𝑤𝑖𝑠𝑒</m:t>
@@ -22770,7 +22764,7 @@
                               </m:oMath>
                             </m:oMathPara>
                           </a14:m>
-                          <a:endParaRPr lang="en-US" sz="2000" dirty="0"/>
+                          <a:endParaRPr lang="en-US" sz="1800" dirty="0"/>
                         </a:p>
                         <a:p>
                           <a:pPr marL="0" indent="0" algn="ctr">
@@ -22780,7 +22774,7 @@
                           <a14:m>
                             <m:oMath xmlns:m="http://schemas.openxmlformats.org/officeDocument/2006/math">
                               <m:r>
-                                <a:rPr lang="en-US" sz="2000" b="0" i="1" smtClean="0">
+                                <a:rPr lang="en-US" sz="1800" b="0" i="1" smtClean="0">
                                   <a:latin typeface="Cambria Math" panose="02040503050406030204" pitchFamily="18" charset="0"/>
                                 </a:rPr>
                                 <m:t>𝐶𝐸</m:t>
@@ -22788,26 +22782,26 @@
                               <m:d>
                                 <m:dPr>
                                   <m:ctrlPr>
-                                    <a:rPr lang="en-US" sz="2000" b="0" i="1" smtClean="0">
+                                    <a:rPr lang="en-US" sz="1800" b="0" i="1" smtClean="0">
                                       <a:latin typeface="Cambria Math" panose="02040503050406030204" pitchFamily="18" charset="0"/>
                                     </a:rPr>
                                   </m:ctrlPr>
                                 </m:dPr>
                                 <m:e>
                                   <m:r>
-                                    <a:rPr lang="en-US" sz="2000" b="0" i="1" smtClean="0">
+                                    <a:rPr lang="en-US" sz="1800" b="0" i="1" smtClean="0">
                                       <a:latin typeface="Cambria Math" panose="02040503050406030204" pitchFamily="18" charset="0"/>
                                     </a:rPr>
                                     <m:t>𝑝</m:t>
                                   </m:r>
                                   <m:r>
-                                    <a:rPr lang="en-US" sz="2000" b="0" i="1" smtClean="0">
+                                    <a:rPr lang="en-US" sz="1800" b="0" i="1" smtClean="0">
                                       <a:latin typeface="Cambria Math" panose="02040503050406030204" pitchFamily="18" charset="0"/>
                                     </a:rPr>
                                     <m:t>, </m:t>
                                   </m:r>
                                   <m:r>
-                                    <a:rPr lang="en-US" sz="2000" b="0" i="1" smtClean="0">
+                                    <a:rPr lang="en-US" sz="1800" b="0" i="1" smtClean="0">
                                       <a:latin typeface="Cambria Math" panose="02040503050406030204" pitchFamily="18" charset="0"/>
                                     </a:rPr>
                                     <m:t>𝑦</m:t>
@@ -22815,19 +22809,19 @@
                                 </m:e>
                               </m:d>
                               <m:r>
-                                <a:rPr lang="en-US" sz="2000" b="0" i="1" smtClean="0">
+                                <a:rPr lang="en-US" sz="1800" b="0" i="1" smtClean="0">
                                   <a:latin typeface="Cambria Math" panose="02040503050406030204" pitchFamily="18" charset="0"/>
                                 </a:rPr>
                                 <m:t>=</m:t>
                               </m:r>
                               <m:r>
-                                <a:rPr lang="en-US" sz="2000" b="0" i="1" smtClean="0">
+                                <a:rPr lang="en-US" sz="1800" b="0" i="1" smtClean="0">
                                   <a:latin typeface="Cambria Math" panose="02040503050406030204" pitchFamily="18" charset="0"/>
                                 </a:rPr>
                                 <m:t>𝐶𝐸</m:t>
                               </m:r>
                               <m:r>
-                                <a:rPr lang="en-US" sz="2000" b="0" i="1" smtClean="0">
+                                <a:rPr lang="en-US" sz="1800" b="0" i="1" smtClean="0">
                                   <a:latin typeface="Cambria Math" panose="02040503050406030204" pitchFamily="18" charset="0"/>
                                 </a:rPr>
                                 <m:t>(</m:t>
@@ -22835,14 +22829,14 @@
                               <m:sSub>
                                 <m:sSubPr>
                                   <m:ctrlPr>
-                                    <a:rPr lang="en-US" sz="2000" i="1" smtClean="0">
+                                    <a:rPr lang="en-US" sz="1800" i="1" smtClean="0">
                                       <a:latin typeface="Cambria Math" panose="02040503050406030204" pitchFamily="18" charset="0"/>
                                     </a:rPr>
                                   </m:ctrlPr>
                                 </m:sSubPr>
                                 <m:e>
                                   <m:r>
-                                    <a:rPr lang="en-US" sz="2000" b="0" i="1" smtClean="0">
+                                    <a:rPr lang="en-US" sz="1800" b="0" i="1" smtClean="0">
                                       <a:latin typeface="Cambria Math" panose="02040503050406030204" pitchFamily="18" charset="0"/>
                                     </a:rPr>
                                     <m:t>𝑝</m:t>
@@ -22850,7 +22844,7 @@
                                 </m:e>
                                 <m:sub>
                                   <m:r>
-                                    <a:rPr lang="en-US" sz="2000" b="0" i="1" smtClean="0">
+                                    <a:rPr lang="en-US" sz="1800" b="0" i="1" smtClean="0">
                                       <a:latin typeface="Cambria Math" panose="02040503050406030204" pitchFamily="18" charset="0"/>
                                     </a:rPr>
                                     <m:t>𝑡</m:t>
@@ -22860,13 +22854,13 @@
                             </m:oMath>
                           </a14:m>
                           <a:r>
-                            <a:rPr lang="en-US" sz="2000" dirty="0"/>
+                            <a:rPr lang="en-US" sz="1800" dirty="0"/>
                             <a:t>)</a:t>
                           </a:r>
                           <a14:m>
                             <m:oMath xmlns:m="http://schemas.openxmlformats.org/officeDocument/2006/math">
                               <m:r>
-                                <a:rPr lang="en-US" sz="2000" b="0" i="1" smtClean="0">
+                                <a:rPr lang="en-US" sz="1800" b="0" i="1" smtClean="0">
                                   <a:latin typeface="Cambria Math" panose="02040503050406030204" pitchFamily="18" charset="0"/>
                                 </a:rPr>
                                 <m:t>=−</m:t>
@@ -22875,13 +22869,13 @@
                                 <m:rPr>
                                   <m:sty m:val="p"/>
                                 </m:rPr>
-                                <a:rPr lang="en-US" sz="2000" b="0" i="0" smtClean="0">
+                                <a:rPr lang="en-US" sz="1800" b="0" i="0" smtClean="0">
                                   <a:latin typeface="Cambria Math" panose="02040503050406030204" pitchFamily="18" charset="0"/>
                                 </a:rPr>
                                 <m:t>log</m:t>
                               </m:r>
                               <m:r>
-                                <a:rPr lang="en-US" sz="2000" b="0" i="1" smtClean="0">
+                                <a:rPr lang="en-US" sz="1800" b="0" i="1" smtClean="0">
                                   <a:latin typeface="Cambria Math" panose="02040503050406030204" pitchFamily="18" charset="0"/>
                                 </a:rPr>
                                 <m:t>⁡(</m:t>
@@ -22889,14 +22883,14 @@
                               <m:sSub>
                                 <m:sSubPr>
                                   <m:ctrlPr>
-                                    <a:rPr lang="en-US" sz="2000" i="1" smtClean="0">
+                                    <a:rPr lang="en-US" sz="1800" i="1" smtClean="0">
                                       <a:latin typeface="Cambria Math" panose="02040503050406030204" pitchFamily="18" charset="0"/>
                                     </a:rPr>
                                   </m:ctrlPr>
                                 </m:sSubPr>
                                 <m:e>
                                   <m:r>
-                                    <a:rPr lang="en-US" sz="2000" b="0" i="1" smtClean="0">
+                                    <a:rPr lang="en-US" sz="1800" b="0" i="1" smtClean="0">
                                       <a:latin typeface="Cambria Math" panose="02040503050406030204" pitchFamily="18" charset="0"/>
                                     </a:rPr>
                                     <m:t>𝑝</m:t>
@@ -22904,7 +22898,7 @@
                                 </m:e>
                                 <m:sub>
                                   <m:r>
-                                    <a:rPr lang="en-US" sz="2000" b="0" i="1" smtClean="0">
+                                    <a:rPr lang="en-US" sz="1800" b="0" i="1" smtClean="0">
                                       <a:latin typeface="Cambria Math" panose="02040503050406030204" pitchFamily="18" charset="0"/>
                                     </a:rPr>
                                     <m:t>𝑡</m:t>
@@ -22914,7 +22908,7 @@
                             </m:oMath>
                           </a14:m>
                           <a:r>
-                            <a:rPr lang="en-US" sz="2000" dirty="0"/>
+                            <a:rPr lang="en-US" sz="1800" dirty="0"/>
                             <a:t>)</a:t>
                           </a:r>
                         </a:p>
@@ -22924,6 +22918,169 @@
                     <a:extLst>
                       <a:ext uri="{0D108BD9-81ED-4DB2-BD59-A6C34878D82A}">
                         <a16:rowId xmlns:a16="http://schemas.microsoft.com/office/drawing/2014/main" val="3351530658"/>
+                      </a:ext>
+                    </a:extLst>
+                  </a:tr>
+                  <a:tr h="713763">
+                    <a:tc>
+                      <a:txBody>
+                        <a:bodyPr/>
+                        <a:lstStyle/>
+                        <a:p>
+                          <a:r>
+                            <a:rPr lang="en-US" sz="1800" dirty="0"/>
+                            <a:t>Weighted Binary Cross Entropy</a:t>
+                          </a:r>
+                        </a:p>
+                      </a:txBody>
+                      <a:tcPr/>
+                    </a:tc>
+                    <a:tc>
+                      <a:txBody>
+                        <a:bodyPr/>
+                        <a:lstStyle/>
+                        <a:p>
+                          <a:pPr marL="0" marR="0" lvl="0" indent="0" algn="ctr" defTabSz="914400" rtl="0" eaLnBrk="1" fontAlgn="auto" latinLnBrk="0" hangingPunct="1">
+                            <a:lnSpc>
+                              <a:spcPct val="100000"/>
+                            </a:lnSpc>
+                            <a:spcBef>
+                              <a:spcPts val="0"/>
+                            </a:spcBef>
+                            <a:spcAft>
+                              <a:spcPts val="0"/>
+                            </a:spcAft>
+                            <a:buClrTx/>
+                            <a:buSzTx/>
+                            <a:buFont typeface="Arial" panose="020B0604020202020204" pitchFamily="34" charset="0"/>
+                            <a:buNone/>
+                            <a:tabLst/>
+                            <a:defRPr/>
+                          </a:pPr>
+                          <a14:m>
+                            <m:oMath xmlns:m="http://schemas.openxmlformats.org/officeDocument/2006/math">
+                              <m:r>
+                                <a:rPr lang="en-US" sz="1800" b="0" i="1" smtClean="0">
+                                  <a:latin typeface="Cambria Math" panose="02040503050406030204" pitchFamily="18" charset="0"/>
+                                </a:rPr>
+                                <m:t>𝑊𝐵𝐶𝐸</m:t>
+                              </m:r>
+                              <m:d>
+                                <m:dPr>
+                                  <m:ctrlPr>
+                                    <a:rPr lang="en-US" sz="1800" b="0" i="1" smtClean="0">
+                                      <a:latin typeface="Cambria Math" panose="02040503050406030204" pitchFamily="18" charset="0"/>
+                                    </a:rPr>
+                                  </m:ctrlPr>
+                                </m:dPr>
+                                <m:e>
+                                  <m:r>
+                                    <a:rPr lang="en-US" sz="1800" b="0" i="1" smtClean="0">
+                                      <a:latin typeface="Cambria Math" panose="02040503050406030204" pitchFamily="18" charset="0"/>
+                                    </a:rPr>
+                                    <m:t>𝑝</m:t>
+                                  </m:r>
+                                  <m:r>
+                                    <a:rPr lang="en-US" sz="1800" b="0" i="1" smtClean="0">
+                                      <a:latin typeface="Cambria Math" panose="02040503050406030204" pitchFamily="18" charset="0"/>
+                                    </a:rPr>
+                                    <m:t>, </m:t>
+                                  </m:r>
+                                  <m:r>
+                                    <a:rPr lang="en-US" sz="1800" b="0" i="1" smtClean="0">
+                                      <a:latin typeface="Cambria Math" panose="02040503050406030204" pitchFamily="18" charset="0"/>
+                                    </a:rPr>
+                                    <m:t>𝑦</m:t>
+                                  </m:r>
+                                </m:e>
+                              </m:d>
+                              <m:r>
+                                <a:rPr lang="en-US" sz="1800" b="0" i="1" smtClean="0">
+                                  <a:latin typeface="Cambria Math" panose="02040503050406030204" pitchFamily="18" charset="0"/>
+                                </a:rPr>
+                                <m:t>=−</m:t>
+                              </m:r>
+                              <m:r>
+                                <m:rPr>
+                                  <m:sty m:val="p"/>
+                                </m:rPr>
+                                <a:rPr lang="el-GR" sz="1800" b="0" i="1" smtClean="0">
+                                  <a:latin typeface="Cambria Math" panose="02040503050406030204" pitchFamily="18" charset="0"/>
+                                  <a:ea typeface="Cambria Math" panose="02040503050406030204" pitchFamily="18" charset="0"/>
+                                </a:rPr>
+                                <m:t>α</m:t>
+                              </m:r>
+                              <m:r>
+                                <a:rPr lang="en-US" sz="1800" b="0" i="1" smtClean="0">
+                                  <a:latin typeface="Cambria Math" panose="02040503050406030204" pitchFamily="18" charset="0"/>
+                                  <a:ea typeface="Cambria Math" panose="02040503050406030204" pitchFamily="18" charset="0"/>
+                                </a:rPr>
+                                <m:t>∗</m:t>
+                              </m:r>
+                              <m:r>
+                                <a:rPr lang="en-US" sz="1800" b="0" i="1" smtClean="0">
+                                  <a:latin typeface="Cambria Math" panose="02040503050406030204" pitchFamily="18" charset="0"/>
+                                  <a:ea typeface="Cambria Math" panose="02040503050406030204" pitchFamily="18" charset="0"/>
+                                </a:rPr>
+                                <m:t>𝑙𝑜𝑔</m:t>
+                              </m:r>
+                              <m:r>
+                                <a:rPr lang="en-US" sz="1800" b="0" i="1" smtClean="0">
+                                  <a:latin typeface="Cambria Math" panose="02040503050406030204" pitchFamily="18" charset="0"/>
+                                </a:rPr>
+                                <m:t>⁡</m:t>
+                              </m:r>
+                              <m:r>
+                                <a:rPr lang="en-US" sz="1800" b="0" i="1" smtClean="0">
+                                  <a:latin typeface="Cambria Math" panose="02040503050406030204" pitchFamily="18" charset="0"/>
+                                </a:rPr>
+                                <m:t>(</m:t>
+                              </m:r>
+                              <m:sSub>
+                                <m:sSubPr>
+                                  <m:ctrlPr>
+                                    <a:rPr lang="en-US" sz="1800" i="1" smtClean="0">
+                                      <a:latin typeface="Cambria Math" panose="02040503050406030204" pitchFamily="18" charset="0"/>
+                                    </a:rPr>
+                                  </m:ctrlPr>
+                                </m:sSubPr>
+                                <m:e>
+                                  <m:r>
+                                    <a:rPr lang="en-US" sz="1800" b="0" i="1" smtClean="0">
+                                      <a:latin typeface="Cambria Math" panose="02040503050406030204" pitchFamily="18" charset="0"/>
+                                    </a:rPr>
+                                    <m:t>𝑝</m:t>
+                                  </m:r>
+                                </m:e>
+                                <m:sub>
+                                  <m:r>
+                                    <a:rPr lang="en-US" sz="1800" b="0" i="1" smtClean="0">
+                                      <a:latin typeface="Cambria Math" panose="02040503050406030204" pitchFamily="18" charset="0"/>
+                                    </a:rPr>
+                                    <m:t>𝑡</m:t>
+                                  </m:r>
+                                </m:sub>
+                              </m:sSub>
+                            </m:oMath>
+                          </a14:m>
+                          <a:r>
+                            <a:rPr lang="en-US" sz="1800" dirty="0"/>
+                            <a:t>)</a:t>
+                          </a:r>
+                        </a:p>
+                        <a:p>
+                          <a:pPr marL="0" indent="0" algn="ctr">
+                            <a:buFont typeface="Arial" panose="020B0604020202020204" pitchFamily="34" charset="0"/>
+                            <a:buNone/>
+                          </a:pPr>
+                          <a:endParaRPr lang="en-US" sz="1800" dirty="0"/>
+                        </a:p>
+                      </a:txBody>
+                      <a:tcPr/>
+                    </a:tc>
+                    <a:extLst>
+                      <a:ext uri="{0D108BD9-81ED-4DB2-BD59-A6C34878D82A}">
+                        <a16:rowId xmlns:a16="http://schemas.microsoft.com/office/drawing/2014/main" val="1353058469"/>
                       </a:ext>
                     </a:extLst>
                   </a:tr>
@@ -22951,7 +23108,7 @@
                             <a:defRPr/>
                           </a:pPr>
                           <a:r>
-                            <a:rPr lang="en-US" sz="2000" b="0" kern="1200" dirty="0" err="1">
+                            <a:rPr lang="en-US" sz="1800" b="0" kern="1200" dirty="0" err="1">
                               <a:solidFill>
                                 <a:schemeClr val="dk1"/>
                               </a:solidFill>
@@ -22962,7 +23119,7 @@
                             </a:rPr>
                             <a:t>Focalloss</a:t>
                           </a:r>
-                          <a:endParaRPr lang="en-US" sz="2000" b="0" kern="1200" dirty="0">
+                          <a:endParaRPr lang="en-US" sz="1800" b="0" kern="1200" dirty="0">
                             <a:solidFill>
                               <a:schemeClr val="dk1"/>
                             </a:solidFill>
@@ -22973,7 +23130,7 @@
                           </a:endParaRPr>
                         </a:p>
                         <a:p>
-                          <a:endParaRPr lang="en-US" sz="2000" dirty="0"/>
+                          <a:endParaRPr lang="en-US" sz="1800" dirty="0"/>
                         </a:p>
                       </a:txBody>
                       <a:tcPr/>
@@ -23007,7 +23164,7 @@
                               </m:oMathParaPr>
                               <m:oMath xmlns:m="http://schemas.openxmlformats.org/officeDocument/2006/math">
                                 <m:r>
-                                  <a:rPr lang="en-US" sz="2000" b="0" i="1" smtClean="0">
+                                  <a:rPr lang="en-US" sz="1800" b="0" i="1" smtClean="0">
                                     <a:latin typeface="Cambria Math" panose="02040503050406030204" pitchFamily="18" charset="0"/>
                                   </a:rPr>
                                   <m:t>𝐹𝐿</m:t>
@@ -23015,7 +23172,7 @@
                                 <m:d>
                                   <m:dPr>
                                     <m:ctrlPr>
-                                      <a:rPr lang="en-US" sz="2000" b="0" i="1" smtClean="0">
+                                      <a:rPr lang="en-US" sz="1800" b="0" i="1" smtClean="0">
                                         <a:latin typeface="Cambria Math" panose="02040503050406030204" pitchFamily="18" charset="0"/>
                                       </a:rPr>
                                     </m:ctrlPr>
@@ -23024,14 +23181,14 @@
                                     <m:sSub>
                                       <m:sSubPr>
                                         <m:ctrlPr>
-                                          <a:rPr lang="en-US" sz="2000" i="1" smtClean="0">
+                                          <a:rPr lang="en-US" sz="1800" i="1" smtClean="0">
                                             <a:latin typeface="Cambria Math" panose="02040503050406030204" pitchFamily="18" charset="0"/>
                                           </a:rPr>
                                         </m:ctrlPr>
                                       </m:sSubPr>
                                       <m:e>
                                         <m:r>
-                                          <a:rPr lang="en-US" sz="2000" b="0" i="1" smtClean="0">
+                                          <a:rPr lang="en-US" sz="1800" b="0" i="1" smtClean="0">
                                             <a:latin typeface="Cambria Math" panose="02040503050406030204" pitchFamily="18" charset="0"/>
                                           </a:rPr>
                                           <m:t>𝑝</m:t>
@@ -23039,7 +23196,7 @@
                                       </m:e>
                                       <m:sub>
                                         <m:r>
-                                          <a:rPr lang="en-US" sz="2000" b="0" i="1" smtClean="0">
+                                          <a:rPr lang="en-US" sz="1800" b="0" i="1" smtClean="0">
                                             <a:latin typeface="Cambria Math" panose="02040503050406030204" pitchFamily="18" charset="0"/>
                                           </a:rPr>
                                           <m:t>𝑡</m:t>
@@ -23049,7 +23206,7 @@
                                   </m:e>
                                 </m:d>
                                 <m:r>
-                                  <a:rPr lang="en-US" sz="2000" b="0" i="1" smtClean="0">
+                                  <a:rPr lang="en-US" sz="1800" b="0" i="1" smtClean="0">
                                     <a:latin typeface="Cambria Math" panose="02040503050406030204" pitchFamily="18" charset="0"/>
                                   </a:rPr>
                                   <m:t>=− </m:t>
@@ -23057,7 +23214,7 @@
                                 <m:sSup>
                                   <m:sSupPr>
                                     <m:ctrlPr>
-                                      <a:rPr lang="en-US" sz="2000" b="0" i="1" smtClean="0">
+                                      <a:rPr lang="en-US" sz="1800" b="0" i="1" smtClean="0">
                                         <a:latin typeface="Cambria Math" panose="02040503050406030204" pitchFamily="18" charset="0"/>
                                       </a:rPr>
                                     </m:ctrlPr>
@@ -23066,7 +23223,7 @@
                                     <m:d>
                                       <m:dPr>
                                         <m:ctrlPr>
-                                          <a:rPr lang="en-US" sz="2000" b="0" i="1" smtClean="0">
+                                          <a:rPr lang="en-US" sz="1800" b="0" i="1" smtClean="0">
                                             <a:latin typeface="Cambria Math" panose="02040503050406030204" pitchFamily="18" charset="0"/>
                                           </a:rPr>
                                         </m:ctrlPr>
@@ -23075,20 +23232,20 @@
                                         <m:sSub>
                                           <m:sSubPr>
                                             <m:ctrlPr>
-                                              <a:rPr lang="en-US" sz="2000" i="1" smtClean="0">
+                                              <a:rPr lang="en-US" sz="1800" i="1" smtClean="0">
                                                 <a:latin typeface="Cambria Math" panose="02040503050406030204" pitchFamily="18" charset="0"/>
                                               </a:rPr>
                                             </m:ctrlPr>
                                           </m:sSubPr>
                                           <m:e>
                                             <m:r>
-                                              <a:rPr lang="en-US" sz="2000" b="0" i="1" smtClean="0">
+                                              <a:rPr lang="en-US" sz="1800" b="0" i="1" smtClean="0">
                                                 <a:latin typeface="Cambria Math" panose="02040503050406030204" pitchFamily="18" charset="0"/>
                                               </a:rPr>
                                               <m:t>1 − </m:t>
                                             </m:r>
                                             <m:r>
-                                              <a:rPr lang="en-US" sz="2000" b="0" i="1" smtClean="0">
+                                              <a:rPr lang="en-US" sz="1800" b="0" i="1" smtClean="0">
                                                 <a:latin typeface="Cambria Math" panose="02040503050406030204" pitchFamily="18" charset="0"/>
                                               </a:rPr>
                                               <m:t>𝑝</m:t>
@@ -23096,7 +23253,7 @@
                                           </m:e>
                                           <m:sub>
                                             <m:r>
-                                              <a:rPr lang="en-US" sz="2000" b="0" i="1" smtClean="0">
+                                              <a:rPr lang="en-US" sz="1800" b="0" i="1" smtClean="0">
                                                 <a:latin typeface="Cambria Math" panose="02040503050406030204" pitchFamily="18" charset="0"/>
                                               </a:rPr>
                                               <m:t>𝑡</m:t>
@@ -23108,7 +23265,7 @@
                                   </m:e>
                                   <m:sup>
                                     <m:r>
-                                      <a:rPr lang="en-US" sz="2000" b="0" i="1" smtClean="0">
+                                      <a:rPr lang="en-US" sz="1800" b="0" i="1" smtClean="0">
                                         <a:latin typeface="Cambria Math" panose="02040503050406030204" pitchFamily="18" charset="0"/>
                                         <a:ea typeface="Cambria Math" panose="02040503050406030204" pitchFamily="18" charset="0"/>
                                       </a:rPr>
@@ -23120,13 +23277,13 @@
                                   <m:rPr>
                                     <m:sty m:val="p"/>
                                   </m:rPr>
-                                  <a:rPr lang="en-US" sz="2000" b="0" i="0" smtClean="0">
+                                  <a:rPr lang="en-US" sz="1800" b="0" i="0" smtClean="0">
                                     <a:latin typeface="Cambria Math" panose="02040503050406030204" pitchFamily="18" charset="0"/>
                                   </a:rPr>
                                   <m:t>log</m:t>
                                 </m:r>
                                 <m:r>
-                                  <a:rPr lang="en-US" sz="2000" b="0" i="1" smtClean="0">
+                                  <a:rPr lang="en-US" sz="1800" b="0" i="1" smtClean="0">
                                     <a:latin typeface="Cambria Math" panose="02040503050406030204" pitchFamily="18" charset="0"/>
                                   </a:rPr>
                                   <m:t>⁡(</m:t>
@@ -23134,14 +23291,14 @@
                                 <m:sSub>
                                   <m:sSubPr>
                                     <m:ctrlPr>
-                                      <a:rPr lang="en-US" sz="2000" i="1" smtClean="0">
+                                      <a:rPr lang="en-US" sz="1800" i="1" smtClean="0">
                                         <a:latin typeface="Cambria Math" panose="02040503050406030204" pitchFamily="18" charset="0"/>
                                       </a:rPr>
                                     </m:ctrlPr>
                                   </m:sSubPr>
                                   <m:e>
                                     <m:r>
-                                      <a:rPr lang="en-US" sz="2000" b="0" i="1" smtClean="0">
+                                      <a:rPr lang="en-US" sz="1800" b="0" i="1" smtClean="0">
                                         <a:latin typeface="Cambria Math" panose="02040503050406030204" pitchFamily="18" charset="0"/>
                                       </a:rPr>
                                       <m:t>𝑝</m:t>
@@ -23149,7 +23306,7 @@
                                   </m:e>
                                   <m:sub>
                                     <m:r>
-                                      <a:rPr lang="en-US" sz="2000" b="0" i="1" smtClean="0">
+                                      <a:rPr lang="en-US" sz="1800" b="0" i="1" smtClean="0">
                                         <a:latin typeface="Cambria Math" panose="02040503050406030204" pitchFamily="18" charset="0"/>
                                       </a:rPr>
                                       <m:t>𝑡</m:t>
@@ -23157,7 +23314,7 @@
                                   </m:sub>
                                 </m:sSub>
                                 <m:r>
-                                  <a:rPr lang="en-US" sz="2000" b="0" i="1" smtClean="0">
+                                  <a:rPr lang="en-US" sz="1800" b="0" i="1" smtClean="0">
                                     <a:latin typeface="Cambria Math" panose="02040503050406030204" pitchFamily="18" charset="0"/>
                                   </a:rPr>
                                   <m:t>)</m:t>
@@ -23165,7 +23322,7 @@
                               </m:oMath>
                             </m:oMathPara>
                           </a14:m>
-                          <a:endParaRPr lang="en-US" sz="2000" dirty="0"/>
+                          <a:endParaRPr lang="en-US" sz="1800" dirty="0"/>
                         </a:p>
                       </a:txBody>
                       <a:tcPr/>
@@ -23197,14 +23354,14 @@
               <p:nvPr>
                 <p:extLst>
                   <p:ext uri="{D42A27DB-BD31-4B8C-83A1-F6EECF244321}">
-                    <p14:modId xmlns:p14="http://schemas.microsoft.com/office/powerpoint/2010/main" val="2809400394"/>
+                    <p14:modId xmlns:p14="http://schemas.microsoft.com/office/powerpoint/2010/main" val="2137516234"/>
                   </p:ext>
                 </p:extLst>
               </p:nvPr>
             </p:nvGraphicFramePr>
             <p:xfrm>
-              <a:off x="1404445" y="1567056"/>
-              <a:ext cx="8623975" cy="2853721"/>
+              <a:off x="1516986" y="1032843"/>
+              <a:ext cx="8623975" cy="3567484"/>
             </p:xfrm>
             <a:graphic>
               <a:graphicData uri="http://schemas.openxmlformats.org/drawingml/2006/table">
@@ -23235,7 +23392,7 @@
                         <a:lstStyle/>
                         <a:p>
                           <a:r>
-                            <a:rPr lang="en-US" sz="1800" b="1" dirty="0"/>
+                            <a:rPr lang="en-US" sz="1600" b="1" dirty="0"/>
                             <a:t>Metric</a:t>
                           </a:r>
                         </a:p>
@@ -23249,7 +23406,7 @@
                         <a:p>
                           <a:pPr algn="ctr"/>
                           <a:r>
-                            <a:rPr lang="en-US" sz="1800" b="1" dirty="0"/>
+                            <a:rPr lang="en-US" sz="1600" b="1" dirty="0"/>
                             <a:t>Description</a:t>
                           </a:r>
                         </a:p>
@@ -23269,7 +23426,7 @@
                         <a:lstStyle/>
                         <a:p>
                           <a:r>
-                            <a:rPr lang="en-US" sz="2000" dirty="0"/>
+                            <a:rPr lang="en-US" sz="1800" dirty="0"/>
                             <a:t>Binary Cross Entropy</a:t>
                           </a:r>
                         </a:p>
@@ -23288,7 +23445,7 @@
                         <a:blipFill>
                           <a:blip r:embed="rId2"/>
                           <a:stretch>
-                            <a:fillRect l="-57444" t="-76355" r="-222" b="-58128"/>
+                            <a:fillRect l="-57444" t="-75369" r="-222" b="-115764"/>
                           </a:stretch>
                         </a:blipFill>
                       </a:tcPr>
@@ -23296,6 +23453,43 @@
                     <a:extLst>
                       <a:ext uri="{0D108BD9-81ED-4DB2-BD59-A6C34878D82A}">
                         <a16:rowId xmlns:a16="http://schemas.microsoft.com/office/drawing/2014/main" val="3351530658"/>
+                      </a:ext>
+                    </a:extLst>
+                  </a:tr>
+                  <a:tr h="713763">
+                    <a:tc>
+                      <a:txBody>
+                        <a:bodyPr/>
+                        <a:lstStyle/>
+                        <a:p>
+                          <a:r>
+                            <a:rPr lang="en-US" sz="1800" dirty="0"/>
+                            <a:t>Weighted Binary Cross Entropy</a:t>
+                          </a:r>
+                        </a:p>
+                      </a:txBody>
+                      <a:tcPr/>
+                    </a:tc>
+                    <a:tc>
+                      <a:txBody>
+                        <a:bodyPr/>
+                        <a:lstStyle/>
+                        <a:p>
+                          <a:endParaRPr lang="en-US"/>
+                        </a:p>
+                      </a:txBody>
+                      <a:tcPr>
+                        <a:blipFill>
+                          <a:blip r:embed="rId2"/>
+                          <a:stretch>
+                            <a:fillRect l="-57444" t="-304274" r="-222" b="-100855"/>
+                          </a:stretch>
+                        </a:blipFill>
+                      </a:tcPr>
+                    </a:tc>
+                    <a:extLst>
+                      <a:ext uri="{0D108BD9-81ED-4DB2-BD59-A6C34878D82A}">
+                        <a16:rowId xmlns:a16="http://schemas.microsoft.com/office/drawing/2014/main" val="1353058469"/>
                       </a:ext>
                     </a:extLst>
                   </a:tr>
@@ -23323,7 +23517,7 @@
                             <a:defRPr/>
                           </a:pPr>
                           <a:r>
-                            <a:rPr lang="en-US" sz="2000" b="0" kern="1200" dirty="0" err="1">
+                            <a:rPr lang="en-US" sz="1800" b="0" kern="1200" dirty="0" err="1">
                               <a:solidFill>
                                 <a:schemeClr val="dk1"/>
                               </a:solidFill>
@@ -23334,7 +23528,7 @@
                             </a:rPr>
                             <a:t>Focalloss</a:t>
                           </a:r>
-                          <a:endParaRPr lang="en-US" sz="2000" b="0" kern="1200" dirty="0">
+                          <a:endParaRPr lang="en-US" sz="1800" b="0" kern="1200" dirty="0">
                             <a:solidFill>
                               <a:schemeClr val="dk1"/>
                             </a:solidFill>
@@ -23345,7 +23539,7 @@
                           </a:endParaRPr>
                         </a:p>
                         <a:p>
-                          <a:endParaRPr lang="en-US" sz="2000" dirty="0"/>
+                          <a:endParaRPr lang="en-US" sz="1800" dirty="0"/>
                         </a:p>
                       </a:txBody>
                       <a:tcPr/>
@@ -23362,7 +23556,7 @@
                         <a:blipFill>
                           <a:blip r:embed="rId2"/>
                           <a:stretch>
-                            <a:fillRect l="-57444" t="-308621" r="-222" b="-1724"/>
+                            <a:fillRect l="-57444" t="-407759" r="-222" b="-1724"/>
                           </a:stretch>
                         </a:blipFill>
                       </a:tcPr>
@@ -24082,12 +24276,9 @@
 </file>
 
 <file path=customXml/item1.xml><?xml version="1.0" encoding="utf-8"?>
-<?mso-contentType ?>
-<FormTemplates xmlns="http://schemas.microsoft.com/sharepoint/v3/contenttype/forms">
-  <Display>DocumentLibraryForm</Display>
-  <Edit>DocumentLibraryForm</Edit>
-  <New>DocumentLibraryForm</New>
-</FormTemplates>
+<p:properties xmlns:p="http://schemas.microsoft.com/office/2006/metadata/properties" xmlns:xsi="http://www.w3.org/2001/XMLSchema-instance" xmlns:pc="http://schemas.microsoft.com/office/infopath/2007/PartnerControls">
+  <documentManagement/>
+</p:properties>
 </file>
 
 <file path=customXml/item2.xml><?xml version="1.0" encoding="utf-8"?>
@@ -24314,15 +24505,27 @@
 </file>
 
 <file path=customXml/item3.xml><?xml version="1.0" encoding="utf-8"?>
-<p:properties xmlns:p="http://schemas.microsoft.com/office/2006/metadata/properties" xmlns:xsi="http://www.w3.org/2001/XMLSchema-instance" xmlns:pc="http://schemas.microsoft.com/office/infopath/2007/PartnerControls">
-  <documentManagement/>
-</p:properties>
+<?mso-contentType ?>
+<FormTemplates xmlns="http://schemas.microsoft.com/sharepoint/v3/contenttype/forms">
+  <Display>DocumentLibraryForm</Display>
+  <Edit>DocumentLibraryForm</Edit>
+  <New>DocumentLibraryForm</New>
+</FormTemplates>
 </file>
 
 <file path=customXml/itemProps1.xml><?xml version="1.0" encoding="utf-8"?>
-<ds:datastoreItem xmlns:ds="http://schemas.openxmlformats.org/officeDocument/2006/customXml" ds:itemID="{B1C738DB-F8D5-400E-A5D8-1494CFB71B4A}">
+<ds:datastoreItem xmlns:ds="http://schemas.openxmlformats.org/officeDocument/2006/customXml" ds:itemID="{88E843AD-9ECA-4187-8B56-4AFC8D3D63CD}">
   <ds:schemaRefs>
-    <ds:schemaRef ds:uri="http://schemas.microsoft.com/sharepoint/v3/contenttype/forms"/>
+    <ds:schemaRef ds:uri="http://schemas.microsoft.com/office/infopath/2007/PartnerControls"/>
+    <ds:schemaRef ds:uri="http://purl.org/dc/terms/"/>
+    <ds:schemaRef ds:uri="http://schemas.openxmlformats.org/package/2006/metadata/core-properties"/>
+    <ds:schemaRef ds:uri="http://schemas.microsoft.com/office/2006/metadata/properties"/>
+    <ds:schemaRef ds:uri="4437091e-0f9d-4737-ae57-4b535994870f"/>
+    <ds:schemaRef ds:uri="http://www.w3.org/XML/1998/namespace"/>
+    <ds:schemaRef ds:uri="http://schemas.microsoft.com/office/2006/documentManagement/types"/>
+    <ds:schemaRef ds:uri="f6771b06-986a-45d1-8bbc-0c4ebdddf3cc"/>
+    <ds:schemaRef ds:uri="http://purl.org/dc/dcmitype/"/>
+    <ds:schemaRef ds:uri="http://purl.org/dc/elements/1.1/"/>
   </ds:schemaRefs>
 </ds:datastoreItem>
 </file>
@@ -24347,18 +24550,9 @@
 </file>
 
 <file path=customXml/itemProps3.xml><?xml version="1.0" encoding="utf-8"?>
-<ds:datastoreItem xmlns:ds="http://schemas.openxmlformats.org/officeDocument/2006/customXml" ds:itemID="{88E843AD-9ECA-4187-8B56-4AFC8D3D63CD}">
+<ds:datastoreItem xmlns:ds="http://schemas.openxmlformats.org/officeDocument/2006/customXml" ds:itemID="{B1C738DB-F8D5-400E-A5D8-1494CFB71B4A}">
   <ds:schemaRefs>
-    <ds:schemaRef ds:uri="http://schemas.microsoft.com/office/infopath/2007/PartnerControls"/>
-    <ds:schemaRef ds:uri="http://purl.org/dc/terms/"/>
-    <ds:schemaRef ds:uri="http://schemas.openxmlformats.org/package/2006/metadata/core-properties"/>
-    <ds:schemaRef ds:uri="http://schemas.microsoft.com/office/2006/metadata/properties"/>
-    <ds:schemaRef ds:uri="4437091e-0f9d-4737-ae57-4b535994870f"/>
-    <ds:schemaRef ds:uri="http://www.w3.org/XML/1998/namespace"/>
-    <ds:schemaRef ds:uri="http://schemas.microsoft.com/office/2006/documentManagement/types"/>
-    <ds:schemaRef ds:uri="f6771b06-986a-45d1-8bbc-0c4ebdddf3cc"/>
-    <ds:schemaRef ds:uri="http://purl.org/dc/dcmitype/"/>
-    <ds:schemaRef ds:uri="http://purl.org/dc/elements/1.1/"/>
+    <ds:schemaRef ds:uri="http://schemas.microsoft.com/sharepoint/v3/contenttype/forms"/>
   </ds:schemaRefs>
 </ds:datastoreItem>
 </file>
--- a/mid_term/mid_term_v2.pptx
+++ b/mid_term/mid_term_v2.pptx
@@ -10624,7 +10624,7 @@
           <p:nvPr>
             <p:extLst>
               <p:ext uri="{D42A27DB-BD31-4B8C-83A1-F6EECF244321}">
-                <p14:modId xmlns:p14="http://schemas.microsoft.com/office/powerpoint/2010/main" val="3283748911"/>
+                <p14:modId xmlns:p14="http://schemas.microsoft.com/office/powerpoint/2010/main" val="1151250846"/>
               </p:ext>
             </p:extLst>
           </p:nvPr>
@@ -10640,14 +10640,14 @@
                 <a:tableStyleId>{5C22544A-7EE6-4342-B048-85BDC9FD1C3A}</a:tableStyleId>
               </a:tblPr>
               <a:tblGrid>
-                <a:gridCol w="2706296">
+                <a:gridCol w="2527803">
                   <a:extLst>
                     <a:ext uri="{9D8B030D-6E8A-4147-A177-3AD203B41FA5}">
                       <a16:colId xmlns:a16="http://schemas.microsoft.com/office/drawing/2014/main" val="3416681741"/>
                     </a:ext>
                   </a:extLst>
                 </a:gridCol>
-                <a:gridCol w="2023672">
+                <a:gridCol w="2202165">
                   <a:extLst>
                     <a:ext uri="{9D8B030D-6E8A-4147-A177-3AD203B41FA5}">
                       <a16:colId xmlns:a16="http://schemas.microsoft.com/office/drawing/2014/main" val="3260499319"/>
@@ -11087,43 +11087,6 @@
           </a:p>
         </p:txBody>
       </p:sp>
-      <p:sp>
-        <p:nvSpPr>
-          <p:cNvPr id="4" name="Footer Placeholder 3">
-            <a:extLst>
-              <a:ext uri="{FF2B5EF4-FFF2-40B4-BE49-F238E27FC236}">
-                <a16:creationId xmlns:a16="http://schemas.microsoft.com/office/drawing/2014/main" id="{3B26542C-4623-445E-AF92-C0B5043AE483}"/>
-              </a:ext>
-            </a:extLst>
-          </p:cNvPr>
-          <p:cNvSpPr>
-            <a:spLocks noGrp="1"/>
-          </p:cNvSpPr>
-          <p:nvPr>
-            <p:ph type="ftr" sz="quarter" idx="11"/>
-          </p:nvPr>
-        </p:nvSpPr>
-        <p:spPr/>
-        <p:txBody>
-          <a:bodyPr/>
-          <a:lstStyle/>
-          <a:p>
-            <a:r>
-              <a:rPr lang="en-US" dirty="0"/>
-              <a:t>Copyright©2020  </a:t>
-            </a:r>
-            <a:r>
-              <a:rPr lang="en-US" dirty="0" err="1"/>
-              <a:t>VinBrain-Vingroup</a:t>
-            </a:r>
-            <a:r>
-              <a:rPr lang="en-US" dirty="0"/>
-              <a:t>. All rights reserved.</a:t>
-            </a:r>
-            <a:endParaRPr lang="en-AU" dirty="0"/>
-          </a:p>
-        </p:txBody>
-      </p:sp>
       <p:graphicFrame>
         <p:nvGraphicFramePr>
           <p:cNvPr id="6" name="Table 6">
@@ -11139,14 +11102,14 @@
           <p:nvPr>
             <p:extLst>
               <p:ext uri="{D42A27DB-BD31-4B8C-83A1-F6EECF244321}">
-                <p14:modId xmlns:p14="http://schemas.microsoft.com/office/powerpoint/2010/main" val="1614476746"/>
+                <p14:modId xmlns:p14="http://schemas.microsoft.com/office/powerpoint/2010/main" val="1010248855"/>
               </p:ext>
             </p:extLst>
           </p:nvPr>
         </p:nvGraphicFramePr>
         <p:xfrm>
-          <a:off x="1849229" y="1745089"/>
-          <a:ext cx="7316221" cy="3367821"/>
+          <a:off x="477130" y="1058739"/>
+          <a:ext cx="5570805" cy="2964621"/>
         </p:xfrm>
         <a:graphic>
           <a:graphicData uri="http://schemas.openxmlformats.org/drawingml/2006/table">
@@ -11155,21 +11118,21 @@
                 <a:tableStyleId>{5C22544A-7EE6-4342-B048-85BDC9FD1C3A}</a:tableStyleId>
               </a:tblPr>
               <a:tblGrid>
-                <a:gridCol w="2219176">
+                <a:gridCol w="1811561">
                   <a:extLst>
                     <a:ext uri="{9D8B030D-6E8A-4147-A177-3AD203B41FA5}">
                       <a16:colId xmlns:a16="http://schemas.microsoft.com/office/drawing/2014/main" val="2608943350"/>
                     </a:ext>
                   </a:extLst>
                 </a:gridCol>
-                <a:gridCol w="2219176">
+                <a:gridCol w="2774507">
                   <a:extLst>
                     <a:ext uri="{9D8B030D-6E8A-4147-A177-3AD203B41FA5}">
                       <a16:colId xmlns:a16="http://schemas.microsoft.com/office/drawing/2014/main" val="3260499319"/>
                     </a:ext>
                   </a:extLst>
                 </a:gridCol>
-                <a:gridCol w="2877869">
+                <a:gridCol w="984737">
                   <a:extLst>
                     <a:ext uri="{9D8B030D-6E8A-4147-A177-3AD203B41FA5}">
                       <a16:colId xmlns:a16="http://schemas.microsoft.com/office/drawing/2014/main" val="2916445189"/>
@@ -11177,7 +11140,7 @@
                   </a:extLst>
                 </a:gridCol>
               </a:tblGrid>
-              <a:tr h="951690">
+              <a:tr h="837752">
                 <a:tc rowSpan="5">
                   <a:txBody>
                     <a:bodyPr/>
@@ -11252,12 +11215,8 @@
                         <a:buChar char="-"/>
                       </a:pPr>
                       <a:r>
-                        <a:rPr lang="en-US" dirty="0" err="1"/>
-                        <a:t>Img_size</a:t>
-                      </a:r>
-                      <a:r>
                         <a:rPr lang="en-US" dirty="0"/>
-                        <a:t>: 256</a:t>
+                        <a:t>BCE Loss</a:t>
                       </a:r>
                     </a:p>
                     <a:p>
@@ -11267,6 +11226,20 @@
                       </a:pPr>
                       <a:r>
                         <a:rPr lang="en-US" dirty="0" err="1"/>
+                        <a:t>Img_size</a:t>
+                      </a:r>
+                      <a:r>
+                        <a:rPr lang="en-US" dirty="0"/>
+                        <a:t>: 256</a:t>
+                      </a:r>
+                    </a:p>
+                    <a:p>
+                      <a:pPr marL="285750" indent="-285750">
+                        <a:buFontTx/>
+                        <a:buChar char="-"/>
+                      </a:pPr>
+                      <a:r>
+                        <a:rPr lang="en-US" dirty="0" err="1"/>
                         <a:t>Batch_size</a:t>
                       </a:r>
                       <a:r>
@@ -11278,10 +11251,7 @@
                       <a:pPr marL="0" indent="0">
                         <a:buNone/>
                       </a:pPr>
-                      <a:r>
-                        <a:rPr lang="en-US" dirty="0"/>
-                        <a:t>- </a:t>
-                      </a:r>
+                      <a:endParaRPr lang="en-US" dirty="0"/>
                     </a:p>
                   </a:txBody>
                   <a:tcPr/>
@@ -11321,7 +11291,7 @@
                   </a:ext>
                 </a:extLst>
               </a:tr>
-              <a:tr h="612069">
+              <a:tr h="538792">
                 <a:tc vMerge="1">
                   <a:txBody>
                     <a:bodyPr/>
@@ -11351,9 +11321,10 @@
                     <a:bodyPr/>
                     <a:lstStyle/>
                     <a:p>
+                      <a:pPr algn="ctr"/>
                       <a:r>
                         <a:rPr lang="en-US" dirty="0"/>
-                        <a:t>TODO</a:t>
+                        <a:t>0.9505</a:t>
                       </a:r>
                     </a:p>
                   </a:txBody>
@@ -11365,7 +11336,7 @@
                   </a:ext>
                 </a:extLst>
               </a:tr>
-              <a:tr h="653256">
+              <a:tr h="575047">
                 <a:tc vMerge="1">
                   <a:txBody>
                     <a:bodyPr/>
@@ -11395,7 +11366,11 @@
                     <a:bodyPr/>
                     <a:lstStyle/>
                     <a:p>
-                      <a:endParaRPr lang="en-US" dirty="0"/>
+                      <a:pPr algn="ctr"/>
+                      <a:r>
+                        <a:rPr lang="en-US" b="1" dirty="0"/>
+                        <a:t>0.9507</a:t>
+                      </a:r>
                     </a:p>
                   </a:txBody>
                   <a:tcPr/>
@@ -11406,7 +11381,7 @@
                   </a:ext>
                 </a:extLst>
               </a:tr>
-              <a:tr h="510726">
+              <a:tr h="449581">
                 <a:tc vMerge="1">
                   <a:txBody>
                     <a:bodyPr/>
@@ -11436,7 +11411,11 @@
                     <a:bodyPr/>
                     <a:lstStyle/>
                     <a:p>
-                      <a:endParaRPr lang="en-US" dirty="0"/>
+                      <a:pPr algn="ctr"/>
+                      <a:r>
+                        <a:rPr lang="en-US" dirty="0"/>
+                        <a:t>0.9403</a:t>
+                      </a:r>
                     </a:p>
                   </a:txBody>
                   <a:tcPr/>
@@ -11447,7 +11426,7 @@
                   </a:ext>
                 </a:extLst>
               </a:tr>
-              <a:tr h="510726">
+              <a:tr h="563449">
                 <a:tc vMerge="1">
                   <a:txBody>
                     <a:bodyPr/>
@@ -11477,7 +11456,11 @@
                     <a:bodyPr/>
                     <a:lstStyle/>
                     <a:p>
-                      <a:endParaRPr lang="en-US" dirty="0"/>
+                      <a:pPr algn="ctr"/>
+                      <a:r>
+                        <a:rPr lang="en-US" dirty="0"/>
+                        <a:t>0.9351</a:t>
+                      </a:r>
                     </a:p>
                   </a:txBody>
                   <a:tcPr/>
@@ -11492,6 +11475,335 @@
           </a:graphicData>
         </a:graphic>
       </p:graphicFrame>
+      <p:pic>
+        <p:nvPicPr>
+          <p:cNvPr id="1026" name="Picture 2">
+            <a:extLst>
+              <a:ext uri="{FF2B5EF4-FFF2-40B4-BE49-F238E27FC236}">
+                <a16:creationId xmlns:a16="http://schemas.microsoft.com/office/drawing/2014/main" id="{66498B58-0977-4BF2-A8E3-26D8C268C490}"/>
+              </a:ext>
+            </a:extLst>
+          </p:cNvPr>
+          <p:cNvPicPr>
+            <a:picLocks noChangeAspect="1" noChangeArrowheads="1"/>
+          </p:cNvPicPr>
+          <p:nvPr/>
+        </p:nvPicPr>
+        <p:blipFill>
+          <a:blip r:embed="rId2">
+            <a:extLst>
+              <a:ext uri="{28A0092B-C50C-407E-A947-70E740481C1C}">
+                <a14:useLocalDpi xmlns:a14="http://schemas.microsoft.com/office/drawing/2010/main" val="0"/>
+              </a:ext>
+            </a:extLst>
+          </a:blip>
+          <a:srcRect/>
+          <a:stretch>
+            <a:fillRect/>
+          </a:stretch>
+        </p:blipFill>
+        <p:spPr bwMode="auto">
+          <a:xfrm>
+            <a:off x="257911" y="4219695"/>
+            <a:ext cx="3323489" cy="2215660"/>
+          </a:xfrm>
+          <a:prstGeom prst="rect">
+            <a:avLst/>
+          </a:prstGeom>
+          <a:noFill/>
+          <a:extLst>
+            <a:ext uri="{909E8E84-426E-40DD-AFC4-6F175D3DCCD1}">
+              <a14:hiddenFill xmlns:a14="http://schemas.microsoft.com/office/drawing/2010/main">
+                <a:solidFill>
+                  <a:srgbClr val="FFFFFF"/>
+                </a:solidFill>
+              </a14:hiddenFill>
+            </a:ext>
+          </a:extLst>
+        </p:spPr>
+      </p:pic>
+      <p:sp>
+        <p:nvSpPr>
+          <p:cNvPr id="3" name="TextBox 2">
+            <a:extLst>
+              <a:ext uri="{FF2B5EF4-FFF2-40B4-BE49-F238E27FC236}">
+                <a16:creationId xmlns:a16="http://schemas.microsoft.com/office/drawing/2014/main" id="{3E372D68-0380-4DA8-8261-DC08812CAF84}"/>
+              </a:ext>
+            </a:extLst>
+          </p:cNvPr>
+          <p:cNvSpPr txBox="1"/>
+          <p:nvPr/>
+        </p:nvSpPr>
+        <p:spPr>
+          <a:xfrm>
+            <a:off x="838200" y="6447024"/>
+            <a:ext cx="2293034" cy="369332"/>
+          </a:xfrm>
+          <a:prstGeom prst="rect">
+            <a:avLst/>
+          </a:prstGeom>
+          <a:noFill/>
+        </p:spPr>
+        <p:txBody>
+          <a:bodyPr wrap="square" rtlCol="0">
+            <a:spAutoFit/>
+          </a:bodyPr>
+          <a:lstStyle/>
+          <a:p>
+            <a:r>
+              <a:rPr lang="en-US" dirty="0" err="1"/>
+              <a:t>ReduceLROnPlateau</a:t>
+            </a:r>
+            <a:endParaRPr lang="en-US" dirty="0"/>
+          </a:p>
+        </p:txBody>
+      </p:sp>
+      <p:pic>
+        <p:nvPicPr>
+          <p:cNvPr id="1028" name="Picture 4">
+            <a:extLst>
+              <a:ext uri="{FF2B5EF4-FFF2-40B4-BE49-F238E27FC236}">
+                <a16:creationId xmlns:a16="http://schemas.microsoft.com/office/drawing/2014/main" id="{9DDD49DF-F552-4A6A-883E-A7F68DCB7E47}"/>
+              </a:ext>
+            </a:extLst>
+          </p:cNvPr>
+          <p:cNvPicPr>
+            <a:picLocks noChangeAspect="1" noChangeArrowheads="1"/>
+          </p:cNvPicPr>
+          <p:nvPr/>
+        </p:nvPicPr>
+        <p:blipFill>
+          <a:blip r:embed="rId3">
+            <a:extLst>
+              <a:ext uri="{28A0092B-C50C-407E-A947-70E740481C1C}">
+                <a14:useLocalDpi xmlns:a14="http://schemas.microsoft.com/office/drawing/2010/main" val="0"/>
+              </a:ext>
+            </a:extLst>
+          </a:blip>
+          <a:srcRect/>
+          <a:stretch>
+            <a:fillRect/>
+          </a:stretch>
+        </p:blipFill>
+        <p:spPr bwMode="auto">
+          <a:xfrm>
+            <a:off x="4189242" y="4187087"/>
+            <a:ext cx="3323489" cy="2215659"/>
+          </a:xfrm>
+          <a:prstGeom prst="rect">
+            <a:avLst/>
+          </a:prstGeom>
+          <a:noFill/>
+          <a:extLst>
+            <a:ext uri="{909E8E84-426E-40DD-AFC4-6F175D3DCCD1}">
+              <a14:hiddenFill xmlns:a14="http://schemas.microsoft.com/office/drawing/2010/main">
+                <a:solidFill>
+                  <a:srgbClr val="FFFFFF"/>
+                </a:solidFill>
+              </a14:hiddenFill>
+            </a:ext>
+          </a:extLst>
+        </p:spPr>
+      </p:pic>
+      <p:sp>
+        <p:nvSpPr>
+          <p:cNvPr id="7" name="Rectangle 6">
+            <a:extLst>
+              <a:ext uri="{FF2B5EF4-FFF2-40B4-BE49-F238E27FC236}">
+                <a16:creationId xmlns:a16="http://schemas.microsoft.com/office/drawing/2014/main" id="{5467F25D-09F8-4595-B293-CCABAE870060}"/>
+              </a:ext>
+            </a:extLst>
+          </p:cNvPr>
+          <p:cNvSpPr/>
+          <p:nvPr/>
+        </p:nvSpPr>
+        <p:spPr>
+          <a:xfrm>
+            <a:off x="5635450" y="6435355"/>
+            <a:ext cx="824969" cy="369332"/>
+          </a:xfrm>
+          <a:prstGeom prst="rect">
+            <a:avLst/>
+          </a:prstGeom>
+        </p:spPr>
+        <p:txBody>
+          <a:bodyPr wrap="none">
+            <a:spAutoFit/>
+          </a:bodyPr>
+          <a:lstStyle/>
+          <a:p>
+            <a:r>
+              <a:rPr lang="en-US" dirty="0" err="1"/>
+              <a:t>StepLR</a:t>
+            </a:r>
+            <a:endParaRPr lang="en-US" dirty="0"/>
+          </a:p>
+        </p:txBody>
+      </p:sp>
+      <p:pic>
+        <p:nvPicPr>
+          <p:cNvPr id="1030" name="Picture 6">
+            <a:extLst>
+              <a:ext uri="{FF2B5EF4-FFF2-40B4-BE49-F238E27FC236}">
+                <a16:creationId xmlns:a16="http://schemas.microsoft.com/office/drawing/2014/main" id="{9635ED70-6677-4692-917B-DB01B1DB0DFC}"/>
+              </a:ext>
+            </a:extLst>
+          </p:cNvPr>
+          <p:cNvPicPr>
+            <a:picLocks noChangeAspect="1" noChangeArrowheads="1"/>
+          </p:cNvPicPr>
+          <p:nvPr/>
+        </p:nvPicPr>
+        <p:blipFill>
+          <a:blip r:embed="rId2">
+            <a:extLst>
+              <a:ext uri="{28A0092B-C50C-407E-A947-70E740481C1C}">
+                <a14:useLocalDpi xmlns:a14="http://schemas.microsoft.com/office/drawing/2010/main" val="0"/>
+              </a:ext>
+            </a:extLst>
+          </a:blip>
+          <a:srcRect/>
+          <a:stretch>
+            <a:fillRect/>
+          </a:stretch>
+        </p:blipFill>
+        <p:spPr bwMode="auto">
+          <a:xfrm>
+            <a:off x="7938185" y="1013325"/>
+            <a:ext cx="3233227" cy="2155485"/>
+          </a:xfrm>
+          <a:prstGeom prst="rect">
+            <a:avLst/>
+          </a:prstGeom>
+          <a:noFill/>
+          <a:extLst>
+            <a:ext uri="{909E8E84-426E-40DD-AFC4-6F175D3DCCD1}">
+              <a14:hiddenFill xmlns:a14="http://schemas.microsoft.com/office/drawing/2010/main">
+                <a:solidFill>
+                  <a:srgbClr val="FFFFFF"/>
+                </a:solidFill>
+              </a14:hiddenFill>
+            </a:ext>
+          </a:extLst>
+        </p:spPr>
+      </p:pic>
+      <p:sp>
+        <p:nvSpPr>
+          <p:cNvPr id="9" name="Rectangle 8">
+            <a:extLst>
+              <a:ext uri="{FF2B5EF4-FFF2-40B4-BE49-F238E27FC236}">
+                <a16:creationId xmlns:a16="http://schemas.microsoft.com/office/drawing/2014/main" id="{9FDFAC82-F23F-4214-BEA4-B2A360B8C8A0}"/>
+              </a:ext>
+            </a:extLst>
+          </p:cNvPr>
+          <p:cNvSpPr/>
+          <p:nvPr/>
+        </p:nvSpPr>
+        <p:spPr>
+          <a:xfrm>
+            <a:off x="8919227" y="3244334"/>
+            <a:ext cx="1064972" cy="369332"/>
+          </a:xfrm>
+          <a:prstGeom prst="rect">
+            <a:avLst/>
+          </a:prstGeom>
+        </p:spPr>
+        <p:txBody>
+          <a:bodyPr wrap="none">
+            <a:spAutoFit/>
+          </a:bodyPr>
+          <a:lstStyle/>
+          <a:p>
+            <a:r>
+              <a:rPr lang="en-US" dirty="0" err="1"/>
+              <a:t>OneCycle</a:t>
+            </a:r>
+            <a:endParaRPr lang="en-US" dirty="0"/>
+          </a:p>
+        </p:txBody>
+      </p:sp>
+      <p:pic>
+        <p:nvPicPr>
+          <p:cNvPr id="1032" name="Picture 8">
+            <a:extLst>
+              <a:ext uri="{FF2B5EF4-FFF2-40B4-BE49-F238E27FC236}">
+                <a16:creationId xmlns:a16="http://schemas.microsoft.com/office/drawing/2014/main" id="{F8A9D67B-9734-42A8-94C2-0AC171B085AF}"/>
+              </a:ext>
+            </a:extLst>
+          </p:cNvPr>
+          <p:cNvPicPr>
+            <a:picLocks noChangeAspect="1" noChangeArrowheads="1"/>
+          </p:cNvPicPr>
+          <p:nvPr/>
+        </p:nvPicPr>
+        <p:blipFill>
+          <a:blip r:embed="rId4">
+            <a:extLst>
+              <a:ext uri="{28A0092B-C50C-407E-A947-70E740481C1C}">
+                <a14:useLocalDpi xmlns:a14="http://schemas.microsoft.com/office/drawing/2010/main" val="0"/>
+              </a:ext>
+            </a:extLst>
+          </a:blip>
+          <a:srcRect/>
+          <a:stretch>
+            <a:fillRect/>
+          </a:stretch>
+        </p:blipFill>
+        <p:spPr bwMode="auto">
+          <a:xfrm>
+            <a:off x="8250121" y="4046745"/>
+            <a:ext cx="3323489" cy="2215659"/>
+          </a:xfrm>
+          <a:prstGeom prst="rect">
+            <a:avLst/>
+          </a:prstGeom>
+          <a:noFill/>
+          <a:extLst>
+            <a:ext uri="{909E8E84-426E-40DD-AFC4-6F175D3DCCD1}">
+              <a14:hiddenFill xmlns:a14="http://schemas.microsoft.com/office/drawing/2010/main">
+                <a:solidFill>
+                  <a:srgbClr val="FFFFFF"/>
+                </a:solidFill>
+              </a14:hiddenFill>
+            </a:ext>
+          </a:extLst>
+        </p:spPr>
+      </p:pic>
+      <p:sp>
+        <p:nvSpPr>
+          <p:cNvPr id="10" name="Rectangle 9">
+            <a:extLst>
+              <a:ext uri="{FF2B5EF4-FFF2-40B4-BE49-F238E27FC236}">
+                <a16:creationId xmlns:a16="http://schemas.microsoft.com/office/drawing/2014/main" id="{5C98FAF1-DDB8-4D1E-99C5-F228505A8576}"/>
+              </a:ext>
+            </a:extLst>
+          </p:cNvPr>
+          <p:cNvSpPr/>
+          <p:nvPr/>
+        </p:nvSpPr>
+        <p:spPr>
+          <a:xfrm>
+            <a:off x="8804519" y="6288808"/>
+            <a:ext cx="2769091" cy="369332"/>
+          </a:xfrm>
+          <a:prstGeom prst="rect">
+            <a:avLst/>
+          </a:prstGeom>
+        </p:spPr>
+        <p:txBody>
+          <a:bodyPr wrap="none">
+            <a:spAutoFit/>
+          </a:bodyPr>
+          <a:lstStyle/>
+          <a:p>
+            <a:r>
+              <a:rPr lang="en-US" dirty="0" err="1"/>
+              <a:t>CosineAnnealingWarmStart</a:t>
+            </a:r>
+            <a:endParaRPr lang="en-US" dirty="0"/>
+          </a:p>
+        </p:txBody>
+      </p:sp>
     </p:spTree>
     <p:extLst>
       <p:ext uri="{BB962C8B-B14F-4D97-AF65-F5344CB8AC3E}">
@@ -11699,7 +12011,7 @@
           <a:bodyPr/>
           <a:lstStyle/>
           <a:p>
-            <a:endParaRPr lang="en-AU"/>
+            <a:endParaRPr lang="en-AU" dirty="0"/>
           </a:p>
         </p:txBody>
       </p:sp>
@@ -22533,8 +22845,8 @@
           </a:p>
         </p:txBody>
       </p:sp>
-      <mc:AlternateContent xmlns:mc="http://schemas.openxmlformats.org/markup-compatibility/2006">
-        <mc:Choice xmlns:a14="http://schemas.microsoft.com/office/drawing/2010/main" Requires="a14">
+      <mc:AlternateContent xmlns:mc="http://schemas.openxmlformats.org/markup-compatibility/2006" xmlns:a14="http://schemas.microsoft.com/office/drawing/2010/main">
+        <mc:Choice Requires="a14">
           <p:graphicFrame>
             <p:nvGraphicFramePr>
               <p:cNvPr id="10" name="Table 6">
@@ -22550,14 +22862,14 @@
               <p:nvPr>
                 <p:extLst>
                   <p:ext uri="{D42A27DB-BD31-4B8C-83A1-F6EECF244321}">
-                    <p14:modId xmlns:p14="http://schemas.microsoft.com/office/powerpoint/2010/main" val="2137516234"/>
+                    <p14:modId xmlns:p14="http://schemas.microsoft.com/office/powerpoint/2010/main" val="1592437787"/>
                   </p:ext>
                 </p:extLst>
               </p:nvPr>
             </p:nvGraphicFramePr>
             <p:xfrm>
               <a:off x="1516986" y="1032843"/>
-              <a:ext cx="8623975" cy="3567484"/>
+              <a:ext cx="8623975" cy="4105687"/>
             </p:xfrm>
             <a:graphic>
               <a:graphicData uri="http://schemas.openxmlformats.org/drawingml/2006/table">
@@ -22588,9 +22900,10 @@
                         <a:lstStyle/>
                         <a:p>
                           <a:r>
-                            <a:rPr lang="en-US" sz="1600" b="1" dirty="0"/>
+                            <a:rPr lang="en-US" sz="2000" b="1" dirty="0"/>
                             <a:t>Metric</a:t>
                           </a:r>
+                          <a:endParaRPr lang="en-US" sz="2400" b="1" dirty="0"/>
                         </a:p>
                       </a:txBody>
                       <a:tcPr/>
@@ -22602,9 +22915,10 @@
                         <a:p>
                           <a:pPr algn="ctr"/>
                           <a:r>
-                            <a:rPr lang="en-US" sz="1600" b="1" dirty="0"/>
+                            <a:rPr lang="en-US" sz="2000" b="1" dirty="0"/>
                             <a:t>Description</a:t>
                           </a:r>
+                          <a:endParaRPr lang="en-US" sz="2400" b="1" dirty="0"/>
                         </a:p>
                       </a:txBody>
                       <a:tcPr/>
@@ -22958,6 +23272,169 @@
                             <a:defRPr/>
                           </a:pPr>
                           <a14:m>
+                            <m:oMathPara xmlns:m="http://schemas.openxmlformats.org/officeDocument/2006/math">
+                              <m:oMathParaPr>
+                                <m:jc m:val="centerGroup"/>
+                              </m:oMathParaPr>
+                              <m:oMath xmlns:m="http://schemas.openxmlformats.org/officeDocument/2006/math">
+                                <m:sSub>
+                                  <m:sSubPr>
+                                    <m:ctrlPr>
+                                      <a:rPr lang="en-US" sz="1800" i="1" smtClean="0">
+                                        <a:latin typeface="Cambria Math" panose="02040503050406030204" pitchFamily="18" charset="0"/>
+                                      </a:rPr>
+                                    </m:ctrlPr>
+                                  </m:sSubPr>
+                                  <m:e>
+                                    <m:r>
+                                      <m:rPr>
+                                        <m:sty m:val="p"/>
+                                      </m:rPr>
+                                      <a:rPr lang="el-GR" sz="1800" b="0" i="1" smtClean="0">
+                                        <a:latin typeface="Cambria Math" panose="02040503050406030204" pitchFamily="18" charset="0"/>
+                                        <a:ea typeface="Cambria Math" panose="02040503050406030204" pitchFamily="18" charset="0"/>
+                                      </a:rPr>
+                                      <m:t>α</m:t>
+                                    </m:r>
+                                  </m:e>
+                                  <m:sub>
+                                    <m:r>
+                                      <a:rPr lang="en-US" sz="1800" b="0" i="1" smtClean="0">
+                                        <a:latin typeface="Cambria Math" panose="02040503050406030204" pitchFamily="18" charset="0"/>
+                                      </a:rPr>
+                                      <m:t>𝑡</m:t>
+                                    </m:r>
+                                  </m:sub>
+                                </m:sSub>
+                                <m:r>
+                                  <a:rPr lang="en-US" sz="1800" b="0" i="1" smtClean="0">
+                                    <a:latin typeface="Cambria Math" panose="02040503050406030204" pitchFamily="18" charset="0"/>
+                                  </a:rPr>
+                                  <m:t>=</m:t>
+                                </m:r>
+                                <m:d>
+                                  <m:dPr>
+                                    <m:begChr m:val="{"/>
+                                    <m:endChr m:val=""/>
+                                    <m:ctrlPr>
+                                      <a:rPr lang="en-US" sz="1800" b="0" i="1" smtClean="0">
+                                        <a:latin typeface="Cambria Math" panose="02040503050406030204" pitchFamily="18" charset="0"/>
+                                      </a:rPr>
+                                    </m:ctrlPr>
+                                  </m:dPr>
+                                  <m:e>
+                                    <m:eqArr>
+                                      <m:eqArrPr>
+                                        <m:ctrlPr>
+                                          <a:rPr lang="en-US" sz="1800" b="0" i="1" smtClean="0">
+                                            <a:latin typeface="Cambria Math" panose="02040503050406030204" pitchFamily="18" charset="0"/>
+                                          </a:rPr>
+                                        </m:ctrlPr>
+                                      </m:eqArrPr>
+                                      <m:e>
+                                        <m:r>
+                                          <m:rPr>
+                                            <m:sty m:val="p"/>
+                                          </m:rPr>
+                                          <a:rPr lang="el-GR" sz="1800" b="0" i="1" smtClean="0">
+                                            <a:latin typeface="Cambria Math" panose="02040503050406030204" pitchFamily="18" charset="0"/>
+                                            <a:ea typeface="Cambria Math" panose="02040503050406030204" pitchFamily="18" charset="0"/>
+                                          </a:rPr>
+                                          <m:t>α</m:t>
+                                        </m:r>
+                                        <m:r>
+                                          <a:rPr lang="en-US" sz="1800" b="0" i="1" smtClean="0">
+                                            <a:latin typeface="Cambria Math" panose="02040503050406030204" pitchFamily="18" charset="0"/>
+                                            <a:ea typeface="Cambria Math" panose="02040503050406030204" pitchFamily="18" charset="0"/>
+                                          </a:rPr>
+                                          <m:t> </m:t>
+                                        </m:r>
+                                        <m:r>
+                                          <a:rPr lang="en-US" sz="1800" b="0" i="1" smtClean="0">
+                                            <a:latin typeface="Cambria Math" panose="02040503050406030204" pitchFamily="18" charset="0"/>
+                                            <a:ea typeface="Cambria Math" panose="02040503050406030204" pitchFamily="18" charset="0"/>
+                                          </a:rPr>
+                                          <m:t>𝑖𝑓</m:t>
+                                        </m:r>
+                                        <m:r>
+                                          <a:rPr lang="en-US" sz="1800" b="0" i="1" smtClean="0">
+                                            <a:latin typeface="Cambria Math" panose="02040503050406030204" pitchFamily="18" charset="0"/>
+                                          </a:rPr>
+                                          <m:t> </m:t>
+                                        </m:r>
+                                        <m:r>
+                                          <a:rPr lang="en-US" sz="1800" b="0" i="1" smtClean="0">
+                                            <a:latin typeface="Cambria Math" panose="02040503050406030204" pitchFamily="18" charset="0"/>
+                                          </a:rPr>
+                                          <m:t>𝑦</m:t>
+                                        </m:r>
+                                        <m:r>
+                                          <a:rPr lang="en-US" sz="1800" b="0" i="1" smtClean="0">
+                                            <a:latin typeface="Cambria Math" panose="02040503050406030204" pitchFamily="18" charset="0"/>
+                                          </a:rPr>
+                                          <m:t>=1</m:t>
+                                        </m:r>
+                                      </m:e>
+                                      <m:e>
+                                        <m:r>
+                                          <a:rPr lang="en-US" sz="1800" b="0" i="1" smtClean="0">
+                                            <a:latin typeface="Cambria Math" panose="02040503050406030204" pitchFamily="18" charset="0"/>
+                                          </a:rPr>
+                                          <m:t>1−</m:t>
+                                        </m:r>
+                                        <m:r>
+                                          <m:rPr>
+                                            <m:sty m:val="p"/>
+                                          </m:rPr>
+                                          <a:rPr lang="el-GR" sz="1800" b="0" i="1" smtClean="0">
+                                            <a:latin typeface="Cambria Math" panose="02040503050406030204" pitchFamily="18" charset="0"/>
+                                            <a:ea typeface="Cambria Math" panose="02040503050406030204" pitchFamily="18" charset="0"/>
+                                          </a:rPr>
+                                          <m:t>α</m:t>
+                                        </m:r>
+                                        <m:r>
+                                          <a:rPr lang="en-US" sz="1800" b="0" i="1" smtClean="0">
+                                            <a:latin typeface="Cambria Math" panose="02040503050406030204" pitchFamily="18" charset="0"/>
+                                            <a:ea typeface="Cambria Math" panose="02040503050406030204" pitchFamily="18" charset="0"/>
+                                          </a:rPr>
+                                          <m:t> </m:t>
+                                        </m:r>
+                                        <m:r>
+                                          <a:rPr lang="en-US" sz="1800" b="0" i="1" smtClean="0">
+                                            <a:latin typeface="Cambria Math" panose="02040503050406030204" pitchFamily="18" charset="0"/>
+                                          </a:rPr>
+                                          <m:t>𝑜𝑡h𝑒𝑟𝑤𝑖𝑠𝑒</m:t>
+                                        </m:r>
+                                      </m:e>
+                                    </m:eqArr>
+                                  </m:e>
+                                </m:d>
+                              </m:oMath>
+                            </m:oMathPara>
+                          </a14:m>
+                          <a:endParaRPr lang="en-US" sz="1800" b="0" i="1" dirty="0">
+                            <a:latin typeface="Cambria Math" panose="02040503050406030204" pitchFamily="18" charset="0"/>
+                          </a:endParaRPr>
+                        </a:p>
+                        <a:p>
+                          <a:pPr marL="0" marR="0" lvl="0" indent="0" algn="ctr" defTabSz="914400" rtl="0" eaLnBrk="1" fontAlgn="auto" latinLnBrk="0" hangingPunct="1">
+                            <a:lnSpc>
+                              <a:spcPct val="100000"/>
+                            </a:lnSpc>
+                            <a:spcBef>
+                              <a:spcPts val="0"/>
+                            </a:spcBef>
+                            <a:spcAft>
+                              <a:spcPts val="0"/>
+                            </a:spcAft>
+                            <a:buClrTx/>
+                            <a:buSzTx/>
+                            <a:buFont typeface="Arial" panose="020B0604020202020204" pitchFamily="34" charset="0"/>
+                            <a:buNone/>
+                            <a:tabLst/>
+                            <a:defRPr/>
+                          </a:pPr>
+                          <a14:m>
                             <m:oMath xmlns:m="http://schemas.openxmlformats.org/officeDocument/2006/math">
                               <m:r>
                                 <a:rPr lang="en-US" sz="1800" b="0" i="1" smtClean="0">
@@ -23000,16 +23477,35 @@
                                 </a:rPr>
                                 <m:t>=−</m:t>
                               </m:r>
-                              <m:r>
-                                <m:rPr>
-                                  <m:sty m:val="p"/>
-                                </m:rPr>
-                                <a:rPr lang="el-GR" sz="1800" b="0" i="1" smtClean="0">
-                                  <a:latin typeface="Cambria Math" panose="02040503050406030204" pitchFamily="18" charset="0"/>
-                                  <a:ea typeface="Cambria Math" panose="02040503050406030204" pitchFamily="18" charset="0"/>
-                                </a:rPr>
-                                <m:t>α</m:t>
-                              </m:r>
+                              <m:sSub>
+                                <m:sSubPr>
+                                  <m:ctrlPr>
+                                    <a:rPr lang="en-US" sz="1800" i="1" smtClean="0">
+                                      <a:latin typeface="Cambria Math" panose="02040503050406030204" pitchFamily="18" charset="0"/>
+                                    </a:rPr>
+                                  </m:ctrlPr>
+                                </m:sSubPr>
+                                <m:e>
+                                  <m:r>
+                                    <m:rPr>
+                                      <m:sty m:val="p"/>
+                                    </m:rPr>
+                                    <a:rPr lang="el-GR" sz="1800" b="0" i="1" smtClean="0">
+                                      <a:latin typeface="Cambria Math" panose="02040503050406030204" pitchFamily="18" charset="0"/>
+                                      <a:ea typeface="Cambria Math" panose="02040503050406030204" pitchFamily="18" charset="0"/>
+                                    </a:rPr>
+                                    <m:t>α</m:t>
+                                  </m:r>
+                                </m:e>
+                                <m:sub>
+                                  <m:r>
+                                    <a:rPr lang="en-US" sz="1800" b="0" i="1" smtClean="0">
+                                      <a:latin typeface="Cambria Math" panose="02040503050406030204" pitchFamily="18" charset="0"/>
+                                    </a:rPr>
+                                    <m:t>𝑡</m:t>
+                                  </m:r>
+                                </m:sub>
+                              </m:sSub>
                               <m:r>
                                 <a:rPr lang="en-US" sz="1800" b="0" i="1" smtClean="0">
                                   <a:latin typeface="Cambria Math" panose="02040503050406030204" pitchFamily="18" charset="0"/>
@@ -23028,13 +23524,7 @@
                                 <a:rPr lang="en-US" sz="1800" b="0" i="1" smtClean="0">
                                   <a:latin typeface="Cambria Math" panose="02040503050406030204" pitchFamily="18" charset="0"/>
                                 </a:rPr>
-                                <m:t>⁡</m:t>
-                              </m:r>
-                              <m:r>
-                                <a:rPr lang="en-US" sz="1800" b="0" i="1" smtClean="0">
-                                  <a:latin typeface="Cambria Math" panose="02040503050406030204" pitchFamily="18" charset="0"/>
-                                </a:rPr>
-                                <m:t>(</m:t>
+                                <m:t>⁡(</m:t>
                               </m:r>
                               <m:sSub>
                                 <m:sSubPr>
@@ -23338,7 +23828,7 @@
             </a:graphic>
           </p:graphicFrame>
         </mc:Choice>
-        <mc:Fallback>
+        <mc:Fallback xmlns="">
           <p:graphicFrame>
             <p:nvGraphicFramePr>
               <p:cNvPr id="10" name="Table 6">
@@ -23354,14 +23844,14 @@
               <p:nvPr>
                 <p:extLst>
                   <p:ext uri="{D42A27DB-BD31-4B8C-83A1-F6EECF244321}">
-                    <p14:modId xmlns:p14="http://schemas.microsoft.com/office/powerpoint/2010/main" val="2137516234"/>
+                    <p14:modId xmlns:p14="http://schemas.microsoft.com/office/powerpoint/2010/main" val="1592437787"/>
                   </p:ext>
                 </p:extLst>
               </p:nvPr>
             </p:nvGraphicFramePr>
             <p:xfrm>
               <a:off x="1516986" y="1032843"/>
-              <a:ext cx="8623975" cy="3567484"/>
+              <a:ext cx="8623975" cy="4105687"/>
             </p:xfrm>
             <a:graphic>
               <a:graphicData uri="http://schemas.openxmlformats.org/drawingml/2006/table">
@@ -23392,9 +23882,10 @@
                         <a:lstStyle/>
                         <a:p>
                           <a:r>
-                            <a:rPr lang="en-US" sz="1600" b="1" dirty="0"/>
+                            <a:rPr lang="en-US" sz="2000" b="1" dirty="0"/>
                             <a:t>Metric</a:t>
                           </a:r>
+                          <a:endParaRPr lang="en-US" sz="2400" b="1" dirty="0"/>
                         </a:p>
                       </a:txBody>
                       <a:tcPr/>
@@ -23406,9 +23897,10 @@
                         <a:p>
                           <a:pPr algn="ctr"/>
                           <a:r>
-                            <a:rPr lang="en-US" sz="1600" b="1" dirty="0"/>
+                            <a:rPr lang="en-US" sz="2000" b="1" dirty="0"/>
                             <a:t>Description</a:t>
                           </a:r>
+                          <a:endParaRPr lang="en-US" sz="2400" b="1" dirty="0"/>
                         </a:p>
                       </a:txBody>
                       <a:tcPr/>
@@ -23445,7 +23937,7 @@
                         <a:blipFill>
                           <a:blip r:embed="rId2"/>
                           <a:stretch>
-                            <a:fillRect l="-57444" t="-75369" r="-222" b="-115764"/>
+                            <a:fillRect l="-57444" t="-76355" r="-222" b="-159606"/>
                           </a:stretch>
                         </a:blipFill>
                       </a:tcPr>
@@ -23456,7 +23948,7 @@
                       </a:ext>
                     </a:extLst>
                   </a:tr>
-                  <a:tr h="713763">
+                  <a:tr h="1251966">
                     <a:tc>
                       <a:txBody>
                         <a:bodyPr/>
@@ -23482,7 +23974,7 @@
                         <a:blipFill>
                           <a:blip r:embed="rId2"/>
                           <a:stretch>
-                            <a:fillRect l="-57444" t="-304274" r="-222" b="-100855"/>
+                            <a:fillRect l="-57444" t="-173786" r="-222" b="-57282"/>
                           </a:stretch>
                         </a:blipFill>
                       </a:tcPr>
@@ -23556,7 +24048,7 @@
                         <a:blipFill>
                           <a:blip r:embed="rId2"/>
                           <a:stretch>
-                            <a:fillRect l="-57444" t="-407759" r="-222" b="-1724"/>
+                            <a:fillRect l="-57444" t="-490435" r="-222" b="-2609"/>
                           </a:stretch>
                         </a:blipFill>
                       </a:tcPr>
@@ -23588,13 +24080,13 @@
           <p:nvPr>
             <p:extLst>
               <p:ext uri="{D42A27DB-BD31-4B8C-83A1-F6EECF244321}">
-                <p14:modId xmlns:p14="http://schemas.microsoft.com/office/powerpoint/2010/main" val="2278265381"/>
+                <p14:modId xmlns:p14="http://schemas.microsoft.com/office/powerpoint/2010/main" val="3536753837"/>
               </p:ext>
             </p:extLst>
           </p:nvPr>
         </p:nvGraphicFramePr>
         <p:xfrm>
-          <a:off x="3781384" y="4798561"/>
+          <a:off x="3661578" y="5176345"/>
           <a:ext cx="4334789" cy="1310640"/>
         </p:xfrm>
         <a:graphic>
@@ -24276,12 +24768,6 @@
 </file>
 
 <file path=customXml/item1.xml><?xml version="1.0" encoding="utf-8"?>
-<p:properties xmlns:p="http://schemas.microsoft.com/office/2006/metadata/properties" xmlns:xsi="http://www.w3.org/2001/XMLSchema-instance" xmlns:pc="http://schemas.microsoft.com/office/infopath/2007/PartnerControls">
-  <documentManagement/>
-</p:properties>
-</file>
-
-<file path=customXml/item2.xml><?xml version="1.0" encoding="utf-8"?>
 <ct:contentTypeSchema xmlns:ct="http://schemas.microsoft.com/office/2006/metadata/contentType" xmlns:ma="http://schemas.microsoft.com/office/2006/metadata/properties/metaAttributes" ct:_="" ma:_="" ma:contentTypeName="Document" ma:contentTypeID="0x010100CC9BB778C3ED994E9CF1DEB6485FADD8" ma:contentTypeVersion="13" ma:contentTypeDescription="Create a new document." ma:contentTypeScope="" ma:versionID="23a755765a2e15a7a45c4ef215dd2561">
   <xsd:schema xmlns:xsd="http://www.w3.org/2001/XMLSchema" xmlns:xs="http://www.w3.org/2001/XMLSchema" xmlns:p="http://schemas.microsoft.com/office/2006/metadata/properties" xmlns:ns3="f6771b06-986a-45d1-8bbc-0c4ebdddf3cc" xmlns:ns4="4437091e-0f9d-4737-ae57-4b535994870f" targetNamespace="http://schemas.microsoft.com/office/2006/metadata/properties" ma:root="true" ma:fieldsID="e14b1f6b541e2fe00d8243a17e866edb" ns3:_="" ns4:_="">
     <xsd:import namespace="f6771b06-986a-45d1-8bbc-0c4ebdddf3cc"/>
@@ -24504,6 +24990,12 @@
 </ct:contentTypeSchema>
 </file>
 
+<file path=customXml/item2.xml><?xml version="1.0" encoding="utf-8"?>
+<p:properties xmlns:p="http://schemas.microsoft.com/office/2006/metadata/properties" xmlns:xsi="http://www.w3.org/2001/XMLSchema-instance" xmlns:pc="http://schemas.microsoft.com/office/infopath/2007/PartnerControls">
+  <documentManagement/>
+</p:properties>
+</file>
+
 <file path=customXml/item3.xml><?xml version="1.0" encoding="utf-8"?>
 <?mso-contentType ?>
 <FormTemplates xmlns="http://schemas.microsoft.com/sharepoint/v3/contenttype/forms">
@@ -24514,23 +25006,6 @@
 </file>
 
 <file path=customXml/itemProps1.xml><?xml version="1.0" encoding="utf-8"?>
-<ds:datastoreItem xmlns:ds="http://schemas.openxmlformats.org/officeDocument/2006/customXml" ds:itemID="{88E843AD-9ECA-4187-8B56-4AFC8D3D63CD}">
-  <ds:schemaRefs>
-    <ds:schemaRef ds:uri="http://schemas.microsoft.com/office/infopath/2007/PartnerControls"/>
-    <ds:schemaRef ds:uri="http://purl.org/dc/terms/"/>
-    <ds:schemaRef ds:uri="http://schemas.openxmlformats.org/package/2006/metadata/core-properties"/>
-    <ds:schemaRef ds:uri="http://schemas.microsoft.com/office/2006/metadata/properties"/>
-    <ds:schemaRef ds:uri="4437091e-0f9d-4737-ae57-4b535994870f"/>
-    <ds:schemaRef ds:uri="http://www.w3.org/XML/1998/namespace"/>
-    <ds:schemaRef ds:uri="http://schemas.microsoft.com/office/2006/documentManagement/types"/>
-    <ds:schemaRef ds:uri="f6771b06-986a-45d1-8bbc-0c4ebdddf3cc"/>
-    <ds:schemaRef ds:uri="http://purl.org/dc/dcmitype/"/>
-    <ds:schemaRef ds:uri="http://purl.org/dc/elements/1.1/"/>
-  </ds:schemaRefs>
-</ds:datastoreItem>
-</file>
-
-<file path=customXml/itemProps2.xml><?xml version="1.0" encoding="utf-8"?>
 <ds:datastoreItem xmlns:ds="http://schemas.openxmlformats.org/officeDocument/2006/customXml" ds:itemID="{65DF6A79-0FFB-46A7-8D75-DBA9A890873F}">
   <ds:schemaRefs>
     <ds:schemaRef ds:uri="http://schemas.microsoft.com/office/2006/metadata/contentType"/>
@@ -24549,6 +25024,23 @@
 </ds:datastoreItem>
 </file>
 
+<file path=customXml/itemProps2.xml><?xml version="1.0" encoding="utf-8"?>
+<ds:datastoreItem xmlns:ds="http://schemas.openxmlformats.org/officeDocument/2006/customXml" ds:itemID="{88E843AD-9ECA-4187-8B56-4AFC8D3D63CD}">
+  <ds:schemaRefs>
+    <ds:schemaRef ds:uri="http://schemas.microsoft.com/office/infopath/2007/PartnerControls"/>
+    <ds:schemaRef ds:uri="http://purl.org/dc/terms/"/>
+    <ds:schemaRef ds:uri="http://schemas.openxmlformats.org/package/2006/metadata/core-properties"/>
+    <ds:schemaRef ds:uri="http://schemas.microsoft.com/office/2006/metadata/properties"/>
+    <ds:schemaRef ds:uri="4437091e-0f9d-4737-ae57-4b535994870f"/>
+    <ds:schemaRef ds:uri="http://www.w3.org/XML/1998/namespace"/>
+    <ds:schemaRef ds:uri="http://schemas.microsoft.com/office/2006/documentManagement/types"/>
+    <ds:schemaRef ds:uri="f6771b06-986a-45d1-8bbc-0c4ebdddf3cc"/>
+    <ds:schemaRef ds:uri="http://purl.org/dc/dcmitype/"/>
+    <ds:schemaRef ds:uri="http://purl.org/dc/elements/1.1/"/>
+  </ds:schemaRefs>
+</ds:datastoreItem>
+</file>
+
 <file path=customXml/itemProps3.xml><?xml version="1.0" encoding="utf-8"?>
 <ds:datastoreItem xmlns:ds="http://schemas.openxmlformats.org/officeDocument/2006/customXml" ds:itemID="{B1C738DB-F8D5-400E-A5D8-1494CFB71B4A}">
   <ds:schemaRefs>

--- a/mid_term/mid_term_v2.pptx
+++ b/mid_term/mid_term_v2.pptx
@@ -11102,14 +11102,14 @@
           <p:nvPr>
             <p:extLst>
               <p:ext uri="{D42A27DB-BD31-4B8C-83A1-F6EECF244321}">
-                <p14:modId xmlns:p14="http://schemas.microsoft.com/office/powerpoint/2010/main" val="1010248855"/>
+                <p14:modId xmlns:p14="http://schemas.microsoft.com/office/powerpoint/2010/main" val="3713663222"/>
               </p:ext>
             </p:extLst>
           </p:nvPr>
         </p:nvGraphicFramePr>
         <p:xfrm>
-          <a:off x="477130" y="1058739"/>
-          <a:ext cx="5570805" cy="2964621"/>
+          <a:off x="477130" y="1055077"/>
+          <a:ext cx="5570805" cy="2968283"/>
         </p:xfrm>
         <a:graphic>
           <a:graphicData uri="http://schemas.openxmlformats.org/drawingml/2006/table">
@@ -11140,7 +11140,7 @@
                   </a:extLst>
                 </a:gridCol>
               </a:tblGrid>
-              <a:tr h="837752">
+              <a:tr h="841414">
                 <a:tc rowSpan="5">
                   <a:txBody>
                     <a:bodyPr/>
@@ -11251,6 +11251,10 @@
                       <a:pPr marL="0" indent="0">
                         <a:buNone/>
                       </a:pPr>
+                      <a:r>
+                        <a:rPr lang="en-US"/>
+                        <a:t>-    LR: 1e-4</a:t>
+                      </a:r>
                       <a:endParaRPr lang="en-US" dirty="0"/>
                     </a:p>
                   </a:txBody>
@@ -11475,53 +11479,6 @@
           </a:graphicData>
         </a:graphic>
       </p:graphicFrame>
-      <p:pic>
-        <p:nvPicPr>
-          <p:cNvPr id="1026" name="Picture 2">
-            <a:extLst>
-              <a:ext uri="{FF2B5EF4-FFF2-40B4-BE49-F238E27FC236}">
-                <a16:creationId xmlns:a16="http://schemas.microsoft.com/office/drawing/2014/main" id="{66498B58-0977-4BF2-A8E3-26D8C268C490}"/>
-              </a:ext>
-            </a:extLst>
-          </p:cNvPr>
-          <p:cNvPicPr>
-            <a:picLocks noChangeAspect="1" noChangeArrowheads="1"/>
-          </p:cNvPicPr>
-          <p:nvPr/>
-        </p:nvPicPr>
-        <p:blipFill>
-          <a:blip r:embed="rId2">
-            <a:extLst>
-              <a:ext uri="{28A0092B-C50C-407E-A947-70E740481C1C}">
-                <a14:useLocalDpi xmlns:a14="http://schemas.microsoft.com/office/drawing/2010/main" val="0"/>
-              </a:ext>
-            </a:extLst>
-          </a:blip>
-          <a:srcRect/>
-          <a:stretch>
-            <a:fillRect/>
-          </a:stretch>
-        </p:blipFill>
-        <p:spPr bwMode="auto">
-          <a:xfrm>
-            <a:off x="257911" y="4219695"/>
-            <a:ext cx="3323489" cy="2215660"/>
-          </a:xfrm>
-          <a:prstGeom prst="rect">
-            <a:avLst/>
-          </a:prstGeom>
-          <a:noFill/>
-          <a:extLst>
-            <a:ext uri="{909E8E84-426E-40DD-AFC4-6F175D3DCCD1}">
-              <a14:hiddenFill xmlns:a14="http://schemas.microsoft.com/office/drawing/2010/main">
-                <a:solidFill>
-                  <a:srgbClr val="FFFFFF"/>
-                </a:solidFill>
-              </a14:hiddenFill>
-            </a:ext>
-          </a:extLst>
-        </p:spPr>
-      </p:pic>
       <p:sp>
         <p:nvSpPr>
           <p:cNvPr id="3" name="TextBox 2">
@@ -11558,53 +11515,6 @@
           </a:p>
         </p:txBody>
       </p:sp>
-      <p:pic>
-        <p:nvPicPr>
-          <p:cNvPr id="1028" name="Picture 4">
-            <a:extLst>
-              <a:ext uri="{FF2B5EF4-FFF2-40B4-BE49-F238E27FC236}">
-                <a16:creationId xmlns:a16="http://schemas.microsoft.com/office/drawing/2014/main" id="{9DDD49DF-F552-4A6A-883E-A7F68DCB7E47}"/>
-              </a:ext>
-            </a:extLst>
-          </p:cNvPr>
-          <p:cNvPicPr>
-            <a:picLocks noChangeAspect="1" noChangeArrowheads="1"/>
-          </p:cNvPicPr>
-          <p:nvPr/>
-        </p:nvPicPr>
-        <p:blipFill>
-          <a:blip r:embed="rId3">
-            <a:extLst>
-              <a:ext uri="{28A0092B-C50C-407E-A947-70E740481C1C}">
-                <a14:useLocalDpi xmlns:a14="http://schemas.microsoft.com/office/drawing/2010/main" val="0"/>
-              </a:ext>
-            </a:extLst>
-          </a:blip>
-          <a:srcRect/>
-          <a:stretch>
-            <a:fillRect/>
-          </a:stretch>
-        </p:blipFill>
-        <p:spPr bwMode="auto">
-          <a:xfrm>
-            <a:off x="4189242" y="4187087"/>
-            <a:ext cx="3323489" cy="2215659"/>
-          </a:xfrm>
-          <a:prstGeom prst="rect">
-            <a:avLst/>
-          </a:prstGeom>
-          <a:noFill/>
-          <a:extLst>
-            <a:ext uri="{909E8E84-426E-40DD-AFC4-6F175D3DCCD1}">
-              <a14:hiddenFill xmlns:a14="http://schemas.microsoft.com/office/drawing/2010/main">
-                <a:solidFill>
-                  <a:srgbClr val="FFFFFF"/>
-                </a:solidFill>
-              </a14:hiddenFill>
-            </a:ext>
-          </a:extLst>
-        </p:spPr>
-      </p:pic>
       <p:sp>
         <p:nvSpPr>
           <p:cNvPr id="7" name="Rectangle 6">
@@ -11669,8 +11579,8 @@
         </p:blipFill>
         <p:spPr bwMode="auto">
           <a:xfrm>
-            <a:off x="7938185" y="1013325"/>
-            <a:ext cx="3233227" cy="2155485"/>
+            <a:off x="9246960" y="1222552"/>
+            <a:ext cx="2786541" cy="1857694"/>
           </a:xfrm>
           <a:prstGeom prst="rect">
             <a:avLst/>
@@ -11701,7 +11611,7 @@
         </p:nvSpPr>
         <p:spPr>
           <a:xfrm>
-            <a:off x="8919227" y="3244334"/>
+            <a:off x="8846893" y="3352425"/>
             <a:ext cx="1064972" cy="369332"/>
           </a:xfrm>
           <a:prstGeom prst="rect">
@@ -11737,7 +11647,7 @@
           <p:nvPr/>
         </p:nvPicPr>
         <p:blipFill>
-          <a:blip r:embed="rId4">
+          <a:blip r:embed="rId3">
             <a:extLst>
               <a:ext uri="{28A0092B-C50C-407E-A947-70E740481C1C}">
                 <a14:useLocalDpi xmlns:a14="http://schemas.microsoft.com/office/drawing/2010/main" val="0"/>
@@ -11804,6 +11714,147 @@
           </a:p>
         </p:txBody>
       </p:sp>
+      <p:pic>
+        <p:nvPicPr>
+          <p:cNvPr id="4" name="Picture 2">
+            <a:extLst>
+              <a:ext uri="{FF2B5EF4-FFF2-40B4-BE49-F238E27FC236}">
+                <a16:creationId xmlns:a16="http://schemas.microsoft.com/office/drawing/2014/main" id="{653D57C1-5936-4A53-BB63-0414250A10BE}"/>
+              </a:ext>
+            </a:extLst>
+          </p:cNvPr>
+          <p:cNvPicPr>
+            <a:picLocks noChangeAspect="1" noChangeArrowheads="1"/>
+          </p:cNvPicPr>
+          <p:nvPr/>
+        </p:nvPicPr>
+        <p:blipFill>
+          <a:blip r:embed="rId4">
+            <a:extLst>
+              <a:ext uri="{28A0092B-C50C-407E-A947-70E740481C1C}">
+                <a14:useLocalDpi xmlns:a14="http://schemas.microsoft.com/office/drawing/2010/main" val="0"/>
+              </a:ext>
+            </a:extLst>
+          </a:blip>
+          <a:srcRect/>
+          <a:stretch>
+            <a:fillRect/>
+          </a:stretch>
+        </p:blipFill>
+        <p:spPr bwMode="auto">
+          <a:xfrm>
+            <a:off x="6460419" y="1196148"/>
+            <a:ext cx="2786541" cy="1857694"/>
+          </a:xfrm>
+          <a:prstGeom prst="rect">
+            <a:avLst/>
+          </a:prstGeom>
+          <a:noFill/>
+          <a:extLst>
+            <a:ext uri="{909E8E84-426E-40DD-AFC4-6F175D3DCCD1}">
+              <a14:hiddenFill xmlns:a14="http://schemas.microsoft.com/office/drawing/2010/main">
+                <a:solidFill>
+                  <a:srgbClr val="FFFFFF"/>
+                </a:solidFill>
+              </a14:hiddenFill>
+            </a:ext>
+          </a:extLst>
+        </p:spPr>
+      </p:pic>
+      <p:pic>
+        <p:nvPicPr>
+          <p:cNvPr id="5" name="Picture 4">
+            <a:extLst>
+              <a:ext uri="{FF2B5EF4-FFF2-40B4-BE49-F238E27FC236}">
+                <a16:creationId xmlns:a16="http://schemas.microsoft.com/office/drawing/2014/main" id="{6B50FF17-2548-4F10-B1AC-DF44A88901EC}"/>
+              </a:ext>
+            </a:extLst>
+          </p:cNvPr>
+          <p:cNvPicPr>
+            <a:picLocks noChangeAspect="1" noChangeArrowheads="1"/>
+          </p:cNvPicPr>
+          <p:nvPr/>
+        </p:nvPicPr>
+        <p:blipFill>
+          <a:blip r:embed="rId5">
+            <a:extLst>
+              <a:ext uri="{28A0092B-C50C-407E-A947-70E740481C1C}">
+                <a14:useLocalDpi xmlns:a14="http://schemas.microsoft.com/office/drawing/2010/main" val="0"/>
+              </a:ext>
+            </a:extLst>
+          </a:blip>
+          <a:srcRect/>
+          <a:stretch>
+            <a:fillRect/>
+          </a:stretch>
+        </p:blipFill>
+        <p:spPr bwMode="auto">
+          <a:xfrm>
+            <a:off x="4276284" y="4073155"/>
+            <a:ext cx="3543300" cy="2362200"/>
+          </a:xfrm>
+          <a:prstGeom prst="rect">
+            <a:avLst/>
+          </a:prstGeom>
+          <a:noFill/>
+          <a:extLst>
+            <a:ext uri="{909E8E84-426E-40DD-AFC4-6F175D3DCCD1}">
+              <a14:hiddenFill xmlns:a14="http://schemas.microsoft.com/office/drawing/2010/main">
+                <a:solidFill>
+                  <a:srgbClr val="FFFFFF"/>
+                </a:solidFill>
+              </a14:hiddenFill>
+            </a:ext>
+          </a:extLst>
+        </p:spPr>
+      </p:pic>
+      <p:pic>
+        <p:nvPicPr>
+          <p:cNvPr id="8" name="Picture 6">
+            <a:extLst>
+              <a:ext uri="{FF2B5EF4-FFF2-40B4-BE49-F238E27FC236}">
+                <a16:creationId xmlns:a16="http://schemas.microsoft.com/office/drawing/2014/main" id="{15ADA7E6-B90E-421B-8B79-0B11C3F0FCBF}"/>
+              </a:ext>
+            </a:extLst>
+          </p:cNvPr>
+          <p:cNvPicPr>
+            <a:picLocks noChangeAspect="1" noChangeArrowheads="1"/>
+          </p:cNvPicPr>
+          <p:nvPr/>
+        </p:nvPicPr>
+        <p:blipFill>
+          <a:blip r:embed="rId6">
+            <a:extLst>
+              <a:ext uri="{28A0092B-C50C-407E-A947-70E740481C1C}">
+                <a14:useLocalDpi xmlns:a14="http://schemas.microsoft.com/office/drawing/2010/main" val="0"/>
+              </a:ext>
+            </a:extLst>
+          </a:blip>
+          <a:srcRect/>
+          <a:stretch>
+            <a:fillRect/>
+          </a:stretch>
+        </p:blipFill>
+        <p:spPr bwMode="auto">
+          <a:xfrm>
+            <a:off x="240517" y="4041995"/>
+            <a:ext cx="3543300" cy="2362200"/>
+          </a:xfrm>
+          <a:prstGeom prst="rect">
+            <a:avLst/>
+          </a:prstGeom>
+          <a:noFill/>
+          <a:extLst>
+            <a:ext uri="{909E8E84-426E-40DD-AFC4-6F175D3DCCD1}">
+              <a14:hiddenFill xmlns:a14="http://schemas.microsoft.com/office/drawing/2010/main">
+                <a:solidFill>
+                  <a:srgbClr val="FFFFFF"/>
+                </a:solidFill>
+              </a14:hiddenFill>
+            </a:ext>
+          </a:extLst>
+        </p:spPr>
+      </p:pic>
     </p:spTree>
     <p:extLst>
       <p:ext uri="{BB962C8B-B14F-4D97-AF65-F5344CB8AC3E}">

--- a/mid_term/mid_term_v2.pptx
+++ b/mid_term/mid_term_v2.pptx
@@ -8164,14 +8164,14 @@
           <p:nvPr>
             <p:extLst>
               <p:ext uri="{D42A27DB-BD31-4B8C-83A1-F6EECF244321}">
-                <p14:modId xmlns:p14="http://schemas.microsoft.com/office/powerpoint/2010/main" val="145175361"/>
+                <p14:modId xmlns:p14="http://schemas.microsoft.com/office/powerpoint/2010/main" val="1825147255"/>
               </p:ext>
             </p:extLst>
           </p:nvPr>
         </p:nvGraphicFramePr>
         <p:xfrm>
           <a:off x="489246" y="1998755"/>
-          <a:ext cx="5365492" cy="3313766"/>
+          <a:ext cx="5318334" cy="3313766"/>
         </p:xfrm>
         <a:graphic>
           <a:graphicData uri="http://schemas.openxmlformats.org/drawingml/2006/table">
@@ -8180,7 +8180,7 @@
                 <a:tableStyleId>{5C22544A-7EE6-4342-B048-85BDC9FD1C3A}</a:tableStyleId>
               </a:tblPr>
               <a:tblGrid>
-                <a:gridCol w="1452096">
+                <a:gridCol w="1404938">
                   <a:extLst>
                     <a:ext uri="{9D8B030D-6E8A-4147-A177-3AD203B41FA5}">
                       <a16:colId xmlns:a16="http://schemas.microsoft.com/office/drawing/2014/main" val="1886076112"/>
@@ -8262,8 +8262,24 @@
                     </a:p>
                     <a:p>
                       <a:r>
+                        <a:rPr lang="en-US" sz="1800" b="0" i="0" kern="1200">
+                          <a:solidFill>
+                            <a:schemeClr val="dk1"/>
+                          </a:solidFill>
+                          <a:effectLst/>
+                          <a:latin typeface="+mn-lt"/>
+                          <a:ea typeface="+mn-ea"/>
+                          <a:cs typeface="+mn-cs"/>
+                        </a:rPr>
+                        <a:t>2397</a:t>
+                      </a:r>
+                      <a:r>
+                        <a:rPr lang="en-US"/>
+                        <a:t> </a:t>
+                      </a:r>
+                      <a:r>
                         <a:rPr lang="en-US" dirty="0"/>
-                        <a:t>2097 images</a:t>
+                        <a:t>images</a:t>
                       </a:r>
                     </a:p>
                   </a:txBody>
@@ -8306,7 +8322,7 @@
                     <a:p>
                       <a:r>
                         <a:rPr lang="en-US" dirty="0"/>
-                        <a:t>890 (0.42%)</a:t>
+                        <a:t>1017 (0.42%)</a:t>
                       </a:r>
                     </a:p>
                   </a:txBody>
@@ -8366,7 +8382,7 @@
                     <a:p>
                       <a:r>
                         <a:rPr lang="en-US" dirty="0"/>
-                        <a:t>1207 (0.57%)</a:t>
+                        <a:t>1380 (0.57%)</a:t>
                       </a:r>
                     </a:p>
                   </a:txBody>
@@ -8392,7 +8408,7 @@
                     <a:p>
                       <a:r>
                         <a:rPr lang="en-US" dirty="0"/>
-                        <a:t>900 images</a:t>
+                        <a:t>600 images</a:t>
                       </a:r>
                     </a:p>
                   </a:txBody>
@@ -8435,7 +8451,7 @@
                     <a:p>
                       <a:r>
                         <a:rPr lang="en-US" dirty="0"/>
-                        <a:t>518 (0.42%)</a:t>
+                        <a:t>255 (0.42%)</a:t>
                       </a:r>
                     </a:p>
                   </a:txBody>
@@ -8495,7 +8511,7 @@
                     <a:p>
                       <a:r>
                         <a:rPr lang="en-US" dirty="0"/>
-                        <a:t>382 (0.57%)</a:t>
+                        <a:t>345 (0.57%)</a:t>
                       </a:r>
                     </a:p>
                   </a:txBody>
@@ -11252,10 +11268,9 @@
                         <a:buNone/>
                       </a:pPr>
                       <a:r>
-                        <a:rPr lang="en-US"/>
+                        <a:rPr lang="en-US" dirty="0"/>
                         <a:t>-    LR: 1e-4</a:t>
                       </a:r>
-                      <a:endParaRPr lang="en-US" dirty="0"/>
                     </a:p>
                   </a:txBody>
                   <a:tcPr/>
@@ -11550,53 +11565,6 @@
           </a:p>
         </p:txBody>
       </p:sp>
-      <p:pic>
-        <p:nvPicPr>
-          <p:cNvPr id="1030" name="Picture 6">
-            <a:extLst>
-              <a:ext uri="{FF2B5EF4-FFF2-40B4-BE49-F238E27FC236}">
-                <a16:creationId xmlns:a16="http://schemas.microsoft.com/office/drawing/2014/main" id="{9635ED70-6677-4692-917B-DB01B1DB0DFC}"/>
-              </a:ext>
-            </a:extLst>
-          </p:cNvPr>
-          <p:cNvPicPr>
-            <a:picLocks noChangeAspect="1" noChangeArrowheads="1"/>
-          </p:cNvPicPr>
-          <p:nvPr/>
-        </p:nvPicPr>
-        <p:blipFill>
-          <a:blip r:embed="rId2">
-            <a:extLst>
-              <a:ext uri="{28A0092B-C50C-407E-A947-70E740481C1C}">
-                <a14:useLocalDpi xmlns:a14="http://schemas.microsoft.com/office/drawing/2010/main" val="0"/>
-              </a:ext>
-            </a:extLst>
-          </a:blip>
-          <a:srcRect/>
-          <a:stretch>
-            <a:fillRect/>
-          </a:stretch>
-        </p:blipFill>
-        <p:spPr bwMode="auto">
-          <a:xfrm>
-            <a:off x="9246960" y="1222552"/>
-            <a:ext cx="2786541" cy="1857694"/>
-          </a:xfrm>
-          <a:prstGeom prst="rect">
-            <a:avLst/>
-          </a:prstGeom>
-          <a:noFill/>
-          <a:extLst>
-            <a:ext uri="{909E8E84-426E-40DD-AFC4-6F175D3DCCD1}">
-              <a14:hiddenFill xmlns:a14="http://schemas.microsoft.com/office/drawing/2010/main">
-                <a:solidFill>
-                  <a:srgbClr val="FFFFFF"/>
-                </a:solidFill>
-              </a14:hiddenFill>
-            </a:ext>
-          </a:extLst>
-        </p:spPr>
-      </p:pic>
       <p:sp>
         <p:nvSpPr>
           <p:cNvPr id="9" name="Rectangle 8">
@@ -11632,53 +11600,6 @@
           </a:p>
         </p:txBody>
       </p:sp>
-      <p:pic>
-        <p:nvPicPr>
-          <p:cNvPr id="1032" name="Picture 8">
-            <a:extLst>
-              <a:ext uri="{FF2B5EF4-FFF2-40B4-BE49-F238E27FC236}">
-                <a16:creationId xmlns:a16="http://schemas.microsoft.com/office/drawing/2014/main" id="{F8A9D67B-9734-42A8-94C2-0AC171B085AF}"/>
-              </a:ext>
-            </a:extLst>
-          </p:cNvPr>
-          <p:cNvPicPr>
-            <a:picLocks noChangeAspect="1" noChangeArrowheads="1"/>
-          </p:cNvPicPr>
-          <p:nvPr/>
-        </p:nvPicPr>
-        <p:blipFill>
-          <a:blip r:embed="rId3">
-            <a:extLst>
-              <a:ext uri="{28A0092B-C50C-407E-A947-70E740481C1C}">
-                <a14:useLocalDpi xmlns:a14="http://schemas.microsoft.com/office/drawing/2010/main" val="0"/>
-              </a:ext>
-            </a:extLst>
-          </a:blip>
-          <a:srcRect/>
-          <a:stretch>
-            <a:fillRect/>
-          </a:stretch>
-        </p:blipFill>
-        <p:spPr bwMode="auto">
-          <a:xfrm>
-            <a:off x="8250121" y="4046745"/>
-            <a:ext cx="3323489" cy="2215659"/>
-          </a:xfrm>
-          <a:prstGeom prst="rect">
-            <a:avLst/>
-          </a:prstGeom>
-          <a:noFill/>
-          <a:extLst>
-            <a:ext uri="{909E8E84-426E-40DD-AFC4-6F175D3DCCD1}">
-              <a14:hiddenFill xmlns:a14="http://schemas.microsoft.com/office/drawing/2010/main">
-                <a:solidFill>
-                  <a:srgbClr val="FFFFFF"/>
-                </a:solidFill>
-              </a14:hiddenFill>
-            </a:ext>
-          </a:extLst>
-        </p:spPr>
-      </p:pic>
       <p:sp>
         <p:nvSpPr>
           <p:cNvPr id="10" name="Rectangle 9">
@@ -11729,7 +11650,7 @@
           <p:nvPr/>
         </p:nvPicPr>
         <p:blipFill>
-          <a:blip r:embed="rId4">
+          <a:blip r:embed="rId2">
             <a:extLst>
               <a:ext uri="{28A0092B-C50C-407E-A947-70E740481C1C}">
                 <a14:useLocalDpi xmlns:a14="http://schemas.microsoft.com/office/drawing/2010/main" val="0"/>
@@ -11776,7 +11697,7 @@
           <p:nvPr/>
         </p:nvPicPr>
         <p:blipFill>
-          <a:blip r:embed="rId5">
+          <a:blip r:embed="rId3">
             <a:extLst>
               <a:ext uri="{28A0092B-C50C-407E-A947-70E740481C1C}">
                 <a14:useLocalDpi xmlns:a14="http://schemas.microsoft.com/office/drawing/2010/main" val="0"/>
@@ -11823,7 +11744,7 @@
           <p:nvPr/>
         </p:nvPicPr>
         <p:blipFill>
-          <a:blip r:embed="rId6">
+          <a:blip r:embed="rId4">
             <a:extLst>
               <a:ext uri="{28A0092B-C50C-407E-A947-70E740481C1C}">
                 <a14:useLocalDpi xmlns:a14="http://schemas.microsoft.com/office/drawing/2010/main" val="0"/>
@@ -11839,6 +11760,100 @@
           <a:xfrm>
             <a:off x="240517" y="4041995"/>
             <a:ext cx="3543300" cy="2362200"/>
+          </a:xfrm>
+          <a:prstGeom prst="rect">
+            <a:avLst/>
+          </a:prstGeom>
+          <a:noFill/>
+          <a:extLst>
+            <a:ext uri="{909E8E84-426E-40DD-AFC4-6F175D3DCCD1}">
+              <a14:hiddenFill xmlns:a14="http://schemas.microsoft.com/office/drawing/2010/main">
+                <a:solidFill>
+                  <a:srgbClr val="FFFFFF"/>
+                </a:solidFill>
+              </a14:hiddenFill>
+            </a:ext>
+          </a:extLst>
+        </p:spPr>
+      </p:pic>
+      <p:pic>
+        <p:nvPicPr>
+          <p:cNvPr id="12" name="Picture 8">
+            <a:extLst>
+              <a:ext uri="{FF2B5EF4-FFF2-40B4-BE49-F238E27FC236}">
+                <a16:creationId xmlns:a16="http://schemas.microsoft.com/office/drawing/2014/main" id="{4F8C5D42-EBED-433A-8A69-5F67D83FE6B3}"/>
+              </a:ext>
+            </a:extLst>
+          </p:cNvPr>
+          <p:cNvPicPr>
+            <a:picLocks noChangeAspect="1" noChangeArrowheads="1"/>
+          </p:cNvPicPr>
+          <p:nvPr/>
+        </p:nvPicPr>
+        <p:blipFill>
+          <a:blip r:embed="rId5">
+            <a:extLst>
+              <a:ext uri="{28A0092B-C50C-407E-A947-70E740481C1C}">
+                <a14:useLocalDpi xmlns:a14="http://schemas.microsoft.com/office/drawing/2010/main" val="0"/>
+              </a:ext>
+            </a:extLst>
+          </a:blip>
+          <a:srcRect/>
+          <a:stretch>
+            <a:fillRect/>
+          </a:stretch>
+        </p:blipFill>
+        <p:spPr bwMode="auto">
+          <a:xfrm>
+            <a:off x="8312051" y="3953012"/>
+            <a:ext cx="3543300" cy="2362200"/>
+          </a:xfrm>
+          <a:prstGeom prst="rect">
+            <a:avLst/>
+          </a:prstGeom>
+          <a:noFill/>
+          <a:extLst>
+            <a:ext uri="{909E8E84-426E-40DD-AFC4-6F175D3DCCD1}">
+              <a14:hiddenFill xmlns:a14="http://schemas.microsoft.com/office/drawing/2010/main">
+                <a:solidFill>
+                  <a:srgbClr val="FFFFFF"/>
+                </a:solidFill>
+              </a14:hiddenFill>
+            </a:ext>
+          </a:extLst>
+        </p:spPr>
+      </p:pic>
+      <p:pic>
+        <p:nvPicPr>
+          <p:cNvPr id="1034" name="Picture 10">
+            <a:extLst>
+              <a:ext uri="{FF2B5EF4-FFF2-40B4-BE49-F238E27FC236}">
+                <a16:creationId xmlns:a16="http://schemas.microsoft.com/office/drawing/2014/main" id="{D9A80740-F3AB-4EF3-BEB4-B0E4D9F2F610}"/>
+              </a:ext>
+            </a:extLst>
+          </p:cNvPr>
+          <p:cNvPicPr>
+            <a:picLocks noChangeAspect="1" noChangeArrowheads="1"/>
+          </p:cNvPicPr>
+          <p:nvPr/>
+        </p:nvPicPr>
+        <p:blipFill>
+          <a:blip r:embed="rId6">
+            <a:extLst>
+              <a:ext uri="{28A0092B-C50C-407E-A947-70E740481C1C}">
+                <a14:useLocalDpi xmlns:a14="http://schemas.microsoft.com/office/drawing/2010/main" val="0"/>
+              </a:ext>
+            </a:extLst>
+          </a:blip>
+          <a:srcRect/>
+          <a:stretch>
+            <a:fillRect/>
+          </a:stretch>
+        </p:blipFill>
+        <p:spPr bwMode="auto">
+          <a:xfrm>
+            <a:off x="9455370" y="1354225"/>
+            <a:ext cx="2549426" cy="1699617"/>
           </a:xfrm>
           <a:prstGeom prst="rect">
             <a:avLst/>

--- a/mid_term/mid_term_v2.pptx
+++ b/mid_term/mid_term_v2.pptx
@@ -8262,7 +8262,7 @@
                     </a:p>
                     <a:p>
                       <a:r>
-                        <a:rPr lang="en-US" sz="1800" b="0" i="0" kern="1200">
+                        <a:rPr lang="en-US" sz="1800" b="0" i="0" kern="1200" dirty="0">
                           <a:solidFill>
                             <a:schemeClr val="dk1"/>
                           </a:solidFill>
@@ -8274,12 +8274,8 @@
                         <a:t>2397</a:t>
                       </a:r>
                       <a:r>
-                        <a:rPr lang="en-US"/>
-                        <a:t> </a:t>
-                      </a:r>
-                      <a:r>
                         <a:rPr lang="en-US" dirty="0"/>
-                        <a:t>images</a:t>
+                        <a:t> images</a:t>
                       </a:r>
                     </a:p>
                   </a:txBody>
@@ -10640,14 +10636,14 @@
           <p:nvPr>
             <p:extLst>
               <p:ext uri="{D42A27DB-BD31-4B8C-83A1-F6EECF244321}">
-                <p14:modId xmlns:p14="http://schemas.microsoft.com/office/powerpoint/2010/main" val="1151250846"/>
+                <p14:modId xmlns:p14="http://schemas.microsoft.com/office/powerpoint/2010/main" val="42012240"/>
               </p:ext>
             </p:extLst>
           </p:nvPr>
         </p:nvGraphicFramePr>
         <p:xfrm>
-          <a:off x="299803" y="1704274"/>
-          <a:ext cx="5796197" cy="3733409"/>
+          <a:off x="299803" y="1704275"/>
+          <a:ext cx="5796197" cy="3416366"/>
         </p:xfrm>
         <a:graphic>
           <a:graphicData uri="http://schemas.openxmlformats.org/drawingml/2006/table">
@@ -10678,7 +10674,7 @@
                   </a:extLst>
                 </a:gridCol>
               </a:tblGrid>
-              <a:tr h="861438">
+              <a:tr h="788284">
                 <a:tc rowSpan="5">
                   <a:txBody>
                     <a:bodyPr/>
@@ -10766,6 +10762,21 @@
                         <a:rPr lang="en-US" dirty="0"/>
                         <a:t>Batchsize:64</a:t>
                       </a:r>
+                    </a:p>
+                    <a:p>
+                      <a:pPr marL="285750" indent="-285750">
+                        <a:buFontTx/>
+                        <a:buChar char="-"/>
+                      </a:pPr>
+                      <a:r>
+                        <a:rPr lang="en-US" dirty="0" err="1"/>
+                        <a:t>Kfold</a:t>
+                      </a:r>
+                      <a:r>
+                        <a:rPr lang="en-US"/>
+                        <a:t>: 5</a:t>
+                      </a:r>
+                      <a:endParaRPr lang="en-US" dirty="0"/>
                     </a:p>
                     <a:p>
                       <a:pPr marL="285750" indent="-285750">
@@ -10809,7 +10820,7 @@
                   </a:ext>
                 </a:extLst>
               </a:tr>
-              <a:tr h="554024">
+              <a:tr h="506976">
                 <a:tc vMerge="1">
                   <a:txBody>
                     <a:bodyPr/>
@@ -10853,7 +10864,7 @@
                   </a:ext>
                 </a:extLst>
               </a:tr>
-              <a:tr h="591306">
+              <a:tr h="541092">
                 <a:tc vMerge="1">
                   <a:txBody>
                     <a:bodyPr/>
@@ -10885,7 +10896,7 @@
                       <a:pPr algn="ctr"/>
                       <a:r>
                         <a:rPr lang="en-US" dirty="0"/>
-                        <a:t>0.9273</a:t>
+                        <a:t>0.9215</a:t>
                       </a:r>
                     </a:p>
                   </a:txBody>
@@ -10897,7 +10908,7 @@
                   </a:ext>
                 </a:extLst>
               </a:tr>
-              <a:tr h="741697">
+              <a:tr h="678712">
                 <a:tc vMerge="1">
                   <a:txBody>
                     <a:bodyPr/>
@@ -10942,7 +10953,7 @@
                   </a:ext>
                 </a:extLst>
               </a:tr>
-              <a:tr h="984944">
+              <a:tr h="901302">
                 <a:tc vMerge="1">
                   <a:txBody>
                     <a:bodyPr/>
@@ -10974,7 +10985,7 @@
                       <a:pPr algn="ctr"/>
                       <a:r>
                         <a:rPr lang="en-US" dirty="0"/>
-                        <a:t>0.9505</a:t>
+                        <a:t>0.9467</a:t>
                       </a:r>
                     </a:p>
                   </a:txBody>
@@ -22911,8 +22922,8 @@
           </a:p>
         </p:txBody>
       </p:sp>
-      <mc:AlternateContent xmlns:mc="http://schemas.openxmlformats.org/markup-compatibility/2006" xmlns:a14="http://schemas.microsoft.com/office/drawing/2010/main">
-        <mc:Choice Requires="a14">
+      <mc:AlternateContent xmlns:mc="http://schemas.openxmlformats.org/markup-compatibility/2006">
+        <mc:Choice xmlns:a14="http://schemas.microsoft.com/office/drawing/2010/main" Requires="a14">
           <p:graphicFrame>
             <p:nvGraphicFramePr>
               <p:cNvPr id="10" name="Table 6">
@@ -22928,14 +22939,14 @@
               <p:nvPr>
                 <p:extLst>
                   <p:ext uri="{D42A27DB-BD31-4B8C-83A1-F6EECF244321}">
-                    <p14:modId xmlns:p14="http://schemas.microsoft.com/office/powerpoint/2010/main" val="1592437787"/>
+                    <p14:modId xmlns:p14="http://schemas.microsoft.com/office/powerpoint/2010/main" val="2839911073"/>
                   </p:ext>
                 </p:extLst>
               </p:nvPr>
             </p:nvGraphicFramePr>
             <p:xfrm>
-              <a:off x="1516986" y="1032843"/>
-              <a:ext cx="8623975" cy="4105687"/>
+              <a:off x="180555" y="1070658"/>
+              <a:ext cx="5915445" cy="4105687"/>
             </p:xfrm>
             <a:graphic>
               <a:graphicData uri="http://schemas.openxmlformats.org/drawingml/2006/table">
@@ -22944,14 +22955,14 @@
                     <a:tableStyleId>{5C22544A-7EE6-4342-B048-85BDC9FD1C3A}</a:tableStyleId>
                   </a:tblPr>
                   <a:tblGrid>
-                    <a:gridCol w="3140268">
+                    <a:gridCol w="1868120">
                       <a:extLst>
                         <a:ext uri="{9D8B030D-6E8A-4147-A177-3AD203B41FA5}">
                           <a16:colId xmlns:a16="http://schemas.microsoft.com/office/drawing/2014/main" val="3260499319"/>
                         </a:ext>
                       </a:extLst>
                     </a:gridCol>
-                    <a:gridCol w="5483707">
+                    <a:gridCol w="4047325">
                       <a:extLst>
                         <a:ext uri="{9D8B030D-6E8A-4147-A177-3AD203B41FA5}">
                           <a16:colId xmlns:a16="http://schemas.microsoft.com/office/drawing/2014/main" val="1498540713"/>
@@ -23894,7 +23905,7 @@
             </a:graphic>
           </p:graphicFrame>
         </mc:Choice>
-        <mc:Fallback xmlns="">
+        <mc:Fallback>
           <p:graphicFrame>
             <p:nvGraphicFramePr>
               <p:cNvPr id="10" name="Table 6">
@@ -23910,14 +23921,14 @@
               <p:nvPr>
                 <p:extLst>
                   <p:ext uri="{D42A27DB-BD31-4B8C-83A1-F6EECF244321}">
-                    <p14:modId xmlns:p14="http://schemas.microsoft.com/office/powerpoint/2010/main" val="1592437787"/>
+                    <p14:modId xmlns:p14="http://schemas.microsoft.com/office/powerpoint/2010/main" val="2839911073"/>
                   </p:ext>
                 </p:extLst>
               </p:nvPr>
             </p:nvGraphicFramePr>
             <p:xfrm>
-              <a:off x="1516986" y="1032843"/>
-              <a:ext cx="8623975" cy="4105687"/>
+              <a:off x="180555" y="1070658"/>
+              <a:ext cx="5915445" cy="4105687"/>
             </p:xfrm>
             <a:graphic>
               <a:graphicData uri="http://schemas.openxmlformats.org/drawingml/2006/table">
@@ -23926,14 +23937,14 @@
                     <a:tableStyleId>{5C22544A-7EE6-4342-B048-85BDC9FD1C3A}</a:tableStyleId>
                   </a:tblPr>
                   <a:tblGrid>
-                    <a:gridCol w="3140268">
+                    <a:gridCol w="1868120">
                       <a:extLst>
                         <a:ext uri="{9D8B030D-6E8A-4147-A177-3AD203B41FA5}">
                           <a16:colId xmlns:a16="http://schemas.microsoft.com/office/drawing/2014/main" val="3260499319"/>
                         </a:ext>
                       </a:extLst>
                     </a:gridCol>
-                    <a:gridCol w="5483707">
+                    <a:gridCol w="4047325">
                       <a:extLst>
                         <a:ext uri="{9D8B030D-6E8A-4147-A177-3AD203B41FA5}">
                           <a16:colId xmlns:a16="http://schemas.microsoft.com/office/drawing/2014/main" val="1498540713"/>
@@ -24003,7 +24014,7 @@
                         <a:blipFill>
                           <a:blip r:embed="rId2"/>
                           <a:stretch>
-                            <a:fillRect l="-57444" t="-76355" r="-222" b="-159606"/>
+                            <a:fillRect l="-46386" t="-75980" r="-452" b="-158333"/>
                           </a:stretch>
                         </a:blipFill>
                       </a:tcPr>
@@ -24040,7 +24051,7 @@
                         <a:blipFill>
                           <a:blip r:embed="rId2"/>
                           <a:stretch>
-                            <a:fillRect l="-57444" t="-173786" r="-222" b="-57282"/>
+                            <a:fillRect l="-46386" t="-175122" r="-452" b="-57561"/>
                           </a:stretch>
                         </a:blipFill>
                       </a:tcPr>
@@ -24114,7 +24125,7 @@
                         <a:blipFill>
                           <a:blip r:embed="rId2"/>
                           <a:stretch>
-                            <a:fillRect l="-57444" t="-490435" r="-222" b="-2609"/>
+                            <a:fillRect l="-46386" t="-486207" r="-452" b="-1724"/>
                           </a:stretch>
                         </a:blipFill>
                       </a:tcPr>
@@ -24146,13 +24157,13 @@
           <p:nvPr>
             <p:extLst>
               <p:ext uri="{D42A27DB-BD31-4B8C-83A1-F6EECF244321}">
-                <p14:modId xmlns:p14="http://schemas.microsoft.com/office/powerpoint/2010/main" val="3536753837"/>
+                <p14:modId xmlns:p14="http://schemas.microsoft.com/office/powerpoint/2010/main" val="1391126945"/>
               </p:ext>
             </p:extLst>
           </p:nvPr>
         </p:nvGraphicFramePr>
         <p:xfrm>
-          <a:off x="3661578" y="5176345"/>
+          <a:off x="7019011" y="5327873"/>
           <a:ext cx="4334789" cy="1310640"/>
         </p:xfrm>
         <a:graphic>
@@ -24170,7 +24181,7 @@
                   </a:extLst>
                 </a:gridCol>
               </a:tblGrid>
-              <a:tr h="1188069">
+              <a:tr h="1116847">
                 <a:tc>
                   <a:txBody>
                     <a:bodyPr/>
@@ -24298,6 +24309,36 @@
           </a:graphicData>
         </a:graphic>
       </p:graphicFrame>
+      <p:pic>
+        <p:nvPicPr>
+          <p:cNvPr id="2" name="Picture 1">
+            <a:extLst>
+              <a:ext uri="{FF2B5EF4-FFF2-40B4-BE49-F238E27FC236}">
+                <a16:creationId xmlns:a16="http://schemas.microsoft.com/office/drawing/2014/main" id="{031550CC-133C-4D9E-BA52-D8EF98A30A55}"/>
+              </a:ext>
+            </a:extLst>
+          </p:cNvPr>
+          <p:cNvPicPr>
+            <a:picLocks noChangeAspect="1"/>
+          </p:cNvPicPr>
+          <p:nvPr/>
+        </p:nvPicPr>
+        <p:blipFill>
+          <a:blip r:embed="rId3"/>
+          <a:stretch>
+            <a:fillRect/>
+          </a:stretch>
+        </p:blipFill>
+        <p:spPr>
+          <a:xfrm>
+            <a:off x="6318047" y="1530127"/>
+            <a:ext cx="5311245" cy="3186747"/>
+          </a:xfrm>
+          <a:prstGeom prst="rect">
+            <a:avLst/>
+          </a:prstGeom>
+        </p:spPr>
+      </p:pic>
     </p:spTree>
     <p:extLst>
       <p:ext uri="{BB962C8B-B14F-4D97-AF65-F5344CB8AC3E}">

--- a/mid_term/mid_term_v2.pptx
+++ b/mid_term/mid_term_v2.pptx
@@ -284,7 +284,7 @@
 <file path=ppt/comments/comment3.xml><?xml version="1.0" encoding="utf-8"?>
 <p:cmLst xmlns:a="http://schemas.openxmlformats.org/drawingml/2006/main" xmlns:r="http://schemas.openxmlformats.org/officeDocument/2006/relationships" xmlns:p="http://schemas.openxmlformats.org/presentationml/2006/main">
   <p:cm authorId="1" dt="2021-02-25T13:26:17.855" idx="2">
-    <p:pos x="2856" y="2502"/>
+    <p:pos x="7260" y="3902"/>
     <p:text>Optimizer?</p:text>
     <p:extLst>
       <p:ext uri="{C676402C-5697-4E1C-873F-D02D1690AC5C}">
@@ -10773,10 +10773,9 @@
                         <a:t>Kfold</a:t>
                       </a:r>
                       <a:r>
-                        <a:rPr lang="en-US"/>
+                        <a:rPr lang="en-US" dirty="0"/>
                         <a:t>: 5</a:t>
                       </a:r>
-                      <a:endParaRPr lang="en-US" dirty="0"/>
                     </a:p>
                     <a:p>
                       <a:pPr marL="285750" indent="-285750">
@@ -12141,6 +12140,19 @@
                   <a:schemeClr val="tx1"/>
                 </a:solidFill>
               </a:rPr>
+              <a:t>Training pipeline</a:t>
+            </a:r>
+          </a:p>
+          <a:p>
+            <a:pPr marL="0" indent="0">
+              <a:buNone/>
+            </a:pPr>
+            <a:r>
+              <a:rPr lang="en-US" sz="2000" dirty="0">
+                <a:solidFill>
+                  <a:schemeClr val="tx1"/>
+                </a:solidFill>
+              </a:rPr>
               <a:t>Dataset</a:t>
             </a:r>
           </a:p>
@@ -12167,20 +12179,7 @@
                   <a:schemeClr val="tx1"/>
                 </a:solidFill>
               </a:rPr>
-              <a:t>Optimizer</a:t>
-            </a:r>
-          </a:p>
-          <a:p>
-            <a:pPr marL="0" indent="0">
-              <a:buNone/>
-            </a:pPr>
-            <a:r>
-              <a:rPr lang="en-US" sz="2000" dirty="0">
-                <a:solidFill>
-                  <a:schemeClr val="tx1"/>
-                </a:solidFill>
-              </a:rPr>
-              <a:t>Loss, Metric</a:t>
+              <a:t>Optimizer, Loss, Metric</a:t>
             </a:r>
           </a:p>
           <a:p>
@@ -13476,6 +13475,13 @@
               </a:rPr>
               <a:t>Optimizer</a:t>
             </a:r>
+            <a:r>
+              <a:rPr lang="en-US" dirty="0"/>
+              <a:t> , argument</a:t>
+            </a:r>
+            <a:endParaRPr lang="en-US" dirty="0">
+              <a:cs typeface="Calibri" panose="020F0502020204030204"/>
+            </a:endParaRPr>
           </a:p>
           <a:p>
             <a:pPr marL="285750" indent="-285750">
@@ -13483,9 +13489,10 @@
               <a:buChar char="-"/>
             </a:pPr>
             <a:r>
-              <a:rPr lang="en-US" dirty="0"/>
-              <a:t>Lr scheduler</a:t>
+              <a:rPr lang="en-US"/>
+              <a:t>Lr scheduler , argument</a:t>
             </a:r>
+            <a:endParaRPr lang="en-US" dirty="0"/>
           </a:p>
           <a:p>
             <a:pPr marL="285750" indent="-285750">
